--- a/Project Management/GDIP - Work Breakdown structure.pptx
+++ b/Project Management/GDIP - Work Breakdown structure.pptx
@@ -115,9 +115,374 @@
 <file path=ppt/revisionInfo.xml><?xml version="1.0" encoding="utf-8"?>
 <p1510:revInfo xmlns:a="http://schemas.openxmlformats.org/drawingml/2006/main" xmlns:r="http://schemas.openxmlformats.org/officeDocument/2006/relationships" xmlns:p1510="http://schemas.microsoft.com/office/powerpoint/2015/10/main">
   <p1510:revLst>
-    <p1510:client id="{4CB187F2-6CF4-47F1-87B6-0C30566C4B58}" v="581" dt="2022-10-24T15:11:50.565"/>
+    <p1510:client id="{4CB187F2-6CF4-47F1-87B6-0C30566C4B58}" v="712" dt="2022-11-29T09:45:50.198"/>
   </p1510:revLst>
 </p1510:revInfo>
+</file>
+
+<file path=ppt/changesInfos/changesInfo1.xml><?xml version="1.0" encoding="utf-8"?>
+<pc:chgInfo xmlns:a="http://schemas.openxmlformats.org/drawingml/2006/main" xmlns:r="http://schemas.openxmlformats.org/officeDocument/2006/relationships" xmlns:ac="http://schemas.microsoft.com/office/drawing/2013/main/command" xmlns:pc="http://schemas.microsoft.com/office/powerpoint/2013/main/command">
+  <pc:docChgLst>
+    <pc:chgData name="Dominic Pennycook (Student)" userId="231a296d-96c2-4018-9b73-06e01edf7018" providerId="ADAL" clId="{4CB187F2-6CF4-47F1-87B6-0C30566C4B58}"/>
+    <pc:docChg chg="undo custSel modSld">
+      <pc:chgData name="Dominic Pennycook (Student)" userId="231a296d-96c2-4018-9b73-06e01edf7018" providerId="ADAL" clId="{4CB187F2-6CF4-47F1-87B6-0C30566C4B58}" dt="2022-11-29T09:48:26.294" v="891" actId="1076"/>
+      <pc:docMkLst>
+        <pc:docMk/>
+      </pc:docMkLst>
+      <pc:sldChg chg="addSp delSp modSp mod">
+        <pc:chgData name="Dominic Pennycook (Student)" userId="231a296d-96c2-4018-9b73-06e01edf7018" providerId="ADAL" clId="{4CB187F2-6CF4-47F1-87B6-0C30566C4B58}" dt="2022-11-29T09:48:26.294" v="891" actId="1076"/>
+        <pc:sldMkLst>
+          <pc:docMk/>
+          <pc:sldMk cId="3516426620" sldId="256"/>
+        </pc:sldMkLst>
+        <pc:spChg chg="mod">
+          <ac:chgData name="Dominic Pennycook (Student)" userId="231a296d-96c2-4018-9b73-06e01edf7018" providerId="ADAL" clId="{4CB187F2-6CF4-47F1-87B6-0C30566C4B58}" dt="2022-11-29T09:36:31.039" v="692" actId="14100"/>
+          <ac:spMkLst>
+            <pc:docMk/>
+            <pc:sldMk cId="3516426620" sldId="256"/>
+            <ac:spMk id="5" creationId="{CFCA0561-7B56-9574-ED9F-775106DA59DF}"/>
+          </ac:spMkLst>
+        </pc:spChg>
+        <pc:spChg chg="mod">
+          <ac:chgData name="Dominic Pennycook (Student)" userId="231a296d-96c2-4018-9b73-06e01edf7018" providerId="ADAL" clId="{4CB187F2-6CF4-47F1-87B6-0C30566C4B58}" dt="2022-11-29T09:36:31.039" v="692" actId="14100"/>
+          <ac:spMkLst>
+            <pc:docMk/>
+            <pc:sldMk cId="3516426620" sldId="256"/>
+            <ac:spMk id="6" creationId="{E2511FAC-F836-AFD6-FC78-85CA6A827920}"/>
+          </ac:spMkLst>
+        </pc:spChg>
+        <pc:spChg chg="mod">
+          <ac:chgData name="Dominic Pennycook (Student)" userId="231a296d-96c2-4018-9b73-06e01edf7018" providerId="ADAL" clId="{4CB187F2-6CF4-47F1-87B6-0C30566C4B58}" dt="2022-11-29T09:48:26.294" v="891" actId="1076"/>
+          <ac:spMkLst>
+            <pc:docMk/>
+            <pc:sldMk cId="3516426620" sldId="256"/>
+            <ac:spMk id="7" creationId="{5E32E040-2A25-601E-8070-2BF1094D18AB}"/>
+          </ac:spMkLst>
+        </pc:spChg>
+        <pc:spChg chg="mod">
+          <ac:chgData name="Dominic Pennycook (Student)" userId="231a296d-96c2-4018-9b73-06e01edf7018" providerId="ADAL" clId="{4CB187F2-6CF4-47F1-87B6-0C30566C4B58}" dt="2022-11-29T09:44:56.559" v="842" actId="14100"/>
+          <ac:spMkLst>
+            <pc:docMk/>
+            <pc:sldMk cId="3516426620" sldId="256"/>
+            <ac:spMk id="8" creationId="{974E011C-A4FA-1509-7679-5DA1F5ED6914}"/>
+          </ac:spMkLst>
+        </pc:spChg>
+        <pc:spChg chg="mod">
+          <ac:chgData name="Dominic Pennycook (Student)" userId="231a296d-96c2-4018-9b73-06e01edf7018" providerId="ADAL" clId="{4CB187F2-6CF4-47F1-87B6-0C30566C4B58}" dt="2022-11-29T09:45:07.269" v="849" actId="14100"/>
+          <ac:spMkLst>
+            <pc:docMk/>
+            <pc:sldMk cId="3516426620" sldId="256"/>
+            <ac:spMk id="9" creationId="{1CEDFD9E-3E43-4BBD-3E9E-2817E87D55FC}"/>
+          </ac:spMkLst>
+        </pc:spChg>
+        <pc:spChg chg="mod">
+          <ac:chgData name="Dominic Pennycook (Student)" userId="231a296d-96c2-4018-9b73-06e01edf7018" providerId="ADAL" clId="{4CB187F2-6CF4-47F1-87B6-0C30566C4B58}" dt="2022-11-29T09:46:16.561" v="868" actId="1076"/>
+          <ac:spMkLst>
+            <pc:docMk/>
+            <pc:sldMk cId="3516426620" sldId="256"/>
+            <ac:spMk id="10" creationId="{991D718B-A489-6B5B-1E38-BB329A034381}"/>
+          </ac:spMkLst>
+        </pc:spChg>
+        <pc:spChg chg="mod">
+          <ac:chgData name="Dominic Pennycook (Student)" userId="231a296d-96c2-4018-9b73-06e01edf7018" providerId="ADAL" clId="{4CB187F2-6CF4-47F1-87B6-0C30566C4B58}" dt="2022-11-29T09:46:59.302" v="877" actId="1076"/>
+          <ac:spMkLst>
+            <pc:docMk/>
+            <pc:sldMk cId="3516426620" sldId="256"/>
+            <ac:spMk id="11" creationId="{B62FF532-A395-6CE8-E8A2-245EC32A2926}"/>
+          </ac:spMkLst>
+        </pc:spChg>
+        <pc:spChg chg="mod">
+          <ac:chgData name="Dominic Pennycook (Student)" userId="231a296d-96c2-4018-9b73-06e01edf7018" providerId="ADAL" clId="{4CB187F2-6CF4-47F1-87B6-0C30566C4B58}" dt="2022-11-29T09:47:03.050" v="878" actId="1076"/>
+          <ac:spMkLst>
+            <pc:docMk/>
+            <pc:sldMk cId="3516426620" sldId="256"/>
+            <ac:spMk id="12" creationId="{DBE5FC14-5AE0-0E1E-67A6-A82E4A50E8E5}"/>
+          </ac:spMkLst>
+        </pc:spChg>
+        <pc:spChg chg="mod">
+          <ac:chgData name="Dominic Pennycook (Student)" userId="231a296d-96c2-4018-9b73-06e01edf7018" providerId="ADAL" clId="{4CB187F2-6CF4-47F1-87B6-0C30566C4B58}" dt="2022-11-29T09:46:20.208" v="869" actId="1076"/>
+          <ac:spMkLst>
+            <pc:docMk/>
+            <pc:sldMk cId="3516426620" sldId="256"/>
+            <ac:spMk id="13" creationId="{662F155B-D598-A5FE-8D14-2AC97CC01F81}"/>
+          </ac:spMkLst>
+        </pc:spChg>
+        <pc:spChg chg="mod">
+          <ac:chgData name="Dominic Pennycook (Student)" userId="231a296d-96c2-4018-9b73-06e01edf7018" providerId="ADAL" clId="{4CB187F2-6CF4-47F1-87B6-0C30566C4B58}" dt="2022-11-29T09:46:29.574" v="870" actId="1076"/>
+          <ac:spMkLst>
+            <pc:docMk/>
+            <pc:sldMk cId="3516426620" sldId="256"/>
+            <ac:spMk id="14" creationId="{9C082897-ABD8-440A-437B-81A21313B09B}"/>
+          </ac:spMkLst>
+        </pc:spChg>
+        <pc:spChg chg="mod">
+          <ac:chgData name="Dominic Pennycook (Student)" userId="231a296d-96c2-4018-9b73-06e01edf7018" providerId="ADAL" clId="{4CB187F2-6CF4-47F1-87B6-0C30566C4B58}" dt="2022-11-29T09:46:38.873" v="872" actId="1076"/>
+          <ac:spMkLst>
+            <pc:docMk/>
+            <pc:sldMk cId="3516426620" sldId="256"/>
+            <ac:spMk id="15" creationId="{D222EED1-AC2F-F932-1784-C82ECBADC71C}"/>
+          </ac:spMkLst>
+        </pc:spChg>
+        <pc:spChg chg="mod">
+          <ac:chgData name="Dominic Pennycook (Student)" userId="231a296d-96c2-4018-9b73-06e01edf7018" providerId="ADAL" clId="{4CB187F2-6CF4-47F1-87B6-0C30566C4B58}" dt="2022-11-29T09:46:51.755" v="875" actId="1076"/>
+          <ac:spMkLst>
+            <pc:docMk/>
+            <pc:sldMk cId="3516426620" sldId="256"/>
+            <ac:spMk id="16" creationId="{C5D28689-EBDB-274D-4E6E-998CCCD6CBDF}"/>
+          </ac:spMkLst>
+        </pc:spChg>
+        <pc:spChg chg="mod">
+          <ac:chgData name="Dominic Pennycook (Student)" userId="231a296d-96c2-4018-9b73-06e01edf7018" providerId="ADAL" clId="{4CB187F2-6CF4-47F1-87B6-0C30566C4B58}" dt="2022-11-29T09:47:10.259" v="880" actId="1076"/>
+          <ac:spMkLst>
+            <pc:docMk/>
+            <pc:sldMk cId="3516426620" sldId="256"/>
+            <ac:spMk id="17" creationId="{5E249579-B700-45E8-F73A-4F195FC259EC}"/>
+          </ac:spMkLst>
+        </pc:spChg>
+        <pc:spChg chg="mod">
+          <ac:chgData name="Dominic Pennycook (Student)" userId="231a296d-96c2-4018-9b73-06e01edf7018" providerId="ADAL" clId="{4CB187F2-6CF4-47F1-87B6-0C30566C4B58}" dt="2022-11-29T09:47:16.576" v="882" actId="1076"/>
+          <ac:spMkLst>
+            <pc:docMk/>
+            <pc:sldMk cId="3516426620" sldId="256"/>
+            <ac:spMk id="18" creationId="{E94EAF88-5975-6168-584A-AA2877A7AF8A}"/>
+          </ac:spMkLst>
+        </pc:spChg>
+        <pc:spChg chg="mod">
+          <ac:chgData name="Dominic Pennycook (Student)" userId="231a296d-96c2-4018-9b73-06e01edf7018" providerId="ADAL" clId="{4CB187F2-6CF4-47F1-87B6-0C30566C4B58}" dt="2022-11-29T09:47:24.927" v="883" actId="1076"/>
+          <ac:spMkLst>
+            <pc:docMk/>
+            <pc:sldMk cId="3516426620" sldId="256"/>
+            <ac:spMk id="19" creationId="{1A0591EC-03D4-38AA-A8CA-CD301B16D3C0}"/>
+          </ac:spMkLst>
+        </pc:spChg>
+        <pc:spChg chg="mod">
+          <ac:chgData name="Dominic Pennycook (Student)" userId="231a296d-96c2-4018-9b73-06e01edf7018" providerId="ADAL" clId="{4CB187F2-6CF4-47F1-87B6-0C30566C4B58}" dt="2022-11-29T09:48:22.288" v="890" actId="1076"/>
+          <ac:spMkLst>
+            <pc:docMk/>
+            <pc:sldMk cId="3516426620" sldId="256"/>
+            <ac:spMk id="20" creationId="{2CBA3386-CE38-0646-758E-01FA059B8220}"/>
+          </ac:spMkLst>
+        </pc:spChg>
+        <pc:spChg chg="mod">
+          <ac:chgData name="Dominic Pennycook (Student)" userId="231a296d-96c2-4018-9b73-06e01edf7018" providerId="ADAL" clId="{4CB187F2-6CF4-47F1-87B6-0C30566C4B58}" dt="2022-11-29T09:48:19.610" v="889" actId="1076"/>
+          <ac:spMkLst>
+            <pc:docMk/>
+            <pc:sldMk cId="3516426620" sldId="256"/>
+            <ac:spMk id="21" creationId="{0E3FB2C5-DFA7-1BEB-8900-1509C2D61C27}"/>
+          </ac:spMkLst>
+        </pc:spChg>
+        <pc:spChg chg="mod">
+          <ac:chgData name="Dominic Pennycook (Student)" userId="231a296d-96c2-4018-9b73-06e01edf7018" providerId="ADAL" clId="{4CB187F2-6CF4-47F1-87B6-0C30566C4B58}" dt="2022-11-29T09:36:31.039" v="692" actId="14100"/>
+          <ac:spMkLst>
+            <pc:docMk/>
+            <pc:sldMk cId="3516426620" sldId="256"/>
+            <ac:spMk id="22" creationId="{92186D8F-5FF3-2979-960D-7584BCA3677A}"/>
+          </ac:spMkLst>
+        </pc:spChg>
+        <pc:spChg chg="mod">
+          <ac:chgData name="Dominic Pennycook (Student)" userId="231a296d-96c2-4018-9b73-06e01edf7018" providerId="ADAL" clId="{4CB187F2-6CF4-47F1-87B6-0C30566C4B58}" dt="2022-11-29T09:44:22.193" v="834" actId="1076"/>
+          <ac:spMkLst>
+            <pc:docMk/>
+            <pc:sldMk cId="3516426620" sldId="256"/>
+            <ac:spMk id="23" creationId="{8B8EF129-0F48-10DB-A845-7504D3DDF296}"/>
+          </ac:spMkLst>
+        </pc:spChg>
+        <pc:spChg chg="mod">
+          <ac:chgData name="Dominic Pennycook (Student)" userId="231a296d-96c2-4018-9b73-06e01edf7018" providerId="ADAL" clId="{4CB187F2-6CF4-47F1-87B6-0C30566C4B58}" dt="2022-11-29T09:44:17.548" v="833" actId="1076"/>
+          <ac:spMkLst>
+            <pc:docMk/>
+            <pc:sldMk cId="3516426620" sldId="256"/>
+            <ac:spMk id="24" creationId="{21CDC37E-45A4-3E28-6325-A2013181DBAA}"/>
+          </ac:spMkLst>
+        </pc:spChg>
+        <pc:spChg chg="mod">
+          <ac:chgData name="Dominic Pennycook (Student)" userId="231a296d-96c2-4018-9b73-06e01edf7018" providerId="ADAL" clId="{4CB187F2-6CF4-47F1-87B6-0C30566C4B58}" dt="2022-11-29T09:44:26.681" v="835" actId="1076"/>
+          <ac:spMkLst>
+            <pc:docMk/>
+            <pc:sldMk cId="3516426620" sldId="256"/>
+            <ac:spMk id="25" creationId="{01D64BC4-A4BC-4DED-A384-8DB7133AC060}"/>
+          </ac:spMkLst>
+        </pc:spChg>
+        <pc:spChg chg="add mod">
+          <ac:chgData name="Dominic Pennycook (Student)" userId="231a296d-96c2-4018-9b73-06e01edf7018" providerId="ADAL" clId="{4CB187F2-6CF4-47F1-87B6-0C30566C4B58}" dt="2022-11-29T09:46:34.585" v="871" actId="1076"/>
+          <ac:spMkLst>
+            <pc:docMk/>
+            <pc:sldMk cId="3516426620" sldId="256"/>
+            <ac:spMk id="26" creationId="{59AF264D-AAC9-B4AA-9AA3-8A5B038621B8}"/>
+          </ac:spMkLst>
+        </pc:spChg>
+        <pc:spChg chg="add mod">
+          <ac:chgData name="Dominic Pennycook (Student)" userId="231a296d-96c2-4018-9b73-06e01edf7018" providerId="ADAL" clId="{4CB187F2-6CF4-47F1-87B6-0C30566C4B58}" dt="2022-11-29T09:46:55.777" v="876" actId="1076"/>
+          <ac:spMkLst>
+            <pc:docMk/>
+            <pc:sldMk cId="3516426620" sldId="256"/>
+            <ac:spMk id="27" creationId="{EB57F595-4044-0223-64DF-FAAE9A2E3733}"/>
+          </ac:spMkLst>
+        </pc:spChg>
+        <pc:spChg chg="add del mod">
+          <ac:chgData name="Dominic Pennycook (Student)" userId="231a296d-96c2-4018-9b73-06e01edf7018" providerId="ADAL" clId="{4CB187F2-6CF4-47F1-87B6-0C30566C4B58}" dt="2022-10-24T15:06:09.161" v="437" actId="478"/>
+          <ac:spMkLst>
+            <pc:docMk/>
+            <pc:sldMk cId="3516426620" sldId="256"/>
+            <ac:spMk id="28" creationId="{F39A8861-E826-CE80-AC11-EB1DFD95561E}"/>
+          </ac:spMkLst>
+        </pc:spChg>
+        <pc:spChg chg="add del mod">
+          <ac:chgData name="Dominic Pennycook (Student)" userId="231a296d-96c2-4018-9b73-06e01edf7018" providerId="ADAL" clId="{4CB187F2-6CF4-47F1-87B6-0C30566C4B58}" dt="2022-10-24T15:06:17.258" v="441" actId="478"/>
+          <ac:spMkLst>
+            <pc:docMk/>
+            <pc:sldMk cId="3516426620" sldId="256"/>
+            <ac:spMk id="29" creationId="{D2DB4E0D-5FBB-17CB-B4A2-FBD9DBA61090}"/>
+          </ac:spMkLst>
+        </pc:spChg>
+        <pc:spChg chg="add mod">
+          <ac:chgData name="Dominic Pennycook (Student)" userId="231a296d-96c2-4018-9b73-06e01edf7018" providerId="ADAL" clId="{4CB187F2-6CF4-47F1-87B6-0C30566C4B58}" dt="2022-11-29T09:47:46.255" v="887" actId="1076"/>
+          <ac:spMkLst>
+            <pc:docMk/>
+            <pc:sldMk cId="3516426620" sldId="256"/>
+            <ac:spMk id="30" creationId="{0E6E5705-15FE-EB09-AF2F-45EA4CD0741E}"/>
+          </ac:spMkLst>
+        </pc:spChg>
+        <pc:spChg chg="add mod">
+          <ac:chgData name="Dominic Pennycook (Student)" userId="231a296d-96c2-4018-9b73-06e01edf7018" providerId="ADAL" clId="{4CB187F2-6CF4-47F1-87B6-0C30566C4B58}" dt="2022-11-29T09:47:35.706" v="885" actId="1076"/>
+          <ac:spMkLst>
+            <pc:docMk/>
+            <pc:sldMk cId="3516426620" sldId="256"/>
+            <ac:spMk id="31" creationId="{54A1059F-DC00-1D6B-257B-E5C5A534C1FC}"/>
+          </ac:spMkLst>
+        </pc:spChg>
+        <pc:spChg chg="add mod">
+          <ac:chgData name="Dominic Pennycook (Student)" userId="231a296d-96c2-4018-9b73-06e01edf7018" providerId="ADAL" clId="{4CB187F2-6CF4-47F1-87B6-0C30566C4B58}" dt="2022-11-29T09:48:05.851" v="888" actId="1076"/>
+          <ac:spMkLst>
+            <pc:docMk/>
+            <pc:sldMk cId="3516426620" sldId="256"/>
+            <ac:spMk id="32" creationId="{87BF5320-BE01-B406-CEFA-A261ECB28AED}"/>
+          </ac:spMkLst>
+        </pc:spChg>
+        <pc:spChg chg="add mod">
+          <ac:chgData name="Dominic Pennycook (Student)" userId="231a296d-96c2-4018-9b73-06e01edf7018" providerId="ADAL" clId="{4CB187F2-6CF4-47F1-87B6-0C30566C4B58}" dt="2022-11-29T09:47:06.445" v="879" actId="1076"/>
+          <ac:spMkLst>
+            <pc:docMk/>
+            <pc:sldMk cId="3516426620" sldId="256"/>
+            <ac:spMk id="33" creationId="{A567D0B1-CF93-1773-84EE-76F6E24C400B}"/>
+          </ac:spMkLst>
+        </pc:spChg>
+        <pc:spChg chg="add mod">
+          <ac:chgData name="Dominic Pennycook (Student)" userId="231a296d-96c2-4018-9b73-06e01edf7018" providerId="ADAL" clId="{4CB187F2-6CF4-47F1-87B6-0C30566C4B58}" dt="2022-11-29T09:45:24.208" v="858" actId="1076"/>
+          <ac:spMkLst>
+            <pc:docMk/>
+            <pc:sldMk cId="3516426620" sldId="256"/>
+            <ac:spMk id="45" creationId="{9A9B56A6-BDA5-5477-FF9E-4FA296EB8DAD}"/>
+          </ac:spMkLst>
+        </pc:spChg>
+        <pc:spChg chg="add mod">
+          <ac:chgData name="Dominic Pennycook (Student)" userId="231a296d-96c2-4018-9b73-06e01edf7018" providerId="ADAL" clId="{4CB187F2-6CF4-47F1-87B6-0C30566C4B58}" dt="2022-11-29T09:45:30.975" v="861" actId="20577"/>
+          <ac:spMkLst>
+            <pc:docMk/>
+            <pc:sldMk cId="3516426620" sldId="256"/>
+            <ac:spMk id="46" creationId="{1B9D6931-2D99-56F1-5622-0A55FCABF540}"/>
+          </ac:spMkLst>
+        </pc:spChg>
+        <pc:spChg chg="add mod">
+          <ac:chgData name="Dominic Pennycook (Student)" userId="231a296d-96c2-4018-9b73-06e01edf7018" providerId="ADAL" clId="{4CB187F2-6CF4-47F1-87B6-0C30566C4B58}" dt="2022-11-29T09:45:56.385" v="867" actId="20577"/>
+          <ac:spMkLst>
+            <pc:docMk/>
+            <pc:sldMk cId="3516426620" sldId="256"/>
+            <ac:spMk id="48" creationId="{22B37BDD-7673-58D7-5FE2-AAF547E0E81B}"/>
+          </ac:spMkLst>
+        </pc:spChg>
+        <pc:graphicFrameChg chg="add del mod">
+          <ac:chgData name="Dominic Pennycook (Student)" userId="231a296d-96c2-4018-9b73-06e01edf7018" providerId="ADAL" clId="{4CB187F2-6CF4-47F1-87B6-0C30566C4B58}" dt="2022-11-29T09:42:34.602" v="816"/>
+          <ac:graphicFrameMkLst>
+            <pc:docMk/>
+            <pc:sldMk cId="3516426620" sldId="256"/>
+            <ac:graphicFrameMk id="4" creationId="{1C9648AA-819A-C6B4-95FF-1DB7023B2DC2}"/>
+          </ac:graphicFrameMkLst>
+        </pc:graphicFrameChg>
+        <pc:graphicFrameChg chg="add del mod">
+          <ac:chgData name="Dominic Pennycook (Student)" userId="231a296d-96c2-4018-9b73-06e01edf7018" providerId="ADAL" clId="{4CB187F2-6CF4-47F1-87B6-0C30566C4B58}" dt="2022-11-29T09:45:40.586" v="863"/>
+          <ac:graphicFrameMkLst>
+            <pc:docMk/>
+            <pc:sldMk cId="3516426620" sldId="256"/>
+            <ac:graphicFrameMk id="47" creationId="{4FDFAF34-D1F5-CFEF-BDBF-EE2900D69394}"/>
+          </ac:graphicFrameMkLst>
+        </pc:graphicFrameChg>
+        <pc:cxnChg chg="add del mod">
+          <ac:chgData name="Dominic Pennycook (Student)" userId="231a296d-96c2-4018-9b73-06e01edf7018" providerId="ADAL" clId="{4CB187F2-6CF4-47F1-87B6-0C30566C4B58}" dt="2022-11-29T09:43:14.763" v="820" actId="478"/>
+          <ac:cxnSpMkLst>
+            <pc:docMk/>
+            <pc:sldMk cId="3516426620" sldId="256"/>
+            <ac:cxnSpMk id="3" creationId="{376001A7-7D75-E5E1-A80B-976B667F1D3E}"/>
+          </ac:cxnSpMkLst>
+        </pc:cxnChg>
+        <pc:cxnChg chg="add del">
+          <ac:chgData name="Dominic Pennycook (Student)" userId="231a296d-96c2-4018-9b73-06e01edf7018" providerId="ADAL" clId="{4CB187F2-6CF4-47F1-87B6-0C30566C4B58}" dt="2022-11-29T09:43:19.940" v="822" actId="478"/>
+          <ac:cxnSpMkLst>
+            <pc:docMk/>
+            <pc:sldMk cId="3516426620" sldId="256"/>
+            <ac:cxnSpMk id="34" creationId="{D1C214CF-7902-CBD8-4CA2-C0507AF5097D}"/>
+          </ac:cxnSpMkLst>
+        </pc:cxnChg>
+        <pc:cxnChg chg="add del">
+          <ac:chgData name="Dominic Pennycook (Student)" userId="231a296d-96c2-4018-9b73-06e01edf7018" providerId="ADAL" clId="{4CB187F2-6CF4-47F1-87B6-0C30566C4B58}" dt="2022-11-29T09:43:25.028" v="824" actId="478"/>
+          <ac:cxnSpMkLst>
+            <pc:docMk/>
+            <pc:sldMk cId="3516426620" sldId="256"/>
+            <ac:cxnSpMk id="36" creationId="{F1AD030B-8DF5-8628-3903-55A8511FC01D}"/>
+          </ac:cxnSpMkLst>
+        </pc:cxnChg>
+        <pc:cxnChg chg="add mod">
+          <ac:chgData name="Dominic Pennycook (Student)" userId="231a296d-96c2-4018-9b73-06e01edf7018" providerId="ADAL" clId="{4CB187F2-6CF4-47F1-87B6-0C30566C4B58}" dt="2022-11-29T09:43:46.275" v="828" actId="14100"/>
+          <ac:cxnSpMkLst>
+            <pc:docMk/>
+            <pc:sldMk cId="3516426620" sldId="256"/>
+            <ac:cxnSpMk id="38" creationId="{95A085BF-3B1A-43CC-019D-39E6CF6328D0}"/>
+          </ac:cxnSpMkLst>
+        </pc:cxnChg>
+        <pc:cxnChg chg="add mod">
+          <ac:chgData name="Dominic Pennycook (Student)" userId="231a296d-96c2-4018-9b73-06e01edf7018" providerId="ADAL" clId="{4CB187F2-6CF4-47F1-87B6-0C30566C4B58}" dt="2022-11-29T09:44:08.719" v="831" actId="13822"/>
+          <ac:cxnSpMkLst>
+            <pc:docMk/>
+            <pc:sldMk cId="3516426620" sldId="256"/>
+            <ac:cxnSpMk id="42" creationId="{4C6D6CD3-253D-FDB5-0F38-3BEB61CC44D5}"/>
+          </ac:cxnSpMkLst>
+        </pc:cxnChg>
+        <pc:cxnChg chg="add mod">
+          <ac:chgData name="Dominic Pennycook (Student)" userId="231a296d-96c2-4018-9b73-06e01edf7018" providerId="ADAL" clId="{4CB187F2-6CF4-47F1-87B6-0C30566C4B58}" dt="2022-11-29T09:44:12.422" v="832" actId="13822"/>
+          <ac:cxnSpMkLst>
+            <pc:docMk/>
+            <pc:sldMk cId="3516426620" sldId="256"/>
+            <ac:cxnSpMk id="44" creationId="{2135F097-F1CF-713D-A029-0B975EBA68C2}"/>
+          </ac:cxnSpMkLst>
+        </pc:cxnChg>
+      </pc:sldChg>
+    </pc:docChg>
+  </pc:docChgLst>
+  <pc:docChgLst>
+    <pc:chgData name="Dominic Pennycook (Student)" userId="S::dominic2.pennycook@live.uwe.ac.uk::231a296d-96c2-4018-9b73-06e01edf7018" providerId="AD" clId="Web-{E4C4C3CA-A6F7-652F-F96E-20E4298B2E9A}"/>
+    <pc:docChg chg="modSld">
+      <pc:chgData name="Dominic Pennycook (Student)" userId="S::dominic2.pennycook@live.uwe.ac.uk::231a296d-96c2-4018-9b73-06e01edf7018" providerId="AD" clId="Web-{E4C4C3CA-A6F7-652F-F96E-20E4298B2E9A}" dt="2022-11-29T09:36:07.999" v="5" actId="1076"/>
+      <pc:docMkLst>
+        <pc:docMk/>
+      </pc:docMkLst>
+      <pc:sldChg chg="modSp">
+        <pc:chgData name="Dominic Pennycook (Student)" userId="S::dominic2.pennycook@live.uwe.ac.uk::231a296d-96c2-4018-9b73-06e01edf7018" providerId="AD" clId="Web-{E4C4C3CA-A6F7-652F-F96E-20E4298B2E9A}" dt="2022-11-29T09:36:07.999" v="5" actId="1076"/>
+        <pc:sldMkLst>
+          <pc:docMk/>
+          <pc:sldMk cId="3516426620" sldId="256"/>
+        </pc:sldMkLst>
+        <pc:graphicFrameChg chg="mod">
+          <ac:chgData name="Dominic Pennycook (Student)" userId="S::dominic2.pennycook@live.uwe.ac.uk::231a296d-96c2-4018-9b73-06e01edf7018" providerId="AD" clId="Web-{E4C4C3CA-A6F7-652F-F96E-20E4298B2E9A}" dt="2022-11-29T09:36:07.999" v="5" actId="1076"/>
+          <ac:graphicFrameMkLst>
+            <pc:docMk/>
+            <pc:sldMk cId="3516426620" sldId="256"/>
+            <ac:graphicFrameMk id="4" creationId="{1C9648AA-819A-C6B4-95FF-1DB7023B2DC2}"/>
+          </ac:graphicFrameMkLst>
+        </pc:graphicFrameChg>
+      </pc:sldChg>
+    </pc:docChg>
+  </pc:docChgLst>
+</pc:chgInfo>
 </file>
 
 <file path=ppt/diagrams/colors1.xml><?xml version="1.0" encoding="utf-8"?>
@@ -929,12 +1294,12 @@
         <a:p>
           <a:pPr rtl="0"/>
           <a:r>
-            <a:rPr lang="en-GB" dirty="0">
+            <a:rPr lang="en-GB">
               <a:latin typeface="Calibri Light" panose="020F0302020204030204"/>
             </a:rPr>
             <a:t>Resistor Sorting Arm</a:t>
           </a:r>
-          <a:endParaRPr lang="en-GB" dirty="0"/>
+          <a:endParaRPr lang="en-GB"/>
         </a:p>
       </dgm:t>
     </dgm:pt>
@@ -1009,12 +1374,12 @@
         <a:p>
           <a:pPr rtl="0"/>
           <a:r>
-            <a:rPr lang="en-GB" dirty="0">
+            <a:rPr lang="en-GB">
               <a:latin typeface="Calibri Light" panose="020F0302020204030204"/>
             </a:rPr>
             <a:t>Project Development</a:t>
           </a:r>
-          <a:endParaRPr lang="en-GB" dirty="0"/>
+          <a:endParaRPr lang="en-GB"/>
         </a:p>
       </dgm:t>
     </dgm:pt>
@@ -1089,7 +1454,7 @@
         <a:p>
           <a:pPr rtl="0"/>
           <a:r>
-            <a:rPr lang="en-GB">
+            <a:rPr lang="en-GB" dirty="0">
               <a:latin typeface="Calibri Light" panose="020F0302020204030204"/>
             </a:rPr>
             <a:t>Define design Requirements</a:t>
@@ -1206,7 +1571,7 @@
         <a:p>
           <a:pPr rtl="0"/>
           <a:r>
-            <a:rPr lang="en-GB" dirty="0">
+            <a:rPr lang="en-GB">
               <a:latin typeface="Calibri Light" panose="020F0302020204030204"/>
             </a:rPr>
             <a:t>Test Electrical components</a:t>
@@ -1323,7 +1688,7 @@
         <a:p>
           <a:pPr rtl="0"/>
           <a:r>
-            <a:rPr lang="en-GB" dirty="0">
+            <a:rPr lang="en-GB">
               <a:latin typeface="Calibri Light" panose="020F0302020204030204"/>
             </a:rPr>
             <a:t>Arm Design</a:t>
@@ -1362,7 +1727,7 @@
         <a:p>
           <a:pPr rtl="0"/>
           <a:r>
-            <a:rPr lang="en-GB" dirty="0">
+            <a:rPr lang="en-GB">
               <a:latin typeface="Calibri Light" panose="020F0302020204030204"/>
             </a:rPr>
             <a:t>Calculate Arm Geometry</a:t>
@@ -1401,7 +1766,7 @@
         <a:p>
           <a:pPr rtl="0"/>
           <a:r>
-            <a:rPr lang="en-GB" dirty="0">
+            <a:rPr lang="en-GB">
               <a:latin typeface="Calibri Light" panose="020F0302020204030204"/>
             </a:rPr>
             <a:t>Modify arm to fit Design spec</a:t>
@@ -1440,7 +1805,7 @@
         <a:p>
           <a:pPr rtl="0"/>
           <a:r>
-            <a:rPr lang="en-GB" dirty="0">
+            <a:rPr lang="en-GB">
               <a:latin typeface="Calibri Light" panose="020F0302020204030204"/>
             </a:rPr>
             <a:t>Gripper design </a:t>
@@ -1479,7 +1844,7 @@
         <a:p>
           <a:pPr rtl="0"/>
           <a:r>
-            <a:rPr lang="en-GB" dirty="0">
+            <a:rPr lang="en-GB">
               <a:latin typeface="Calibri Light" panose="020F0302020204030204"/>
             </a:rPr>
             <a:t>Design Gripper</a:t>
@@ -1518,7 +1883,7 @@
         <a:p>
           <a:pPr rtl="0"/>
           <a:r>
-            <a:rPr lang="en-GB" dirty="0">
+            <a:rPr lang="en-GB">
               <a:latin typeface="Calibri Light" panose="020F0302020204030204"/>
             </a:rPr>
             <a:t>Model gripper in CAD</a:t>
@@ -1557,7 +1922,7 @@
         <a:p>
           <a:pPr rtl="0"/>
           <a:r>
-            <a:rPr lang="en-GB" dirty="0">
+            <a:rPr lang="en-GB">
               <a:latin typeface="Calibri Light" panose="020F0302020204030204"/>
             </a:rPr>
             <a:t>Produce and Fit Gripper</a:t>
@@ -1635,7 +2000,7 @@
         <a:p>
           <a:pPr rtl="0"/>
           <a:r>
-            <a:rPr lang="en-GB" dirty="0">
+            <a:rPr lang="en-GB">
               <a:latin typeface="Calibri Light" panose="020F0302020204030204"/>
             </a:rPr>
             <a:t>Project Initiation</a:t>
@@ -1790,12 +2155,12 @@
         <a:lstStyle/>
         <a:p>
           <a:r>
-            <a:rPr lang="en-GB" dirty="0">
+            <a:rPr lang="en-GB">
               <a:latin typeface="Calibri Light" panose="020F0302020204030204"/>
             </a:rPr>
             <a:t>Minimum Viable Product</a:t>
           </a:r>
-          <a:endParaRPr lang="en-GB" dirty="0"/>
+          <a:endParaRPr lang="en-GB"/>
         </a:p>
       </dgm:t>
     </dgm:pt>
@@ -1829,7 +2194,7 @@
         <a:lstStyle/>
         <a:p>
           <a:r>
-            <a:rPr lang="en-GB" dirty="0"/>
+            <a:rPr lang="en-GB"/>
             <a:t>Assemble MVP</a:t>
           </a:r>
         </a:p>
@@ -1901,7 +2266,7 @@
         <a:lstStyle/>
         <a:p>
           <a:r>
-            <a:rPr lang="en-GB" dirty="0"/>
+            <a:rPr lang="en-GB"/>
             <a:t>Test MVP in not set conditions</a:t>
           </a:r>
         </a:p>
@@ -1933,7 +2298,7 @@
       <dgm:prSet/>
       <dgm:spPr>
         <a:solidFill>
-          <a:srgbClr val="0070C0"/>
+          <a:srgbClr val="4472C4"/>
         </a:solidFill>
       </dgm:spPr>
       <dgm:t>
@@ -1941,7 +2306,7 @@
         <a:lstStyle/>
         <a:p>
           <a:r>
-            <a:rPr lang="en-GB" dirty="0"/>
+            <a:rPr lang="en-GB"/>
             <a:t>Program Arm</a:t>
           </a:r>
         </a:p>
@@ -1977,7 +2342,7 @@
         <a:lstStyle/>
         <a:p>
           <a:r>
-            <a:rPr lang="en-GB" dirty="0"/>
+            <a:rPr lang="en-GB"/>
             <a:t>Test Arm Geometry</a:t>
           </a:r>
         </a:p>
@@ -2013,7 +2378,7 @@
         <a:lstStyle/>
         <a:p>
           <a:r>
-            <a:rPr lang="en-GB" dirty="0"/>
+            <a:rPr lang="en-GB"/>
             <a:t>Through out each step each member will review the work being done and sign off that it is of a good standard as part of the validation and Verification of the project </a:t>
           </a:r>
         </a:p>
@@ -2031,6 +2396,135 @@
       </dgm:t>
     </dgm:pt>
     <dgm:pt modelId="{6CC34572-8220-4863-8704-B5A7E84D4D86}" type="sibTrans" cxnId="{A80E9148-87CB-4DF4-9BF2-1B7D11E31C28}">
+      <dgm:prSet/>
+      <dgm:spPr/>
+      <dgm:t>
+        <a:bodyPr/>
+        <a:lstStyle/>
+        <a:p>
+          <a:endParaRPr lang="en-GB"/>
+        </a:p>
+      </dgm:t>
+    </dgm:pt>
+    <dgm:pt modelId="{0CD946CF-17D2-45F2-AC7C-04F5D37F581C}">
+      <dgm:prSet phldr="0"/>
+      <dgm:spPr>
+        <a:solidFill>
+          <a:srgbClr val="4472C4"/>
+        </a:solidFill>
+      </dgm:spPr>
+      <dgm:t>
+        <a:bodyPr/>
+        <a:lstStyle/>
+        <a:p>
+          <a:pPr rtl="0"/>
+          <a:r>
+            <a:rPr lang="en-GB" dirty="0">
+              <a:latin typeface="Calibri Light" panose="020F0302020204030204"/>
+            </a:rPr>
+            <a:t>Financial Plan</a:t>
+          </a:r>
+        </a:p>
+      </dgm:t>
+    </dgm:pt>
+    <dgm:pt modelId="{3D00BC7E-7ED1-49EC-B8B3-C069ACC2A633}" type="parTrans" cxnId="{DB35FB26-2681-4926-8BF6-D52CF8EED1D8}">
+      <dgm:prSet/>
+      <dgm:spPr/>
+      <dgm:t>
+        <a:bodyPr/>
+        <a:lstStyle/>
+        <a:p>
+          <a:endParaRPr lang="en-GB"/>
+        </a:p>
+      </dgm:t>
+    </dgm:pt>
+    <dgm:pt modelId="{5D330325-461A-493C-8866-23607D495FBA}" type="sibTrans" cxnId="{DB35FB26-2681-4926-8BF6-D52CF8EED1D8}">
+      <dgm:prSet/>
+      <dgm:spPr/>
+      <dgm:t>
+        <a:bodyPr/>
+        <a:lstStyle/>
+        <a:p>
+          <a:endParaRPr lang="en-GB"/>
+        </a:p>
+      </dgm:t>
+    </dgm:pt>
+    <dgm:pt modelId="{B84CF493-22E1-418A-A288-7224F5A13903}">
+      <dgm:prSet phldr="0"/>
+      <dgm:spPr>
+        <a:solidFill>
+          <a:srgbClr val="4472C4"/>
+        </a:solidFill>
+      </dgm:spPr>
+      <dgm:t>
+        <a:bodyPr/>
+        <a:lstStyle/>
+        <a:p>
+          <a:pPr rtl="0"/>
+          <a:r>
+            <a:rPr lang="en-GB" dirty="0">
+              <a:latin typeface="Calibri Light" panose="020F0302020204030204"/>
+            </a:rPr>
+            <a:t>Health and Safety Plan</a:t>
+          </a:r>
+        </a:p>
+      </dgm:t>
+    </dgm:pt>
+    <dgm:pt modelId="{E8AC40C0-3F9A-4836-AAA6-0BDAA5023332}" type="parTrans" cxnId="{474B4686-8B06-4CBF-B044-520A722F8FFD}">
+      <dgm:prSet/>
+      <dgm:spPr/>
+      <dgm:t>
+        <a:bodyPr/>
+        <a:lstStyle/>
+        <a:p>
+          <a:endParaRPr lang="en-GB"/>
+        </a:p>
+      </dgm:t>
+    </dgm:pt>
+    <dgm:pt modelId="{10087850-984A-4E2A-8ECE-8774044A4113}" type="sibTrans" cxnId="{474B4686-8B06-4CBF-B044-520A722F8FFD}">
+      <dgm:prSet/>
+      <dgm:spPr/>
+      <dgm:t>
+        <a:bodyPr/>
+        <a:lstStyle/>
+        <a:p>
+          <a:endParaRPr lang="en-GB"/>
+        </a:p>
+      </dgm:t>
+    </dgm:pt>
+    <dgm:pt modelId="{12787D65-4B62-4900-B0FD-5D7E4B663598}">
+      <dgm:prSet phldr="0"/>
+      <dgm:spPr>
+        <a:solidFill>
+          <a:srgbClr val="4472C4"/>
+        </a:solidFill>
+      </dgm:spPr>
+      <dgm:t>
+        <a:bodyPr/>
+        <a:lstStyle/>
+        <a:p>
+          <a:pPr rtl="0"/>
+          <a:r>
+            <a:rPr lang="en-GB" dirty="0">
+              <a:latin typeface="Calibri Light" panose="020F0302020204030204"/>
+            </a:rPr>
+            <a:t>Intellectual Property Protection</a:t>
+          </a:r>
+        </a:p>
+      </dgm:t>
+    </dgm:pt>
+    <dgm:pt modelId="{D53D9AAF-570A-4416-B366-4FB7E938CB86}" type="parTrans" cxnId="{4DD9F57C-417C-4985-91CB-4DEE338BF5B4}">
+      <dgm:prSet/>
+      <dgm:spPr/>
+      <dgm:t>
+        <a:bodyPr/>
+        <a:lstStyle/>
+        <a:p>
+          <a:endParaRPr lang="en-GB"/>
+        </a:p>
+      </dgm:t>
+    </dgm:pt>
+    <dgm:pt modelId="{0C31BB59-DFDC-45BC-97D4-EE8063ACF706}" type="sibTrans" cxnId="{4DD9F57C-417C-4985-91CB-4DEE338BF5B4}">
       <dgm:prSet/>
       <dgm:spPr/>
       <dgm:t>
@@ -2067,7 +2561,7 @@
       <dgm:spPr/>
     </dgm:pt>
     <dgm:pt modelId="{D5076E00-902D-4B39-848D-95AAFE2DF5DC}" type="pres">
-      <dgm:prSet presAssocID="{9C258091-9BDC-456B-AF68-103A6AE2467E}" presName="rootText1" presStyleLbl="node0" presStyleIdx="0" presStyleCnt="1" custScaleX="494907" custScaleY="93078">
+      <dgm:prSet presAssocID="{9C258091-9BDC-456B-AF68-103A6AE2467E}" presName="rootText1" presStyleLbl="node0" presStyleIdx="0" presStyleCnt="4" custScaleX="494907" custScaleY="93078">
         <dgm:presLayoutVars>
           <dgm:chPref val="3"/>
         </dgm:presLayoutVars>
@@ -2523,7 +3017,7 @@
       <dgm:spPr/>
     </dgm:pt>
     <dgm:pt modelId="{DAE0910C-3C2F-4EDD-BFDA-3135E7C9E530}" type="pres">
-      <dgm:prSet presAssocID="{3E720B8C-1A9C-4076-934F-0073257601AB}" presName="rootText3" presStyleLbl="asst4" presStyleIdx="0" presStyleCnt="1" custLinFactY="46416" custLinFactNeighborX="-8349" custLinFactNeighborY="100000">
+      <dgm:prSet presAssocID="{3E720B8C-1A9C-4076-934F-0073257601AB}" presName="rootText3" presStyleLbl="asst4" presStyleIdx="0" presStyleCnt="1" custLinFactX="26923" custLinFactY="35595" custLinFactNeighborX="100000" custLinFactNeighborY="100000">
         <dgm:presLayoutVars>
           <dgm:chPref val="3"/>
         </dgm:presLayoutVars>
@@ -3092,6 +3586,102 @@
     </dgm:pt>
     <dgm:pt modelId="{6C5696F6-4A09-4847-8D0B-D1F5E275B71C}" type="pres">
       <dgm:prSet presAssocID="{9C258091-9BDC-456B-AF68-103A6AE2467E}" presName="hierChild3" presStyleCnt="0"/>
+      <dgm:spPr/>
+    </dgm:pt>
+    <dgm:pt modelId="{3A745F8D-6DAC-419A-A4F4-33A4DC22818B}" type="pres">
+      <dgm:prSet presAssocID="{0CD946CF-17D2-45F2-AC7C-04F5D37F581C}" presName="hierRoot1" presStyleCnt="0">
+        <dgm:presLayoutVars>
+          <dgm:hierBranch val="init"/>
+        </dgm:presLayoutVars>
+      </dgm:prSet>
+      <dgm:spPr/>
+    </dgm:pt>
+    <dgm:pt modelId="{DBDC7CA7-1CD2-4473-8CA9-426E69A52C5A}" type="pres">
+      <dgm:prSet presAssocID="{0CD946CF-17D2-45F2-AC7C-04F5D37F581C}" presName="rootComposite1" presStyleCnt="0"/>
+      <dgm:spPr/>
+    </dgm:pt>
+    <dgm:pt modelId="{3855CFD8-385E-4649-8B71-52F725EDA15D}" type="pres">
+      <dgm:prSet presAssocID="{0CD946CF-17D2-45F2-AC7C-04F5D37F581C}" presName="rootText1" presStyleLbl="node0" presStyleIdx="1" presStyleCnt="4" custLinFactX="-200000" custLinFactY="257340" custLinFactNeighborX="-288421" custLinFactNeighborY="300000">
+        <dgm:presLayoutVars>
+          <dgm:chPref val="3"/>
+        </dgm:presLayoutVars>
+      </dgm:prSet>
+      <dgm:spPr/>
+    </dgm:pt>
+    <dgm:pt modelId="{EFD57534-9979-4C20-B812-1B23586C9216}" type="pres">
+      <dgm:prSet presAssocID="{0CD946CF-17D2-45F2-AC7C-04F5D37F581C}" presName="rootConnector1" presStyleLbl="node1" presStyleIdx="0" presStyleCnt="0"/>
+      <dgm:spPr/>
+    </dgm:pt>
+    <dgm:pt modelId="{C41363A1-077F-4008-BE3F-EFAF34A86D39}" type="pres">
+      <dgm:prSet presAssocID="{0CD946CF-17D2-45F2-AC7C-04F5D37F581C}" presName="hierChild2" presStyleCnt="0"/>
+      <dgm:spPr/>
+    </dgm:pt>
+    <dgm:pt modelId="{7DF40278-52F9-40A3-9625-681DDCD9A868}" type="pres">
+      <dgm:prSet presAssocID="{0CD946CF-17D2-45F2-AC7C-04F5D37F581C}" presName="hierChild3" presStyleCnt="0"/>
+      <dgm:spPr/>
+    </dgm:pt>
+    <dgm:pt modelId="{570AABEA-539A-4D9E-9E79-B3C28E202B47}" type="pres">
+      <dgm:prSet presAssocID="{B84CF493-22E1-418A-A288-7224F5A13903}" presName="hierRoot1" presStyleCnt="0">
+        <dgm:presLayoutVars>
+          <dgm:hierBranch val="init"/>
+        </dgm:presLayoutVars>
+      </dgm:prSet>
+      <dgm:spPr/>
+    </dgm:pt>
+    <dgm:pt modelId="{274BC9BE-AF2D-4BE4-BAD2-A622CE2876F6}" type="pres">
+      <dgm:prSet presAssocID="{B84CF493-22E1-418A-A288-7224F5A13903}" presName="rootComposite1" presStyleCnt="0"/>
+      <dgm:spPr/>
+    </dgm:pt>
+    <dgm:pt modelId="{46D32D46-5E65-4856-8289-516E7D9BFFF2}" type="pres">
+      <dgm:prSet presAssocID="{B84CF493-22E1-418A-A288-7224F5A13903}" presName="rootText1" presStyleLbl="node0" presStyleIdx="2" presStyleCnt="4" custLinFactX="-300000" custLinFactY="300129" custLinFactNeighborX="-310010" custLinFactNeighborY="400000">
+        <dgm:presLayoutVars>
+          <dgm:chPref val="3"/>
+        </dgm:presLayoutVars>
+      </dgm:prSet>
+      <dgm:spPr/>
+    </dgm:pt>
+    <dgm:pt modelId="{B3337207-D6BE-4BAF-A694-1484CDC65944}" type="pres">
+      <dgm:prSet presAssocID="{B84CF493-22E1-418A-A288-7224F5A13903}" presName="rootConnector1" presStyleLbl="node1" presStyleIdx="0" presStyleCnt="0"/>
+      <dgm:spPr/>
+    </dgm:pt>
+    <dgm:pt modelId="{98141B4E-1DF9-42B3-84D9-4F2795B42E13}" type="pres">
+      <dgm:prSet presAssocID="{B84CF493-22E1-418A-A288-7224F5A13903}" presName="hierChild2" presStyleCnt="0"/>
+      <dgm:spPr/>
+    </dgm:pt>
+    <dgm:pt modelId="{147A3DA7-F700-405C-9584-D7652F493161}" type="pres">
+      <dgm:prSet presAssocID="{B84CF493-22E1-418A-A288-7224F5A13903}" presName="hierChild3" presStyleCnt="0"/>
+      <dgm:spPr/>
+    </dgm:pt>
+    <dgm:pt modelId="{FAA73739-5940-4E7F-9A74-611236B31CFD}" type="pres">
+      <dgm:prSet presAssocID="{12787D65-4B62-4900-B0FD-5D7E4B663598}" presName="hierRoot1" presStyleCnt="0">
+        <dgm:presLayoutVars>
+          <dgm:hierBranch val="init"/>
+        </dgm:presLayoutVars>
+      </dgm:prSet>
+      <dgm:spPr/>
+    </dgm:pt>
+    <dgm:pt modelId="{CE67631D-05EC-4C91-960C-D71AD58243BB}" type="pres">
+      <dgm:prSet presAssocID="{12787D65-4B62-4900-B0FD-5D7E4B663598}" presName="rootComposite1" presStyleCnt="0"/>
+      <dgm:spPr/>
+    </dgm:pt>
+    <dgm:pt modelId="{7E5E8AE5-99DB-4850-83BA-7FB1F028901B}" type="pres">
+      <dgm:prSet presAssocID="{12787D65-4B62-4900-B0FD-5D7E4B663598}" presName="rootText1" presStyleLbl="node0" presStyleIdx="3" presStyleCnt="4" custLinFactX="-331010" custLinFactY="400000" custLinFactNeighborX="-400000" custLinFactNeighborY="440547">
+        <dgm:presLayoutVars>
+          <dgm:chPref val="3"/>
+        </dgm:presLayoutVars>
+      </dgm:prSet>
+      <dgm:spPr/>
+    </dgm:pt>
+    <dgm:pt modelId="{87BF4866-381E-48E4-A9F7-DF6C8CC9E18F}" type="pres">
+      <dgm:prSet presAssocID="{12787D65-4B62-4900-B0FD-5D7E4B663598}" presName="rootConnector1" presStyleLbl="node1" presStyleIdx="0" presStyleCnt="0"/>
+      <dgm:spPr/>
+    </dgm:pt>
+    <dgm:pt modelId="{BE4F7C6E-4A6C-440A-B984-8B5491A53775}" type="pres">
+      <dgm:prSet presAssocID="{12787D65-4B62-4900-B0FD-5D7E4B663598}" presName="hierChild2" presStyleCnt="0"/>
+      <dgm:spPr/>
+    </dgm:pt>
+    <dgm:pt modelId="{56BB1B1C-8A1A-4B86-AFDA-34A58E4C4D53}" type="pres">
+      <dgm:prSet presAssocID="{12787D65-4B62-4900-B0FD-5D7E4B663598}" presName="hierChild3" presStyleCnt="0"/>
       <dgm:spPr/>
     </dgm:pt>
   </dgm:ptLst>
@@ -3112,6 +3702,7 @@
     <dgm:cxn modelId="{8973DC1E-AFC6-4E96-8A54-4B30AC6C355E}" type="presOf" srcId="{863E9166-22ED-4014-B5E6-588E34AC02F4}" destId="{90DB65EA-7BB5-4015-88BD-4183974928EC}" srcOrd="0" destOrd="0" presId="urn:microsoft.com/office/officeart/2005/8/layout/orgChart1"/>
     <dgm:cxn modelId="{72D4C426-59CF-4323-97BE-4BE85A218EC1}" srcId="{402376C7-1A60-4C7C-9C62-AF9D3B020A96}" destId="{EECCB524-B045-4A8A-A304-2249F91B5939}" srcOrd="0" destOrd="0" parTransId="{9B807495-19D1-460D-B2D7-7A9C5025783F}" sibTransId="{56C7D930-8D5D-4885-8D6E-34311D9C1593}"/>
     <dgm:cxn modelId="{D6F1F726-CE81-4FB8-97BD-E20AB2DEF1B9}" srcId="{292F239A-4F6B-4116-BE44-94A28D4A2AE4}" destId="{C8F13A6B-8CC7-4ED5-8C79-58C9B0C88681}" srcOrd="1" destOrd="0" parTransId="{B3673CB7-8E07-451D-9709-29FC69040FB4}" sibTransId="{14A6FC9C-D5D4-477B-980C-9882FF4CFB9B}"/>
+    <dgm:cxn modelId="{DB35FB26-2681-4926-8BF6-D52CF8EED1D8}" srcId="{1070AB38-7B20-4246-B627-A10EA825983C}" destId="{0CD946CF-17D2-45F2-AC7C-04F5D37F581C}" srcOrd="1" destOrd="0" parTransId="{3D00BC7E-7ED1-49EC-B8B3-C069ACC2A633}" sibTransId="{5D330325-461A-493C-8866-23607D495FBA}"/>
     <dgm:cxn modelId="{CB694028-FE58-40B0-9BCB-C2DBCD57DFFC}" srcId="{22D59487-3537-4D7D-88D1-28C89E216AAB}" destId="{402376C7-1A60-4C7C-9C62-AF9D3B020A96}" srcOrd="3" destOrd="0" parTransId="{982F3E6D-E8EE-4993-AFE5-3F07B16CD43F}" sibTransId="{1FAC62E1-42C9-43C5-B23D-00E2C98E754E}"/>
     <dgm:cxn modelId="{F784CD29-BDB1-41F5-8E0F-6251C71F83FE}" type="presOf" srcId="{D2B36E6B-756E-4E0A-B5B1-3C4046FD44BD}" destId="{2A7E5AAF-4031-423D-86F7-8DAF6D8473B2}" srcOrd="1" destOrd="0" presId="urn:microsoft.com/office/officeart/2005/8/layout/orgChart1"/>
     <dgm:cxn modelId="{51BEE32A-93F5-431C-9396-A2EC085A9949}" type="presOf" srcId="{A23F5475-E33A-47BD-99C3-4E7A9AAAEDCB}" destId="{79B841C2-6BD1-4FF6-BA15-41BC9D3EF2DD}" srcOrd="0" destOrd="0" presId="urn:microsoft.com/office/officeart/2005/8/layout/orgChart1"/>
@@ -3143,6 +3734,7 @@
     <dgm:cxn modelId="{0A25014F-155F-433B-BEBB-7FE9CA042AE5}" type="presOf" srcId="{7574E067-88B9-4530-A6CA-4E35C93D6BFC}" destId="{AA40C7FF-4100-469D-A603-F4F172CB3182}" srcOrd="1" destOrd="0" presId="urn:microsoft.com/office/officeart/2005/8/layout/orgChart1"/>
     <dgm:cxn modelId="{1855344F-D480-4134-8DA3-95D448C62CD2}" type="presOf" srcId="{DE378B06-1F8B-436A-8BAA-97C5DE9718B3}" destId="{2E9CF547-6F0E-4082-A1DE-86F773F001D5}" srcOrd="0" destOrd="0" presId="urn:microsoft.com/office/officeart/2005/8/layout/orgChart1"/>
     <dgm:cxn modelId="{E0821771-F6D2-403C-93A7-4B1DDE290CD3}" type="presOf" srcId="{4DC508E5-F512-40B1-B1C4-FB645F541876}" destId="{BFACEACA-C947-44D5-995D-819E416E2A72}" srcOrd="0" destOrd="0" presId="urn:microsoft.com/office/officeart/2005/8/layout/orgChart1"/>
+    <dgm:cxn modelId="{91241871-EC66-4EBF-A3C9-D4A84FA1B630}" type="presOf" srcId="{B84CF493-22E1-418A-A288-7224F5A13903}" destId="{B3337207-D6BE-4BAF-A694-1484CDC65944}" srcOrd="1" destOrd="0" presId="urn:microsoft.com/office/officeart/2005/8/layout/orgChart1"/>
     <dgm:cxn modelId="{D838E172-3B21-4356-8BCE-3DB309C4EF45}" type="presOf" srcId="{9AC934C5-1935-4ACA-8DA0-EB01053D515F}" destId="{2C3C086E-2589-4751-A4A9-7A86B6DBFBCB}" srcOrd="0" destOrd="0" presId="urn:microsoft.com/office/officeart/2005/8/layout/orgChart1"/>
     <dgm:cxn modelId="{F5813B55-B6FD-46C0-8070-97D33CE3A214}" srcId="{9F1B921E-294B-452D-B75D-4D0D1D935C77}" destId="{43C7E6D0-3E60-448F-8E84-4A6B0FB4EFE9}" srcOrd="1" destOrd="0" parTransId="{9C9B4BF5-4B6A-4D38-8F96-04583355740B}" sibTransId="{8D783FF7-BD15-4BFA-91AF-65DF20087756}"/>
     <dgm:cxn modelId="{5C7D5556-C019-4B4B-A831-A0B2356752A0}" srcId="{9AC934C5-1935-4ACA-8DA0-EB01053D515F}" destId="{863E9166-22ED-4014-B5E6-588E34AC02F4}" srcOrd="1" destOrd="0" parTransId="{5EFE209D-2D25-4D18-8A6D-0A68556AB239}" sibTransId="{FDEC2788-40B9-45F7-AB5E-1E86C90214B0}"/>
@@ -3153,8 +3745,11 @@
     <dgm:cxn modelId="{3D180A7A-152A-4D81-8611-FE7BE30896DD}" type="presOf" srcId="{402376C7-1A60-4C7C-9C62-AF9D3B020A96}" destId="{CF2C38C1-9561-4D0A-870A-EEC947F699D8}" srcOrd="0" destOrd="0" presId="urn:microsoft.com/office/officeart/2005/8/layout/orgChart1"/>
     <dgm:cxn modelId="{A6DA517B-475D-4BA9-90A4-930D0545C72C}" type="presOf" srcId="{77A9F985-E00C-4CC7-BFC0-C340D5C74B36}" destId="{77E6FF7D-6827-4691-B746-9086407F98EA}" srcOrd="0" destOrd="0" presId="urn:microsoft.com/office/officeart/2005/8/layout/orgChart1"/>
     <dgm:cxn modelId="{11A1C27B-6E31-41C5-B5BF-CEF7C4F21A52}" type="presOf" srcId="{F8B90D6C-2FD4-45F6-A6E0-31AF941E339C}" destId="{CC9B14C9-AD97-4B10-B533-3E0AF663B12E}" srcOrd="1" destOrd="0" presId="urn:microsoft.com/office/officeart/2005/8/layout/orgChart1"/>
+    <dgm:cxn modelId="{4DD9F57C-417C-4985-91CB-4DEE338BF5B4}" srcId="{1070AB38-7B20-4246-B627-A10EA825983C}" destId="{12787D65-4B62-4900-B0FD-5D7E4B663598}" srcOrd="3" destOrd="0" parTransId="{D53D9AAF-570A-4416-B366-4FB7E938CB86}" sibTransId="{0C31BB59-DFDC-45BC-97D4-EE8063ACF706}"/>
     <dgm:cxn modelId="{5E03C080-EEF1-40CA-A7E9-B00B4FB8A3B3}" type="presOf" srcId="{7BE9B82F-02E4-4717-8DB9-716411CEFC78}" destId="{6F3F0028-35FD-443B-A21E-F053F307F697}" srcOrd="0" destOrd="0" presId="urn:microsoft.com/office/officeart/2005/8/layout/orgChart1"/>
+    <dgm:cxn modelId="{09964783-6561-4E9C-A77C-2FC7A699969E}" type="presOf" srcId="{0CD946CF-17D2-45F2-AC7C-04F5D37F581C}" destId="{3855CFD8-385E-4649-8B71-52F725EDA15D}" srcOrd="0" destOrd="0" presId="urn:microsoft.com/office/officeart/2005/8/layout/orgChart1"/>
     <dgm:cxn modelId="{2D880584-39A2-436C-95B8-B791E1CCAA53}" srcId="{9AC934C5-1935-4ACA-8DA0-EB01053D515F}" destId="{8A7E4029-BAC4-40EF-BE00-8851688808A3}" srcOrd="0" destOrd="0" parTransId="{CBCEC864-4390-4EEA-A11D-01492B84655B}" sibTransId="{6EDB03B3-24E2-4CF4-9DB7-B24FBBA5B66B}"/>
+    <dgm:cxn modelId="{474B4686-8B06-4CBF-B044-520A722F8FFD}" srcId="{1070AB38-7B20-4246-B627-A10EA825983C}" destId="{B84CF493-22E1-418A-A288-7224F5A13903}" srcOrd="2" destOrd="0" parTransId="{E8AC40C0-3F9A-4836-AAA6-0BDAA5023332}" sibTransId="{10087850-984A-4E2A-8ECE-8774044A4113}"/>
     <dgm:cxn modelId="{5858D087-4353-4DA6-8349-641F9EC84A0C}" type="presOf" srcId="{D2B36E6B-756E-4E0A-B5B1-3C4046FD44BD}" destId="{63DD313A-D553-4BA3-BF06-99F4DF3C711F}" srcOrd="0" destOrd="0" presId="urn:microsoft.com/office/officeart/2005/8/layout/orgChart1"/>
     <dgm:cxn modelId="{DDD7DD89-08A9-46D1-ABD6-FC91B452CD4F}" srcId="{0FA6887B-5EB4-487B-BB97-5BEABE370A8C}" destId="{4DC508E5-F512-40B1-B1C4-FB645F541876}" srcOrd="0" destOrd="0" parTransId="{F8D62E37-5991-4FF2-B334-EBFFB19879A9}" sibTransId="{114BB766-09F8-4131-B2EF-29C15749D7DB}"/>
     <dgm:cxn modelId="{476DFB89-1AB6-49C4-9D99-6C9C49FAB914}" type="presOf" srcId="{D911139E-8EBC-44A8-AFFD-95A87B52776A}" destId="{4B384AE5-8DA3-469E-A044-65494F65FA4E}" srcOrd="0" destOrd="0" presId="urn:microsoft.com/office/officeart/2005/8/layout/orgChart1"/>
@@ -3163,6 +3758,7 @@
     <dgm:cxn modelId="{06826D91-1A39-457C-91F5-75DA0136F1CC}" srcId="{292F239A-4F6B-4116-BE44-94A28D4A2AE4}" destId="{F8B90D6C-2FD4-45F6-A6E0-31AF941E339C}" srcOrd="0" destOrd="0" parTransId="{466D96CD-61B3-4131-9D33-D4FE38B63BE3}" sibTransId="{880C61C9-0938-48AF-8E41-35A1FD8C75D5}"/>
     <dgm:cxn modelId="{2657C692-70C4-4371-ACC7-EB22401D8211}" type="presOf" srcId="{A251D64C-40E9-4CE4-923B-787E99B7D1BA}" destId="{6CA6C2E7-2C24-4B07-B040-4DBF79D1179B}" srcOrd="0" destOrd="0" presId="urn:microsoft.com/office/officeart/2005/8/layout/orgChart1"/>
     <dgm:cxn modelId="{5A4B3C99-EFD9-46C4-8FF3-6105CBF6091A}" type="presOf" srcId="{561ED9F6-D617-4E1B-9C66-17C99B8116A6}" destId="{5B763F13-0508-4E85-A7D5-EB9D59ABE4CE}" srcOrd="0" destOrd="0" presId="urn:microsoft.com/office/officeart/2005/8/layout/orgChart1"/>
+    <dgm:cxn modelId="{5D86369D-4618-4D91-B1AF-2D699ACB8FB5}" type="presOf" srcId="{0CD946CF-17D2-45F2-AC7C-04F5D37F581C}" destId="{EFD57534-9979-4C20-B812-1B23586C9216}" srcOrd="1" destOrd="0" presId="urn:microsoft.com/office/officeart/2005/8/layout/orgChart1"/>
     <dgm:cxn modelId="{633B7B9E-284C-4EDE-ADE3-0FC4060FC12D}" srcId="{E0665338-5D8C-406D-B781-5D13F012514B}" destId="{9F1B921E-294B-452D-B75D-4D0D1D935C77}" srcOrd="3" destOrd="0" parTransId="{4BCD2623-E566-43A7-92D8-396D066BCEBB}" sibTransId="{E8DAEACA-3802-41EA-8236-FB1F02067FEE}"/>
     <dgm:cxn modelId="{FBDC259F-0301-473F-8BEC-A09EB17BCB5E}" type="presOf" srcId="{CE0F0CD3-6CF9-43BF-BC6B-625A3EAE5D59}" destId="{CF8F8206-0B22-4DE3-875C-1A69BB867BCB}" srcOrd="0" destOrd="0" presId="urn:microsoft.com/office/officeart/2005/8/layout/orgChart1"/>
     <dgm:cxn modelId="{B77364A1-524D-4767-83A4-F3AB1CC649BA}" type="presOf" srcId="{D911139E-8EBC-44A8-AFFD-95A87B52776A}" destId="{6DD7CE63-2379-4343-BBED-2E2F7C21A7B4}" srcOrd="1" destOrd="0" presId="urn:microsoft.com/office/officeart/2005/8/layout/orgChart1"/>
@@ -3175,6 +3771,7 @@
     <dgm:cxn modelId="{8E5160AB-8ECE-4B68-B064-61548C1195B8}" type="presOf" srcId="{F8B90D6C-2FD4-45F6-A6E0-31AF941E339C}" destId="{EF9C5A04-F671-4392-9755-ACB94D080400}" srcOrd="0" destOrd="0" presId="urn:microsoft.com/office/officeart/2005/8/layout/orgChart1"/>
     <dgm:cxn modelId="{0066C2AD-CC22-4DA8-9EC0-010B0F076151}" type="presOf" srcId="{1A368006-F438-49F5-BD12-481FF9C2232F}" destId="{1B5FFF98-EC45-4EC1-A14D-BB0B24278A7A}" srcOrd="0" destOrd="0" presId="urn:microsoft.com/office/officeart/2005/8/layout/orgChart1"/>
     <dgm:cxn modelId="{F229D2AD-6AC9-4C4A-8E33-5E80965C1BD2}" srcId="{402376C7-1A60-4C7C-9C62-AF9D3B020A96}" destId="{1A368006-F438-49F5-BD12-481FF9C2232F}" srcOrd="1" destOrd="0" parTransId="{8CC36B39-CACE-4297-8C98-E4C157B127C5}" sibTransId="{AB3E784C-FF80-4691-9963-B1F7DB1ED639}"/>
+    <dgm:cxn modelId="{5FBF44AE-8E07-4ECF-8EE7-E889C4400393}" type="presOf" srcId="{B84CF493-22E1-418A-A288-7224F5A13903}" destId="{46D32D46-5E65-4856-8289-516E7D9BFFF2}" srcOrd="0" destOrd="0" presId="urn:microsoft.com/office/officeart/2005/8/layout/orgChart1"/>
     <dgm:cxn modelId="{9FE23DB0-DE61-4A79-910F-5051CB090648}" type="presOf" srcId="{AAF8BDF0-B140-44F7-95E0-242B6E28B626}" destId="{9F1F11C7-9072-4F47-8F8E-DE653B74972D}" srcOrd="1" destOrd="0" presId="urn:microsoft.com/office/officeart/2005/8/layout/orgChart1"/>
     <dgm:cxn modelId="{9B88ABB6-61BD-4CB9-B875-2AB619B5D329}" type="presOf" srcId="{AAF8BDF0-B140-44F7-95E0-242B6E28B626}" destId="{46AD6372-5FC4-4C40-9CCA-EDC40D60F555}" srcOrd="0" destOrd="0" presId="urn:microsoft.com/office/officeart/2005/8/layout/orgChart1"/>
     <dgm:cxn modelId="{E91454B9-97AC-4997-8A8E-D238934333DB}" type="presOf" srcId="{C7A30423-10A5-491F-9451-2A84F4C5F90B}" destId="{C6F83C75-F3E2-4486-B8FC-F556D152C38F}" srcOrd="1" destOrd="0" presId="urn:microsoft.com/office/officeart/2005/8/layout/orgChart1"/>
@@ -3182,6 +3779,7 @@
     <dgm:cxn modelId="{439CEDBA-AE5A-48BA-8015-1080E64BC65A}" type="presOf" srcId="{43C7E6D0-3E60-448F-8E84-4A6B0FB4EFE9}" destId="{DFFE487A-B9CC-4EF1-B763-BBD5C84F302F}" srcOrd="1" destOrd="0" presId="urn:microsoft.com/office/officeart/2005/8/layout/orgChart1"/>
     <dgm:cxn modelId="{14CF60BE-7190-46F1-BE88-D25798D22A94}" type="presOf" srcId="{4BCD2623-E566-43A7-92D8-396D066BCEBB}" destId="{A8385839-6020-4451-BBD3-16AC9EF2573F}" srcOrd="0" destOrd="0" presId="urn:microsoft.com/office/officeart/2005/8/layout/orgChart1"/>
     <dgm:cxn modelId="{9B29F9BF-BE7B-4F78-8024-407210FA3FDA}" type="presOf" srcId="{E464B870-1299-44DF-91FA-0224E7F94166}" destId="{41C81FD8-8ED4-468D-9D68-E6195FDFD953}" srcOrd="0" destOrd="0" presId="urn:microsoft.com/office/officeart/2005/8/layout/orgChart1"/>
+    <dgm:cxn modelId="{AA3CCBC1-94E7-4485-84D4-F8ECB2FDA835}" type="presOf" srcId="{12787D65-4B62-4900-B0FD-5D7E4B663598}" destId="{87BF4866-381E-48E4-A9F7-DF6C8CC9E18F}" srcOrd="1" destOrd="0" presId="urn:microsoft.com/office/officeart/2005/8/layout/orgChart1"/>
     <dgm:cxn modelId="{A0691DC4-EBFF-44E3-ABB5-DE42896C2473}" srcId="{C9B616BB-BBA8-4D78-B060-7CB53E25C50D}" destId="{5209775F-755F-418B-BD4D-E28FB283AC1B}" srcOrd="0" destOrd="0" parTransId="{2D45649F-6D3C-4DA1-BE24-FC74A755E620}" sibTransId="{F3C40578-E06D-468E-926D-231866DBF94F}"/>
     <dgm:cxn modelId="{CABA87C7-EC66-4417-A137-13E0B0D228E1}" type="presOf" srcId="{C8F13A6B-8CC7-4ED5-8C79-58C9B0C88681}" destId="{D82C988C-DC1E-4336-BDF3-D1E542B1EBA7}" srcOrd="1" destOrd="0" presId="urn:microsoft.com/office/officeart/2005/8/layout/orgChart1"/>
     <dgm:cxn modelId="{B5E65AC9-A7B2-456A-A88E-0DD4FBF69D04}" type="presOf" srcId="{CBCEC864-4390-4EEA-A11D-01492B84655B}" destId="{4F8C2E63-F9D1-4063-B67C-D91699AA7910}" srcOrd="0" destOrd="0" presId="urn:microsoft.com/office/officeart/2005/8/layout/orgChart1"/>
@@ -3193,6 +3791,7 @@
     <dgm:cxn modelId="{2F7FFCCF-1064-466A-8F96-9E3F1768E92B}" type="presOf" srcId="{402376C7-1A60-4C7C-9C62-AF9D3B020A96}" destId="{FF6D1834-D101-4199-A774-284D0D441AC6}" srcOrd="1" destOrd="0" presId="urn:microsoft.com/office/officeart/2005/8/layout/orgChart1"/>
     <dgm:cxn modelId="{6394BAD1-10A5-4B61-A068-9C3B749066E7}" type="presOf" srcId="{982F3E6D-E8EE-4993-AFE5-3F07B16CD43F}" destId="{D120993B-A9B7-422C-A0E3-BE6007D7A36B}" srcOrd="0" destOrd="0" presId="urn:microsoft.com/office/officeart/2005/8/layout/orgChart1"/>
     <dgm:cxn modelId="{218F2FD2-FD2F-41E0-B4BD-D794750996F4}" type="presOf" srcId="{F8E3C82A-063F-418E-973D-4A39B80F7753}" destId="{A7D4582D-7D42-43F5-BE4A-EFFAFBE39558}" srcOrd="0" destOrd="0" presId="urn:microsoft.com/office/officeart/2005/8/layout/orgChart1"/>
+    <dgm:cxn modelId="{847C35D3-7E23-486E-9A63-2466D04809C1}" type="presOf" srcId="{12787D65-4B62-4900-B0FD-5D7E4B663598}" destId="{7E5E8AE5-99DB-4850-83BA-7FB1F028901B}" srcOrd="0" destOrd="0" presId="urn:microsoft.com/office/officeart/2005/8/layout/orgChart1"/>
     <dgm:cxn modelId="{ACFAE2D3-6798-403D-A291-D1231917CE05}" type="presOf" srcId="{6ED0C04E-6B04-4DE7-92FD-865422D26C51}" destId="{B53AAE95-4A53-49B5-97C7-28F8E080F64B}" srcOrd="0" destOrd="0" presId="urn:microsoft.com/office/officeart/2005/8/layout/orgChart1"/>
     <dgm:cxn modelId="{7A4D89D7-90DE-4B47-BC89-ACF0C81450B3}" type="presOf" srcId="{EECCB524-B045-4A8A-A304-2249F91B5939}" destId="{72962AD9-D46A-4102-9B6D-EB73B81D96EA}" srcOrd="0" destOrd="0" presId="urn:microsoft.com/office/officeart/2005/8/layout/orgChart1"/>
     <dgm:cxn modelId="{76862CD9-CF2E-4D1C-BA13-8838F3E04962}" srcId="{C9B616BB-BBA8-4D78-B060-7CB53E25C50D}" destId="{DE378B06-1F8B-436A-8BAA-97C5DE9718B3}" srcOrd="2" destOrd="0" parTransId="{A23F5475-E33A-47BD-99C3-4E7A9AAAEDCB}" sibTransId="{F8227C52-2393-4F0C-84BB-A4304C9BD17A}"/>
@@ -3414,6 +4013,24 @@
     <dgm:cxn modelId="{C9B5433D-2D65-4E3A-AF07-E89923C61053}" type="presParOf" srcId="{0AFCD4EE-D159-495D-9919-87596CA132E4}" destId="{D49261EA-0CFA-4D8C-A011-122C6B81D96D}" srcOrd="2" destOrd="0" presId="urn:microsoft.com/office/officeart/2005/8/layout/orgChart1"/>
     <dgm:cxn modelId="{512BD203-59B8-4220-BD47-A3EC838C1761}" type="presParOf" srcId="{1502C0F5-9D07-4756-977E-0820F9BB282C}" destId="{035D2DD2-A5A8-4097-88FC-A90063930794}" srcOrd="2" destOrd="0" presId="urn:microsoft.com/office/officeart/2005/8/layout/orgChart1"/>
     <dgm:cxn modelId="{32ACE812-9BFE-496B-B87B-25DCD873B336}" type="presParOf" srcId="{A752F94F-5E59-4BE1-A06A-758A7E706ED0}" destId="{6C5696F6-4A09-4847-8D0B-D1F5E275B71C}" srcOrd="2" destOrd="0" presId="urn:microsoft.com/office/officeart/2005/8/layout/orgChart1"/>
+    <dgm:cxn modelId="{6F472F0F-0516-4CA6-A69C-A177588773AE}" type="presParOf" srcId="{BE9AAFBB-CF46-4D86-A7D1-E318BBBE58A5}" destId="{3A745F8D-6DAC-419A-A4F4-33A4DC22818B}" srcOrd="1" destOrd="0" presId="urn:microsoft.com/office/officeart/2005/8/layout/orgChart1"/>
+    <dgm:cxn modelId="{E4B537B9-FBE1-4956-BEA8-CA8E8E47E4AA}" type="presParOf" srcId="{3A745F8D-6DAC-419A-A4F4-33A4DC22818B}" destId="{DBDC7CA7-1CD2-4473-8CA9-426E69A52C5A}" srcOrd="0" destOrd="0" presId="urn:microsoft.com/office/officeart/2005/8/layout/orgChart1"/>
+    <dgm:cxn modelId="{2D6FA8F1-E42E-4B08-88AE-4AC698919998}" type="presParOf" srcId="{DBDC7CA7-1CD2-4473-8CA9-426E69A52C5A}" destId="{3855CFD8-385E-4649-8B71-52F725EDA15D}" srcOrd="0" destOrd="0" presId="urn:microsoft.com/office/officeart/2005/8/layout/orgChart1"/>
+    <dgm:cxn modelId="{C97C5363-9A58-4FD9-A1CB-455B3CBF9F28}" type="presParOf" srcId="{DBDC7CA7-1CD2-4473-8CA9-426E69A52C5A}" destId="{EFD57534-9979-4C20-B812-1B23586C9216}" srcOrd="1" destOrd="0" presId="urn:microsoft.com/office/officeart/2005/8/layout/orgChart1"/>
+    <dgm:cxn modelId="{89F4E967-CECD-4434-A851-1E875B8B11C3}" type="presParOf" srcId="{3A745F8D-6DAC-419A-A4F4-33A4DC22818B}" destId="{C41363A1-077F-4008-BE3F-EFAF34A86D39}" srcOrd="1" destOrd="0" presId="urn:microsoft.com/office/officeart/2005/8/layout/orgChart1"/>
+    <dgm:cxn modelId="{F2846919-B7A3-46C0-8061-389775B1B0EB}" type="presParOf" srcId="{3A745F8D-6DAC-419A-A4F4-33A4DC22818B}" destId="{7DF40278-52F9-40A3-9625-681DDCD9A868}" srcOrd="2" destOrd="0" presId="urn:microsoft.com/office/officeart/2005/8/layout/orgChart1"/>
+    <dgm:cxn modelId="{CD754307-4C2E-48BD-AFDC-2023ABD0D423}" type="presParOf" srcId="{BE9AAFBB-CF46-4D86-A7D1-E318BBBE58A5}" destId="{570AABEA-539A-4D9E-9E79-B3C28E202B47}" srcOrd="2" destOrd="0" presId="urn:microsoft.com/office/officeart/2005/8/layout/orgChart1"/>
+    <dgm:cxn modelId="{3B75529E-A570-4787-B30E-FF1B33FDE187}" type="presParOf" srcId="{570AABEA-539A-4D9E-9E79-B3C28E202B47}" destId="{274BC9BE-AF2D-4BE4-BAD2-A622CE2876F6}" srcOrd="0" destOrd="0" presId="urn:microsoft.com/office/officeart/2005/8/layout/orgChart1"/>
+    <dgm:cxn modelId="{33D316B7-85B0-4142-8700-B56CDDCB4411}" type="presParOf" srcId="{274BC9BE-AF2D-4BE4-BAD2-A622CE2876F6}" destId="{46D32D46-5E65-4856-8289-516E7D9BFFF2}" srcOrd="0" destOrd="0" presId="urn:microsoft.com/office/officeart/2005/8/layout/orgChart1"/>
+    <dgm:cxn modelId="{4ABE58AE-A05A-4984-B440-B242DF202522}" type="presParOf" srcId="{274BC9BE-AF2D-4BE4-BAD2-A622CE2876F6}" destId="{B3337207-D6BE-4BAF-A694-1484CDC65944}" srcOrd="1" destOrd="0" presId="urn:microsoft.com/office/officeart/2005/8/layout/orgChart1"/>
+    <dgm:cxn modelId="{660EC6A2-2AFE-4814-B25F-0F5EA513E8F8}" type="presParOf" srcId="{570AABEA-539A-4D9E-9E79-B3C28E202B47}" destId="{98141B4E-1DF9-42B3-84D9-4F2795B42E13}" srcOrd="1" destOrd="0" presId="urn:microsoft.com/office/officeart/2005/8/layout/orgChart1"/>
+    <dgm:cxn modelId="{5F4E1B54-67AF-418C-A097-AFA2604CE200}" type="presParOf" srcId="{570AABEA-539A-4D9E-9E79-B3C28E202B47}" destId="{147A3DA7-F700-405C-9584-D7652F493161}" srcOrd="2" destOrd="0" presId="urn:microsoft.com/office/officeart/2005/8/layout/orgChart1"/>
+    <dgm:cxn modelId="{E3CF0E42-74DD-45B7-A74F-29ADDBF653A9}" type="presParOf" srcId="{BE9AAFBB-CF46-4D86-A7D1-E318BBBE58A5}" destId="{FAA73739-5940-4E7F-9A74-611236B31CFD}" srcOrd="3" destOrd="0" presId="urn:microsoft.com/office/officeart/2005/8/layout/orgChart1"/>
+    <dgm:cxn modelId="{3493A093-EAF0-42AF-B5DD-4219F4FD543F}" type="presParOf" srcId="{FAA73739-5940-4E7F-9A74-611236B31CFD}" destId="{CE67631D-05EC-4C91-960C-D71AD58243BB}" srcOrd="0" destOrd="0" presId="urn:microsoft.com/office/officeart/2005/8/layout/orgChart1"/>
+    <dgm:cxn modelId="{CADB2B70-8415-4C97-9FAE-66BEECFC9573}" type="presParOf" srcId="{CE67631D-05EC-4C91-960C-D71AD58243BB}" destId="{7E5E8AE5-99DB-4850-83BA-7FB1F028901B}" srcOrd="0" destOrd="0" presId="urn:microsoft.com/office/officeart/2005/8/layout/orgChart1"/>
+    <dgm:cxn modelId="{B0B026B7-135D-4AF3-B941-C2A507940178}" type="presParOf" srcId="{CE67631D-05EC-4C91-960C-D71AD58243BB}" destId="{87BF4866-381E-48E4-A9F7-DF6C8CC9E18F}" srcOrd="1" destOrd="0" presId="urn:microsoft.com/office/officeart/2005/8/layout/orgChart1"/>
+    <dgm:cxn modelId="{754DCC44-88AB-49CA-B754-66EDA8D8B342}" type="presParOf" srcId="{FAA73739-5940-4E7F-9A74-611236B31CFD}" destId="{BE4F7C6E-4A6C-440A-B984-8B5491A53775}" srcOrd="1" destOrd="0" presId="urn:microsoft.com/office/officeart/2005/8/layout/orgChart1"/>
+    <dgm:cxn modelId="{0245ACF1-4477-4416-8C26-0CC721D9618E}" type="presParOf" srcId="{FAA73739-5940-4E7F-9A74-611236B31CFD}" destId="{56BB1B1C-8A1A-4B86-AFDA-34A58E4C4D53}" srcOrd="2" destOrd="0" presId="urn:microsoft.com/office/officeart/2005/8/layout/orgChart1"/>
   </dgm:cxnLst>
   <dgm:bg/>
   <dgm:whole/>
@@ -3440,8 +4057,8 @@
       </dsp:nvSpPr>
       <dsp:spPr>
         <a:xfrm>
-          <a:off x="8453730" y="2515533"/>
-          <a:ext cx="147175" cy="1147970"/>
+          <a:off x="7598947" y="2562992"/>
+          <a:ext cx="132260" cy="1031633"/>
         </a:xfrm>
         <a:custGeom>
           <a:avLst/>
@@ -3455,10 +4072,10 @@
                 <a:pt x="0" y="0"/>
               </a:moveTo>
               <a:lnTo>
-                <a:pt x="0" y="1147970"/>
+                <a:pt x="0" y="1031633"/>
               </a:lnTo>
               <a:lnTo>
-                <a:pt x="147175" y="1147970"/>
+                <a:pt x="132260" y="1031633"/>
               </a:lnTo>
             </a:path>
           </a:pathLst>
@@ -3498,8 +4115,8 @@
       </dsp:nvSpPr>
       <dsp:spPr>
         <a:xfrm>
-          <a:off x="8453730" y="2515533"/>
-          <a:ext cx="147175" cy="451338"/>
+          <a:off x="7598947" y="2562992"/>
+          <a:ext cx="132260" cy="405599"/>
         </a:xfrm>
         <a:custGeom>
           <a:avLst/>
@@ -3513,10 +4130,10 @@
                 <a:pt x="0" y="0"/>
               </a:moveTo>
               <a:lnTo>
-                <a:pt x="0" y="451338"/>
+                <a:pt x="0" y="405599"/>
               </a:lnTo>
               <a:lnTo>
-                <a:pt x="147175" y="451338"/>
+                <a:pt x="132260" y="405599"/>
               </a:lnTo>
             </a:path>
           </a:pathLst>
@@ -3556,8 +4173,8 @@
       </dsp:nvSpPr>
       <dsp:spPr>
         <a:xfrm>
-          <a:off x="4668862" y="1818901"/>
-          <a:ext cx="4177336" cy="206045"/>
+          <a:off x="4197642" y="1936958"/>
+          <a:ext cx="3754000" cy="185165"/>
         </a:xfrm>
         <a:custGeom>
           <a:avLst/>
@@ -3571,13 +4188,13 @@
                 <a:pt x="0" y="0"/>
               </a:moveTo>
               <a:lnTo>
-                <a:pt x="0" y="103022"/>
+                <a:pt x="0" y="92582"/>
               </a:lnTo>
               <a:lnTo>
-                <a:pt x="4177336" y="103022"/>
+                <a:pt x="3754000" y="92582"/>
               </a:lnTo>
               <a:lnTo>
-                <a:pt x="4177336" y="206045"/>
+                <a:pt x="3754000" y="185165"/>
               </a:lnTo>
             </a:path>
           </a:pathLst>
@@ -3617,8 +4234,8 @@
       </dsp:nvSpPr>
       <dsp:spPr>
         <a:xfrm>
-          <a:off x="7266513" y="3212164"/>
-          <a:ext cx="147175" cy="1844602"/>
+          <a:off x="6532044" y="3189027"/>
+          <a:ext cx="132260" cy="1657667"/>
         </a:xfrm>
         <a:custGeom>
           <a:avLst/>
@@ -3632,10 +4249,10 @@
                 <a:pt x="0" y="0"/>
               </a:moveTo>
               <a:lnTo>
-                <a:pt x="0" y="1844602"/>
+                <a:pt x="0" y="1657667"/>
               </a:lnTo>
               <a:lnTo>
-                <a:pt x="147175" y="1844602"/>
+                <a:pt x="132260" y="1657667"/>
               </a:lnTo>
             </a:path>
           </a:pathLst>
@@ -3675,8 +4292,8 @@
       </dsp:nvSpPr>
       <dsp:spPr>
         <a:xfrm>
-          <a:off x="7266513" y="3212164"/>
-          <a:ext cx="147175" cy="1147970"/>
+          <a:off x="6532044" y="3189027"/>
+          <a:ext cx="132260" cy="1031633"/>
         </a:xfrm>
         <a:custGeom>
           <a:avLst/>
@@ -3690,10 +4307,10 @@
                 <a:pt x="0" y="0"/>
               </a:moveTo>
               <a:lnTo>
-                <a:pt x="0" y="1147970"/>
+                <a:pt x="0" y="1031633"/>
               </a:lnTo>
               <a:lnTo>
-                <a:pt x="147175" y="1147970"/>
+                <a:pt x="132260" y="1031633"/>
               </a:lnTo>
             </a:path>
           </a:pathLst>
@@ -3733,8 +4350,8 @@
       </dsp:nvSpPr>
       <dsp:spPr>
         <a:xfrm>
-          <a:off x="7266513" y="3212164"/>
-          <a:ext cx="147175" cy="451338"/>
+          <a:off x="6532044" y="3189027"/>
+          <a:ext cx="132260" cy="405599"/>
         </a:xfrm>
         <a:custGeom>
           <a:avLst/>
@@ -3748,10 +4365,10 @@
                 <a:pt x="0" y="0"/>
               </a:moveTo>
               <a:lnTo>
-                <a:pt x="0" y="451338"/>
+                <a:pt x="0" y="405599"/>
               </a:lnTo>
               <a:lnTo>
-                <a:pt x="147175" y="451338"/>
+                <a:pt x="132260" y="405599"/>
               </a:lnTo>
             </a:path>
           </a:pathLst>
@@ -3791,8 +4408,8 @@
       </dsp:nvSpPr>
       <dsp:spPr>
         <a:xfrm>
-          <a:off x="5681921" y="2515533"/>
-          <a:ext cx="1977060" cy="206045"/>
+          <a:off x="5108037" y="2562992"/>
+          <a:ext cx="1776702" cy="185165"/>
         </a:xfrm>
         <a:custGeom>
           <a:avLst/>
@@ -3806,13 +4423,13 @@
                 <a:pt x="0" y="0"/>
               </a:moveTo>
               <a:lnTo>
-                <a:pt x="0" y="103022"/>
+                <a:pt x="0" y="92582"/>
               </a:lnTo>
               <a:lnTo>
-                <a:pt x="1977060" y="103022"/>
+                <a:pt x="1776702" y="92582"/>
               </a:lnTo>
               <a:lnTo>
-                <a:pt x="1977060" y="206045"/>
+                <a:pt x="1776702" y="185165"/>
               </a:lnTo>
             </a:path>
           </a:pathLst>
@@ -3852,8 +4469,8 @@
       </dsp:nvSpPr>
       <dsp:spPr>
         <a:xfrm>
-          <a:off x="6079295" y="3212164"/>
-          <a:ext cx="147175" cy="1844602"/>
+          <a:off x="5465141" y="3189027"/>
+          <a:ext cx="132260" cy="1657667"/>
         </a:xfrm>
         <a:custGeom>
           <a:avLst/>
@@ -3867,10 +4484,10 @@
                 <a:pt x="0" y="0"/>
               </a:moveTo>
               <a:lnTo>
-                <a:pt x="0" y="1844602"/>
+                <a:pt x="0" y="1657667"/>
               </a:lnTo>
               <a:lnTo>
-                <a:pt x="147175" y="1844602"/>
+                <a:pt x="132260" y="1657667"/>
               </a:lnTo>
             </a:path>
           </a:pathLst>
@@ -3910,8 +4527,8 @@
       </dsp:nvSpPr>
       <dsp:spPr>
         <a:xfrm>
-          <a:off x="6079295" y="3212164"/>
-          <a:ext cx="147175" cy="1147970"/>
+          <a:off x="5465141" y="3189027"/>
+          <a:ext cx="132260" cy="1031633"/>
         </a:xfrm>
         <a:custGeom>
           <a:avLst/>
@@ -3925,10 +4542,10 @@
                 <a:pt x="0" y="0"/>
               </a:moveTo>
               <a:lnTo>
-                <a:pt x="0" y="1147970"/>
+                <a:pt x="0" y="1031633"/>
               </a:lnTo>
               <a:lnTo>
-                <a:pt x="147175" y="1147970"/>
+                <a:pt x="132260" y="1031633"/>
               </a:lnTo>
             </a:path>
           </a:pathLst>
@@ -3968,8 +4585,8 @@
       </dsp:nvSpPr>
       <dsp:spPr>
         <a:xfrm>
-          <a:off x="6079295" y="3212164"/>
-          <a:ext cx="147175" cy="451338"/>
+          <a:off x="5465141" y="3189027"/>
+          <a:ext cx="132260" cy="405599"/>
         </a:xfrm>
         <a:custGeom>
           <a:avLst/>
@@ -3983,10 +4600,10 @@
                 <a:pt x="0" y="0"/>
               </a:moveTo>
               <a:lnTo>
-                <a:pt x="0" y="451338"/>
+                <a:pt x="0" y="405599"/>
               </a:lnTo>
               <a:lnTo>
-                <a:pt x="147175" y="451338"/>
+                <a:pt x="132260" y="405599"/>
               </a:lnTo>
             </a:path>
           </a:pathLst>
@@ -4026,8 +4643,8 @@
       </dsp:nvSpPr>
       <dsp:spPr>
         <a:xfrm>
-          <a:off x="5681921" y="2515533"/>
-          <a:ext cx="789842" cy="206045"/>
+          <a:off x="5108037" y="2562992"/>
+          <a:ext cx="709799" cy="185165"/>
         </a:xfrm>
         <a:custGeom>
           <a:avLst/>
@@ -4041,13 +4658,13 @@
                 <a:pt x="0" y="0"/>
               </a:moveTo>
               <a:lnTo>
-                <a:pt x="0" y="103022"/>
+                <a:pt x="0" y="92582"/>
               </a:lnTo>
               <a:lnTo>
-                <a:pt x="789842" y="103022"/>
+                <a:pt x="709799" y="92582"/>
               </a:lnTo>
               <a:lnTo>
-                <a:pt x="789842" y="206045"/>
+                <a:pt x="709799" y="185165"/>
               </a:lnTo>
             </a:path>
           </a:pathLst>
@@ -4087,8 +4704,8 @@
       </dsp:nvSpPr>
       <dsp:spPr>
         <a:xfrm>
-          <a:off x="4892078" y="3212164"/>
-          <a:ext cx="147175" cy="1844602"/>
+          <a:off x="4398237" y="3189027"/>
+          <a:ext cx="132260" cy="1657667"/>
         </a:xfrm>
         <a:custGeom>
           <a:avLst/>
@@ -4102,10 +4719,10 @@
                 <a:pt x="0" y="0"/>
               </a:moveTo>
               <a:lnTo>
-                <a:pt x="0" y="1844602"/>
+                <a:pt x="0" y="1657667"/>
               </a:lnTo>
               <a:lnTo>
-                <a:pt x="147175" y="1844602"/>
+                <a:pt x="132260" y="1657667"/>
               </a:lnTo>
             </a:path>
           </a:pathLst>
@@ -4145,8 +4762,8 @@
       </dsp:nvSpPr>
       <dsp:spPr>
         <a:xfrm>
-          <a:off x="4892078" y="3212164"/>
-          <a:ext cx="147175" cy="1147970"/>
+          <a:off x="4398237" y="3189027"/>
+          <a:ext cx="132260" cy="1031633"/>
         </a:xfrm>
         <a:custGeom>
           <a:avLst/>
@@ -4160,10 +4777,10 @@
                 <a:pt x="0" y="0"/>
               </a:moveTo>
               <a:lnTo>
-                <a:pt x="0" y="1147970"/>
+                <a:pt x="0" y="1031633"/>
               </a:lnTo>
               <a:lnTo>
-                <a:pt x="147175" y="1147970"/>
+                <a:pt x="132260" y="1031633"/>
               </a:lnTo>
             </a:path>
           </a:pathLst>
@@ -4203,8 +4820,8 @@
       </dsp:nvSpPr>
       <dsp:spPr>
         <a:xfrm>
-          <a:off x="4892078" y="3212164"/>
-          <a:ext cx="147175" cy="451338"/>
+          <a:off x="4398237" y="3189027"/>
+          <a:ext cx="132260" cy="405599"/>
         </a:xfrm>
         <a:custGeom>
           <a:avLst/>
@@ -4218,10 +4835,10 @@
                 <a:pt x="0" y="0"/>
               </a:moveTo>
               <a:lnTo>
-                <a:pt x="0" y="451338"/>
+                <a:pt x="0" y="405599"/>
               </a:lnTo>
               <a:lnTo>
-                <a:pt x="147175" y="451338"/>
+                <a:pt x="132260" y="405599"/>
               </a:lnTo>
             </a:path>
           </a:pathLst>
@@ -4261,8 +4878,8 @@
       </dsp:nvSpPr>
       <dsp:spPr>
         <a:xfrm>
-          <a:off x="5284547" y="2515533"/>
-          <a:ext cx="397374" cy="206045"/>
+          <a:off x="4750933" y="2562992"/>
+          <a:ext cx="357103" cy="185165"/>
         </a:xfrm>
         <a:custGeom>
           <a:avLst/>
@@ -4273,16 +4890,16 @@
           <a:pathLst>
             <a:path>
               <a:moveTo>
-                <a:pt x="397374" y="0"/>
+                <a:pt x="357103" y="0"/>
               </a:moveTo>
               <a:lnTo>
-                <a:pt x="397374" y="103022"/>
+                <a:pt x="357103" y="92582"/>
               </a:lnTo>
               <a:lnTo>
-                <a:pt x="0" y="103022"/>
+                <a:pt x="0" y="92582"/>
               </a:lnTo>
               <a:lnTo>
-                <a:pt x="0" y="206045"/>
+                <a:pt x="0" y="185165"/>
               </a:lnTo>
             </a:path>
           </a:pathLst>
@@ -4322,8 +4939,8 @@
       </dsp:nvSpPr>
       <dsp:spPr>
         <a:xfrm>
-          <a:off x="3519920" y="3212164"/>
-          <a:ext cx="184940" cy="1169634"/>
+          <a:off x="3331334" y="3189027"/>
+          <a:ext cx="144807" cy="1003395"/>
         </a:xfrm>
         <a:custGeom>
           <a:avLst/>
@@ -4334,13 +4951,13 @@
           <a:pathLst>
             <a:path>
               <a:moveTo>
-                <a:pt x="184940" y="0"/>
+                <a:pt x="0" y="0"/>
               </a:moveTo>
               <a:lnTo>
-                <a:pt x="184940" y="1169634"/>
+                <a:pt x="0" y="1003395"/>
               </a:lnTo>
               <a:lnTo>
-                <a:pt x="0" y="1169634"/>
+                <a:pt x="144807" y="1003395"/>
               </a:lnTo>
             </a:path>
           </a:pathLst>
@@ -4380,8 +4997,8 @@
       </dsp:nvSpPr>
       <dsp:spPr>
         <a:xfrm>
-          <a:off x="3704861" y="3212164"/>
-          <a:ext cx="147175" cy="1844602"/>
+          <a:off x="3331334" y="3189027"/>
+          <a:ext cx="132260" cy="1657667"/>
         </a:xfrm>
         <a:custGeom>
           <a:avLst/>
@@ -4395,10 +5012,10 @@
                 <a:pt x="0" y="0"/>
               </a:moveTo>
               <a:lnTo>
-                <a:pt x="0" y="1844602"/>
+                <a:pt x="0" y="1657667"/>
               </a:lnTo>
               <a:lnTo>
-                <a:pt x="147175" y="1844602"/>
+                <a:pt x="132260" y="1657667"/>
               </a:lnTo>
             </a:path>
           </a:pathLst>
@@ -4438,8 +5055,8 @@
       </dsp:nvSpPr>
       <dsp:spPr>
         <a:xfrm>
-          <a:off x="3704861" y="3212164"/>
-          <a:ext cx="144536" cy="461361"/>
+          <a:off x="3331334" y="3189027"/>
+          <a:ext cx="129888" cy="414606"/>
         </a:xfrm>
         <a:custGeom>
           <a:avLst/>
@@ -4453,10 +5070,10 @@
                 <a:pt x="0" y="0"/>
               </a:moveTo>
               <a:lnTo>
-                <a:pt x="0" y="461361"/>
+                <a:pt x="0" y="414606"/>
               </a:lnTo>
               <a:lnTo>
-                <a:pt x="144536" y="461361"/>
+                <a:pt x="129888" y="414606"/>
               </a:lnTo>
             </a:path>
           </a:pathLst>
@@ -4496,8 +5113,8 @@
       </dsp:nvSpPr>
       <dsp:spPr>
         <a:xfrm>
-          <a:off x="3704861" y="2515533"/>
-          <a:ext cx="1977060" cy="206045"/>
+          <a:off x="3331334" y="2562992"/>
+          <a:ext cx="1776702" cy="185165"/>
         </a:xfrm>
         <a:custGeom>
           <a:avLst/>
@@ -4508,16 +5125,16 @@
           <a:pathLst>
             <a:path>
               <a:moveTo>
-                <a:pt x="1977060" y="0"/>
+                <a:pt x="1776702" y="0"/>
               </a:moveTo>
               <a:lnTo>
-                <a:pt x="1977060" y="103022"/>
+                <a:pt x="1776702" y="92582"/>
               </a:lnTo>
               <a:lnTo>
-                <a:pt x="0" y="103022"/>
+                <a:pt x="0" y="92582"/>
               </a:lnTo>
               <a:lnTo>
-                <a:pt x="0" y="206045"/>
+                <a:pt x="0" y="185165"/>
               </a:lnTo>
             </a:path>
           </a:pathLst>
@@ -4557,8 +5174,8 @@
       </dsp:nvSpPr>
       <dsp:spPr>
         <a:xfrm>
-          <a:off x="4668862" y="1818901"/>
-          <a:ext cx="1013059" cy="206045"/>
+          <a:off x="4197642" y="1936958"/>
+          <a:ext cx="910394" cy="185165"/>
         </a:xfrm>
         <a:custGeom>
           <a:avLst/>
@@ -4572,13 +5189,13 @@
                 <a:pt x="0" y="0"/>
               </a:moveTo>
               <a:lnTo>
-                <a:pt x="0" y="103022"/>
+                <a:pt x="0" y="92582"/>
               </a:lnTo>
               <a:lnTo>
-                <a:pt x="1013059" y="103022"/>
+                <a:pt x="910394" y="92582"/>
               </a:lnTo>
               <a:lnTo>
-                <a:pt x="1013059" y="206045"/>
+                <a:pt x="910394" y="185165"/>
               </a:lnTo>
             </a:path>
           </a:pathLst>
@@ -4618,8 +5235,8 @@
       </dsp:nvSpPr>
       <dsp:spPr>
         <a:xfrm>
-          <a:off x="1286273" y="2515533"/>
-          <a:ext cx="147175" cy="1147970"/>
+          <a:off x="1157850" y="2562992"/>
+          <a:ext cx="132260" cy="1031633"/>
         </a:xfrm>
         <a:custGeom>
           <a:avLst/>
@@ -4633,10 +5250,10 @@
                 <a:pt x="0" y="0"/>
               </a:moveTo>
               <a:lnTo>
-                <a:pt x="0" y="1147970"/>
+                <a:pt x="0" y="1031633"/>
               </a:lnTo>
               <a:lnTo>
-                <a:pt x="147175" y="1147970"/>
+                <a:pt x="132260" y="1031633"/>
               </a:lnTo>
             </a:path>
           </a:pathLst>
@@ -4676,8 +5293,8 @@
       </dsp:nvSpPr>
       <dsp:spPr>
         <a:xfrm>
-          <a:off x="1286273" y="2515533"/>
-          <a:ext cx="147175" cy="451338"/>
+          <a:off x="1157850" y="2562992"/>
+          <a:ext cx="132260" cy="405599"/>
         </a:xfrm>
         <a:custGeom>
           <a:avLst/>
@@ -4691,10 +5308,10 @@
                 <a:pt x="0" y="0"/>
               </a:moveTo>
               <a:lnTo>
-                <a:pt x="0" y="451338"/>
+                <a:pt x="0" y="405599"/>
               </a:lnTo>
               <a:lnTo>
-                <a:pt x="147175" y="451338"/>
+                <a:pt x="132260" y="405599"/>
               </a:lnTo>
             </a:path>
           </a:pathLst>
@@ -4734,8 +5351,8 @@
       </dsp:nvSpPr>
       <dsp:spPr>
         <a:xfrm>
-          <a:off x="1678742" y="1818901"/>
-          <a:ext cx="2990119" cy="206045"/>
+          <a:off x="1510545" y="1936958"/>
+          <a:ext cx="2687097" cy="185165"/>
         </a:xfrm>
         <a:custGeom>
           <a:avLst/>
@@ -4746,16 +5363,16 @@
           <a:pathLst>
             <a:path>
               <a:moveTo>
-                <a:pt x="2990119" y="0"/>
+                <a:pt x="2687097" y="0"/>
               </a:moveTo>
               <a:lnTo>
-                <a:pt x="2990119" y="103022"/>
+                <a:pt x="2687097" y="92582"/>
               </a:lnTo>
               <a:lnTo>
-                <a:pt x="0" y="103022"/>
+                <a:pt x="0" y="92582"/>
               </a:lnTo>
               <a:lnTo>
-                <a:pt x="0" y="206045"/>
+                <a:pt x="0" y="185165"/>
               </a:lnTo>
             </a:path>
           </a:pathLst>
@@ -4795,8 +5412,8 @@
       </dsp:nvSpPr>
       <dsp:spPr>
         <a:xfrm>
-          <a:off x="99056" y="2515533"/>
-          <a:ext cx="147175" cy="1844602"/>
+          <a:off x="90946" y="2562992"/>
+          <a:ext cx="132260" cy="1657667"/>
         </a:xfrm>
         <a:custGeom>
           <a:avLst/>
@@ -4810,10 +5427,10 @@
                 <a:pt x="0" y="0"/>
               </a:moveTo>
               <a:lnTo>
-                <a:pt x="0" y="1844602"/>
+                <a:pt x="0" y="1657667"/>
               </a:lnTo>
               <a:lnTo>
-                <a:pt x="147175" y="1844602"/>
+                <a:pt x="132260" y="1657667"/>
               </a:lnTo>
             </a:path>
           </a:pathLst>
@@ -4853,8 +5470,8 @@
       </dsp:nvSpPr>
       <dsp:spPr>
         <a:xfrm>
-          <a:off x="99056" y="2515533"/>
-          <a:ext cx="147175" cy="1147970"/>
+          <a:off x="90946" y="2562992"/>
+          <a:ext cx="132260" cy="1031633"/>
         </a:xfrm>
         <a:custGeom>
           <a:avLst/>
@@ -4868,10 +5485,10 @@
                 <a:pt x="0" y="0"/>
               </a:moveTo>
               <a:lnTo>
-                <a:pt x="0" y="1147970"/>
+                <a:pt x="0" y="1031633"/>
               </a:lnTo>
               <a:lnTo>
-                <a:pt x="147175" y="1147970"/>
+                <a:pt x="132260" y="1031633"/>
               </a:lnTo>
             </a:path>
           </a:pathLst>
@@ -4911,8 +5528,8 @@
       </dsp:nvSpPr>
       <dsp:spPr>
         <a:xfrm>
-          <a:off x="99056" y="2515533"/>
-          <a:ext cx="147175" cy="451338"/>
+          <a:off x="90946" y="2562992"/>
+          <a:ext cx="132260" cy="405599"/>
         </a:xfrm>
         <a:custGeom>
           <a:avLst/>
@@ -4926,10 +5543,10 @@
                 <a:pt x="0" y="0"/>
               </a:moveTo>
               <a:lnTo>
-                <a:pt x="0" y="451338"/>
+                <a:pt x="0" y="405599"/>
               </a:lnTo>
               <a:lnTo>
-                <a:pt x="147175" y="451338"/>
+                <a:pt x="132260" y="405599"/>
               </a:lnTo>
             </a:path>
           </a:pathLst>
@@ -4969,8 +5586,8 @@
       </dsp:nvSpPr>
       <dsp:spPr>
         <a:xfrm>
-          <a:off x="491525" y="1818901"/>
-          <a:ext cx="4177336" cy="206045"/>
+          <a:off x="443642" y="1936958"/>
+          <a:ext cx="3754000" cy="185165"/>
         </a:xfrm>
         <a:custGeom>
           <a:avLst/>
@@ -4981,16 +5598,16 @@
           <a:pathLst>
             <a:path>
               <a:moveTo>
-                <a:pt x="4177336" y="0"/>
+                <a:pt x="3754000" y="0"/>
               </a:moveTo>
               <a:lnTo>
-                <a:pt x="4177336" y="103022"/>
+                <a:pt x="3754000" y="92582"/>
               </a:lnTo>
               <a:lnTo>
-                <a:pt x="0" y="103022"/>
+                <a:pt x="0" y="92582"/>
               </a:lnTo>
               <a:lnTo>
-                <a:pt x="0" y="206045"/>
+                <a:pt x="0" y="185165"/>
               </a:lnTo>
             </a:path>
           </a:pathLst>
@@ -5030,8 +5647,8 @@
       </dsp:nvSpPr>
       <dsp:spPr>
         <a:xfrm>
-          <a:off x="4623142" y="1122269"/>
-          <a:ext cx="91440" cy="206045"/>
+          <a:off x="4151922" y="1310924"/>
+          <a:ext cx="91440" cy="185165"/>
         </a:xfrm>
         <a:custGeom>
           <a:avLst/>
@@ -5045,7 +5662,7 @@
                 <a:pt x="45720" y="0"/>
               </a:moveTo>
               <a:lnTo>
-                <a:pt x="45720" y="206045"/>
+                <a:pt x="45720" y="185165"/>
               </a:lnTo>
             </a:path>
           </a:pathLst>
@@ -5085,8 +5702,8 @@
       </dsp:nvSpPr>
       <dsp:spPr>
         <a:xfrm>
-          <a:off x="2240919" y="665642"/>
-          <a:ext cx="4855885" cy="456627"/>
+          <a:off x="2015750" y="900572"/>
+          <a:ext cx="4363783" cy="410352"/>
         </a:xfrm>
         <a:prstGeom prst="rect">
           <a:avLst/>
@@ -5128,12 +5745,12 @@
         </a:fontRef>
       </dsp:style>
       <dsp:txBody>
-        <a:bodyPr spcFirstLastPara="0" vert="horz" wrap="square" lIns="6985" tIns="6985" rIns="6985" bIns="6985" numCol="1" spcCol="1270" anchor="ctr" anchorCtr="0">
+        <a:bodyPr spcFirstLastPara="0" vert="horz" wrap="square" lIns="6350" tIns="6350" rIns="6350" bIns="6350" numCol="1" spcCol="1270" anchor="ctr" anchorCtr="0">
           <a:noAutofit/>
         </a:bodyPr>
         <a:lstStyle/>
         <a:p>
-          <a:pPr marL="0" lvl="0" indent="0" algn="ctr" defTabSz="488950">
+          <a:pPr marL="0" lvl="0" indent="0" algn="ctr" defTabSz="444500">
             <a:lnSpc>
               <a:spcPct val="90000"/>
             </a:lnSpc>
@@ -5146,14 +5763,14 @@
             <a:buNone/>
           </a:pPr>
           <a:r>
-            <a:rPr lang="en-GB" sz="1100" kern="1200" dirty="0"/>
+            <a:rPr lang="en-GB" sz="1000" kern="1200"/>
             <a:t>Through out each step each member will review the work being done and sign off that it is of a good standard as part of the validation and Verification of the project </a:t>
           </a:r>
         </a:p>
       </dsp:txBody>
       <dsp:txXfrm>
-        <a:off x="2240919" y="665642"/>
-        <a:ext cx="4855885" cy="456627"/>
+        <a:off x="2015750" y="900572"/>
+        <a:ext cx="4363783" cy="410352"/>
       </dsp:txXfrm>
     </dsp:sp>
     <dsp:sp modelId="{C69AE98F-752F-4FB1-BB7F-D6698C427543}">
@@ -5163,8 +5780,8 @@
       </dsp:nvSpPr>
       <dsp:spPr>
         <a:xfrm>
-          <a:off x="4178276" y="1328315"/>
-          <a:ext cx="981171" cy="490585"/>
+          <a:off x="3756773" y="1496089"/>
+          <a:ext cx="881738" cy="440869"/>
         </a:xfrm>
         <a:prstGeom prst="rect">
           <a:avLst/>
@@ -5201,12 +5818,12 @@
         </a:fontRef>
       </dsp:style>
       <dsp:txBody>
-        <a:bodyPr spcFirstLastPara="0" vert="horz" wrap="square" lIns="6985" tIns="6985" rIns="6985" bIns="6985" numCol="1" spcCol="1270" anchor="ctr" anchorCtr="0">
+        <a:bodyPr spcFirstLastPara="0" vert="horz" wrap="square" lIns="6350" tIns="6350" rIns="6350" bIns="6350" numCol="1" spcCol="1270" anchor="ctr" anchorCtr="0">
           <a:noAutofit/>
         </a:bodyPr>
         <a:lstStyle/>
         <a:p>
-          <a:pPr marL="0" lvl="0" indent="0" algn="ctr" defTabSz="488950" rtl="0">
+          <a:pPr marL="0" lvl="0" indent="0" algn="ctr" defTabSz="444500" rtl="0">
             <a:lnSpc>
               <a:spcPct val="90000"/>
             </a:lnSpc>
@@ -5219,17 +5836,17 @@
             <a:buNone/>
           </a:pPr>
           <a:r>
-            <a:rPr lang="en-GB" sz="1100" kern="1200" dirty="0">
+            <a:rPr lang="en-GB" sz="1000" kern="1200">
               <a:latin typeface="Calibri Light" panose="020F0302020204030204"/>
             </a:rPr>
             <a:t>Resistor Sorting Arm</a:t>
           </a:r>
-          <a:endParaRPr lang="en-GB" sz="1100" kern="1200" dirty="0"/>
+          <a:endParaRPr lang="en-GB" sz="1000" kern="1200"/>
         </a:p>
       </dsp:txBody>
       <dsp:txXfrm>
-        <a:off x="4178276" y="1328315"/>
-        <a:ext cx="981171" cy="490585"/>
+        <a:off x="3756773" y="1496089"/>
+        <a:ext cx="881738" cy="440869"/>
       </dsp:txXfrm>
     </dsp:sp>
     <dsp:sp modelId="{2C3C086E-2589-4751-A4A9-7A86B6DBFBCB}">
@@ -5239,8 +5856,8 @@
       </dsp:nvSpPr>
       <dsp:spPr>
         <a:xfrm>
-          <a:off x="939" y="2024947"/>
-          <a:ext cx="981171" cy="490585"/>
+          <a:off x="2773" y="2122123"/>
+          <a:ext cx="881738" cy="440869"/>
         </a:xfrm>
         <a:prstGeom prst="rect">
           <a:avLst/>
@@ -5282,12 +5899,12 @@
         </a:fontRef>
       </dsp:style>
       <dsp:txBody>
-        <a:bodyPr spcFirstLastPara="0" vert="horz" wrap="square" lIns="6985" tIns="6985" rIns="6985" bIns="6985" numCol="1" spcCol="1270" anchor="ctr" anchorCtr="0">
+        <a:bodyPr spcFirstLastPara="0" vert="horz" wrap="square" lIns="6350" tIns="6350" rIns="6350" bIns="6350" numCol="1" spcCol="1270" anchor="ctr" anchorCtr="0">
           <a:noAutofit/>
         </a:bodyPr>
         <a:lstStyle/>
         <a:p>
-          <a:pPr marL="0" lvl="0" indent="0" algn="ctr" defTabSz="488950" rtl="0">
+          <a:pPr marL="0" lvl="0" indent="0" algn="ctr" defTabSz="444500" rtl="0">
             <a:lnSpc>
               <a:spcPct val="90000"/>
             </a:lnSpc>
@@ -5300,7 +5917,7 @@
             <a:buNone/>
           </a:pPr>
           <a:r>
-            <a:rPr lang="en-GB" sz="1100" kern="1200" dirty="0">
+            <a:rPr lang="en-GB" sz="1000" kern="1200">
               <a:latin typeface="Calibri Light" panose="020F0302020204030204"/>
             </a:rPr>
             <a:t>Project Initiation</a:t>
@@ -5308,8 +5925,8 @@
         </a:p>
       </dsp:txBody>
       <dsp:txXfrm>
-        <a:off x="939" y="2024947"/>
-        <a:ext cx="981171" cy="490585"/>
+        <a:off x="2773" y="2122123"/>
+        <a:ext cx="881738" cy="440869"/>
       </dsp:txXfrm>
     </dsp:sp>
     <dsp:sp modelId="{ED62A62E-3A81-41D9-8343-B6778512EF29}">
@@ -5319,8 +5936,8 @@
       </dsp:nvSpPr>
       <dsp:spPr>
         <a:xfrm>
-          <a:off x="246232" y="2721578"/>
-          <a:ext cx="981171" cy="490585"/>
+          <a:off x="223207" y="2748157"/>
+          <a:ext cx="881738" cy="440869"/>
         </a:xfrm>
         <a:prstGeom prst="rect">
           <a:avLst/>
@@ -5362,12 +5979,12 @@
         </a:fontRef>
       </dsp:style>
       <dsp:txBody>
-        <a:bodyPr spcFirstLastPara="0" vert="horz" wrap="square" lIns="6985" tIns="6985" rIns="6985" bIns="6985" numCol="1" spcCol="1270" anchor="ctr" anchorCtr="0">
+        <a:bodyPr spcFirstLastPara="0" vert="horz" wrap="square" lIns="6350" tIns="6350" rIns="6350" bIns="6350" numCol="1" spcCol="1270" anchor="ctr" anchorCtr="0">
           <a:noAutofit/>
         </a:bodyPr>
         <a:lstStyle/>
         <a:p>
-          <a:pPr marL="0" lvl="0" indent="0" algn="ctr" defTabSz="488950" rtl="0">
+          <a:pPr marL="0" lvl="0" indent="0" algn="ctr" defTabSz="444500" rtl="0">
             <a:lnSpc>
               <a:spcPct val="90000"/>
             </a:lnSpc>
@@ -5380,7 +5997,7 @@
             <a:buNone/>
           </a:pPr>
           <a:r>
-            <a:rPr lang="en-GB" sz="1100" kern="1200">
+            <a:rPr lang="en-GB" sz="1000" kern="1200">
               <a:latin typeface="Calibri Light" panose="020F0302020204030204"/>
             </a:rPr>
             <a:t>Define Scope</a:t>
@@ -5388,8 +6005,8 @@
         </a:p>
       </dsp:txBody>
       <dsp:txXfrm>
-        <a:off x="246232" y="2721578"/>
-        <a:ext cx="981171" cy="490585"/>
+        <a:off x="223207" y="2748157"/>
+        <a:ext cx="881738" cy="440869"/>
       </dsp:txXfrm>
     </dsp:sp>
     <dsp:sp modelId="{90DB65EA-7BB5-4015-88BD-4183974928EC}">
@@ -5399,8 +6016,8 @@
       </dsp:nvSpPr>
       <dsp:spPr>
         <a:xfrm>
-          <a:off x="246232" y="3418210"/>
-          <a:ext cx="981171" cy="490585"/>
+          <a:off x="223207" y="3374192"/>
+          <a:ext cx="881738" cy="440869"/>
         </a:xfrm>
         <a:prstGeom prst="rect">
           <a:avLst/>
@@ -5442,12 +6059,12 @@
         </a:fontRef>
       </dsp:style>
       <dsp:txBody>
-        <a:bodyPr spcFirstLastPara="0" vert="horz" wrap="square" lIns="6985" tIns="6985" rIns="6985" bIns="6985" numCol="1" spcCol="1270" anchor="ctr" anchorCtr="0">
+        <a:bodyPr spcFirstLastPara="0" vert="horz" wrap="square" lIns="6350" tIns="6350" rIns="6350" bIns="6350" numCol="1" spcCol="1270" anchor="ctr" anchorCtr="0">
           <a:noAutofit/>
         </a:bodyPr>
         <a:lstStyle/>
         <a:p>
-          <a:pPr marL="0" lvl="0" indent="0" algn="ctr" defTabSz="488950" rtl="0">
+          <a:pPr marL="0" lvl="0" indent="0" algn="ctr" defTabSz="444500" rtl="0">
             <a:lnSpc>
               <a:spcPct val="90000"/>
             </a:lnSpc>
@@ -5460,7 +6077,7 @@
             <a:buNone/>
           </a:pPr>
           <a:r>
-            <a:rPr lang="en-GB" sz="1100" kern="1200">
+            <a:rPr lang="en-GB" sz="1000" kern="1200">
               <a:latin typeface="Calibri Light" panose="020F0302020204030204"/>
             </a:rPr>
             <a:t>Defining Roles</a:t>
@@ -5468,8 +6085,8 @@
         </a:p>
       </dsp:txBody>
       <dsp:txXfrm>
-        <a:off x="246232" y="3418210"/>
-        <a:ext cx="981171" cy="490585"/>
+        <a:off x="223207" y="3374192"/>
+        <a:ext cx="881738" cy="440869"/>
       </dsp:txXfrm>
     </dsp:sp>
     <dsp:sp modelId="{4B384AE5-8DA3-469E-A044-65494F65FA4E}">
@@ -5479,8 +6096,8 @@
       </dsp:nvSpPr>
       <dsp:spPr>
         <a:xfrm>
-          <a:off x="246232" y="4114842"/>
-          <a:ext cx="981171" cy="490585"/>
+          <a:off x="223207" y="4000226"/>
+          <a:ext cx="881738" cy="440869"/>
         </a:xfrm>
         <a:prstGeom prst="rect">
           <a:avLst/>
@@ -5522,12 +6139,12 @@
         </a:fontRef>
       </dsp:style>
       <dsp:txBody>
-        <a:bodyPr spcFirstLastPara="0" vert="horz" wrap="square" lIns="6985" tIns="6985" rIns="6985" bIns="6985" numCol="1" spcCol="1270" anchor="ctr" anchorCtr="0">
+        <a:bodyPr spcFirstLastPara="0" vert="horz" wrap="square" lIns="6350" tIns="6350" rIns="6350" bIns="6350" numCol="1" spcCol="1270" anchor="ctr" anchorCtr="0">
           <a:noAutofit/>
         </a:bodyPr>
         <a:lstStyle/>
         <a:p>
-          <a:pPr marL="0" lvl="0" indent="0" algn="ctr" defTabSz="488950" rtl="0">
+          <a:pPr marL="0" lvl="0" indent="0" algn="ctr" defTabSz="444500" rtl="0">
             <a:lnSpc>
               <a:spcPct val="90000"/>
             </a:lnSpc>
@@ -5540,7 +6157,7 @@
             <a:buNone/>
           </a:pPr>
           <a:r>
-            <a:rPr lang="en-GB" sz="1100" kern="1200">
+            <a:rPr lang="en-GB" sz="1000" kern="1200">
               <a:latin typeface="Calibri Light" panose="020F0302020204030204"/>
             </a:rPr>
             <a:t>Defining Stakeholders</a:t>
@@ -5548,8 +6165,8 @@
         </a:p>
       </dsp:txBody>
       <dsp:txXfrm>
-        <a:off x="246232" y="4114842"/>
-        <a:ext cx="981171" cy="490585"/>
+        <a:off x="223207" y="4000226"/>
+        <a:ext cx="881738" cy="440869"/>
       </dsp:txXfrm>
     </dsp:sp>
     <dsp:sp modelId="{63FF8CFD-B3A8-433F-8F55-B1633144C2A0}">
@@ -5559,8 +6176,8 @@
       </dsp:nvSpPr>
       <dsp:spPr>
         <a:xfrm>
-          <a:off x="1188156" y="2024947"/>
-          <a:ext cx="981171" cy="490585"/>
+          <a:off x="1069676" y="2122123"/>
+          <a:ext cx="881738" cy="440869"/>
         </a:xfrm>
         <a:prstGeom prst="rect">
           <a:avLst/>
@@ -5602,12 +6219,12 @@
         </a:fontRef>
       </dsp:style>
       <dsp:txBody>
-        <a:bodyPr spcFirstLastPara="0" vert="horz" wrap="square" lIns="6985" tIns="6985" rIns="6985" bIns="6985" numCol="1" spcCol="1270" anchor="ctr" anchorCtr="0">
+        <a:bodyPr spcFirstLastPara="0" vert="horz" wrap="square" lIns="6350" tIns="6350" rIns="6350" bIns="6350" numCol="1" spcCol="1270" anchor="ctr" anchorCtr="0">
           <a:noAutofit/>
         </a:bodyPr>
         <a:lstStyle/>
         <a:p>
-          <a:pPr marL="0" lvl="0" indent="0" algn="ctr" defTabSz="488950" rtl="0">
+          <a:pPr marL="0" lvl="0" indent="0" algn="ctr" defTabSz="444500" rtl="0">
             <a:lnSpc>
               <a:spcPct val="90000"/>
             </a:lnSpc>
@@ -5620,17 +6237,17 @@
             <a:buNone/>
           </a:pPr>
           <a:r>
-            <a:rPr lang="en-GB" sz="1100" kern="1200">
+            <a:rPr lang="en-GB" sz="1000" kern="1200">
               <a:latin typeface="Calibri Light" panose="020F0302020204030204"/>
             </a:rPr>
             <a:t>Project Planning</a:t>
           </a:r>
-          <a:endParaRPr lang="en-GB" sz="1100" kern="1200"/>
+          <a:endParaRPr lang="en-GB" sz="1000" kern="1200"/>
         </a:p>
       </dsp:txBody>
       <dsp:txXfrm>
-        <a:off x="1188156" y="2024947"/>
-        <a:ext cx="981171" cy="490585"/>
+        <a:off x="1069676" y="2122123"/>
+        <a:ext cx="881738" cy="440869"/>
       </dsp:txXfrm>
     </dsp:sp>
     <dsp:sp modelId="{EF9C5A04-F671-4392-9755-ACB94D080400}">
@@ -5640,8 +6257,8 @@
       </dsp:nvSpPr>
       <dsp:spPr>
         <a:xfrm>
-          <a:off x="1433449" y="2721578"/>
-          <a:ext cx="981171" cy="490585"/>
+          <a:off x="1290110" y="2748157"/>
+          <a:ext cx="881738" cy="440869"/>
         </a:xfrm>
         <a:prstGeom prst="rect">
           <a:avLst/>
@@ -5683,12 +6300,12 @@
         </a:fontRef>
       </dsp:style>
       <dsp:txBody>
-        <a:bodyPr spcFirstLastPara="0" vert="horz" wrap="square" lIns="6985" tIns="6985" rIns="6985" bIns="6985" numCol="1" spcCol="1270" anchor="ctr" anchorCtr="0">
+        <a:bodyPr spcFirstLastPara="0" vert="horz" wrap="square" lIns="6350" tIns="6350" rIns="6350" bIns="6350" numCol="1" spcCol="1270" anchor="ctr" anchorCtr="0">
           <a:noAutofit/>
         </a:bodyPr>
         <a:lstStyle/>
         <a:p>
-          <a:pPr marL="0" lvl="0" indent="0" algn="ctr" defTabSz="488950" rtl="0">
+          <a:pPr marL="0" lvl="0" indent="0" algn="ctr" defTabSz="444500" rtl="0">
             <a:lnSpc>
               <a:spcPct val="90000"/>
             </a:lnSpc>
@@ -5701,7 +6318,7 @@
             <a:buNone/>
           </a:pPr>
           <a:r>
-            <a:rPr lang="en-GB" sz="1100" kern="1200">
+            <a:rPr lang="en-GB" sz="1000" kern="1200" dirty="0">
               <a:latin typeface="Calibri Light" panose="020F0302020204030204"/>
             </a:rPr>
             <a:t>Define design Requirements</a:t>
@@ -5709,8 +6326,8 @@
         </a:p>
       </dsp:txBody>
       <dsp:txXfrm>
-        <a:off x="1433449" y="2721578"/>
-        <a:ext cx="981171" cy="490585"/>
+        <a:off x="1290110" y="2748157"/>
+        <a:ext cx="881738" cy="440869"/>
       </dsp:txXfrm>
     </dsp:sp>
     <dsp:sp modelId="{D6979F84-157E-4D00-8426-98AD085D160E}">
@@ -5720,8 +6337,8 @@
       </dsp:nvSpPr>
       <dsp:spPr>
         <a:xfrm>
-          <a:off x="1433449" y="3418210"/>
-          <a:ext cx="981171" cy="490585"/>
+          <a:off x="1290110" y="3374192"/>
+          <a:ext cx="881738" cy="440869"/>
         </a:xfrm>
         <a:prstGeom prst="rect">
           <a:avLst/>
@@ -5763,12 +6380,12 @@
         </a:fontRef>
       </dsp:style>
       <dsp:txBody>
-        <a:bodyPr spcFirstLastPara="0" vert="horz" wrap="square" lIns="6985" tIns="6985" rIns="6985" bIns="6985" numCol="1" spcCol="1270" anchor="ctr" anchorCtr="0">
+        <a:bodyPr spcFirstLastPara="0" vert="horz" wrap="square" lIns="6350" tIns="6350" rIns="6350" bIns="6350" numCol="1" spcCol="1270" anchor="ctr" anchorCtr="0">
           <a:noAutofit/>
         </a:bodyPr>
         <a:lstStyle/>
         <a:p>
-          <a:pPr marL="0" lvl="0" indent="0" algn="ctr" defTabSz="488950" rtl="0">
+          <a:pPr marL="0" lvl="0" indent="0" algn="ctr" defTabSz="444500" rtl="0">
             <a:lnSpc>
               <a:spcPct val="90000"/>
             </a:lnSpc>
@@ -5781,7 +6398,7 @@
             <a:buNone/>
           </a:pPr>
           <a:r>
-            <a:rPr lang="en-GB" sz="1100" kern="1200">
+            <a:rPr lang="en-GB" sz="1000" kern="1200">
               <a:latin typeface="Calibri Light" panose="020F0302020204030204"/>
             </a:rPr>
             <a:t>Select bought in components</a:t>
@@ -5789,8 +6406,8 @@
         </a:p>
       </dsp:txBody>
       <dsp:txXfrm>
-        <a:off x="1433449" y="3418210"/>
-        <a:ext cx="981171" cy="490585"/>
+        <a:off x="1290110" y="3374192"/>
+        <a:ext cx="881738" cy="440869"/>
       </dsp:txXfrm>
     </dsp:sp>
     <dsp:sp modelId="{B09A5BD4-F427-46E6-BA49-E26C24B8FA2C}">
@@ -5800,8 +6417,8 @@
       </dsp:nvSpPr>
       <dsp:spPr>
         <a:xfrm>
-          <a:off x="5191335" y="2024947"/>
-          <a:ext cx="981171" cy="490585"/>
+          <a:off x="4667167" y="2122123"/>
+          <a:ext cx="881738" cy="440869"/>
         </a:xfrm>
         <a:prstGeom prst="rect">
           <a:avLst/>
@@ -5843,12 +6460,12 @@
         </a:fontRef>
       </dsp:style>
       <dsp:txBody>
-        <a:bodyPr spcFirstLastPara="0" vert="horz" wrap="square" lIns="6985" tIns="6985" rIns="6985" bIns="6985" numCol="1" spcCol="1270" anchor="ctr" anchorCtr="0">
+        <a:bodyPr spcFirstLastPara="0" vert="horz" wrap="square" lIns="6350" tIns="6350" rIns="6350" bIns="6350" numCol="1" spcCol="1270" anchor="ctr" anchorCtr="0">
           <a:noAutofit/>
         </a:bodyPr>
         <a:lstStyle/>
         <a:p>
-          <a:pPr marL="0" lvl="0" indent="0" algn="ctr" defTabSz="488950" rtl="0">
+          <a:pPr marL="0" lvl="0" indent="0" algn="ctr" defTabSz="444500" rtl="0">
             <a:lnSpc>
               <a:spcPct val="90000"/>
             </a:lnSpc>
@@ -5861,17 +6478,17 @@
             <a:buNone/>
           </a:pPr>
           <a:r>
-            <a:rPr lang="en-GB" sz="1100" kern="1200" dirty="0">
+            <a:rPr lang="en-GB" sz="1000" kern="1200">
               <a:latin typeface="Calibri Light" panose="020F0302020204030204"/>
             </a:rPr>
             <a:t>Project Development</a:t>
           </a:r>
-          <a:endParaRPr lang="en-GB" sz="1100" kern="1200" dirty="0"/>
+          <a:endParaRPr lang="en-GB" sz="1000" kern="1200"/>
         </a:p>
       </dsp:txBody>
       <dsp:txXfrm>
-        <a:off x="5191335" y="2024947"/>
-        <a:ext cx="981171" cy="490585"/>
+        <a:off x="4667167" y="2122123"/>
+        <a:ext cx="881738" cy="440869"/>
       </dsp:txXfrm>
     </dsp:sp>
     <dsp:sp modelId="{DA9B866A-9D76-4AD8-9E97-A3C8299838FA}">
@@ -5881,8 +6498,8 @@
       </dsp:nvSpPr>
       <dsp:spPr>
         <a:xfrm>
-          <a:off x="3214275" y="2721578"/>
-          <a:ext cx="981171" cy="490585"/>
+          <a:off x="2890465" y="2748157"/>
+          <a:ext cx="881738" cy="440869"/>
         </a:xfrm>
         <a:prstGeom prst="rect">
           <a:avLst/>
@@ -5924,12 +6541,12 @@
         </a:fontRef>
       </dsp:style>
       <dsp:txBody>
-        <a:bodyPr spcFirstLastPara="0" vert="horz" wrap="square" lIns="6985" tIns="6985" rIns="6985" bIns="6985" numCol="1" spcCol="1270" anchor="ctr" anchorCtr="0">
+        <a:bodyPr spcFirstLastPara="0" vert="horz" wrap="square" lIns="6350" tIns="6350" rIns="6350" bIns="6350" numCol="1" spcCol="1270" anchor="ctr" anchorCtr="0">
           <a:noAutofit/>
         </a:bodyPr>
         <a:lstStyle/>
         <a:p>
-          <a:pPr marL="0" lvl="0" indent="0" algn="ctr" defTabSz="488950" rtl="0">
+          <a:pPr marL="0" lvl="0" indent="0" algn="ctr" defTabSz="444500" rtl="0">
             <a:lnSpc>
               <a:spcPct val="90000"/>
             </a:lnSpc>
@@ -5942,7 +6559,7 @@
             <a:buNone/>
           </a:pPr>
           <a:r>
-            <a:rPr lang="en-GB" sz="1100" kern="1200" dirty="0">
+            <a:rPr lang="en-GB" sz="1000" kern="1200" dirty="0">
               <a:latin typeface="Calibri Light" panose="020F0302020204030204"/>
             </a:rPr>
             <a:t>Electrical Components</a:t>
@@ -5950,8 +6567,8 @@
         </a:p>
       </dsp:txBody>
       <dsp:txXfrm>
-        <a:off x="3214275" y="2721578"/>
-        <a:ext cx="981171" cy="490585"/>
+        <a:off x="2890465" y="2748157"/>
+        <a:ext cx="881738" cy="440869"/>
       </dsp:txXfrm>
     </dsp:sp>
     <dsp:sp modelId="{BFACEACA-C947-44D5-995D-819E416E2A72}">
@@ -5961,8 +6578,8 @@
       </dsp:nvSpPr>
       <dsp:spPr>
         <a:xfrm>
-          <a:off x="3849397" y="3428233"/>
-          <a:ext cx="981171" cy="490585"/>
+          <a:off x="3461223" y="3383199"/>
+          <a:ext cx="881738" cy="440869"/>
         </a:xfrm>
         <a:prstGeom prst="rect">
           <a:avLst/>
@@ -6004,12 +6621,12 @@
         </a:fontRef>
       </dsp:style>
       <dsp:txBody>
-        <a:bodyPr spcFirstLastPara="0" vert="horz" wrap="square" lIns="6985" tIns="6985" rIns="6985" bIns="6985" numCol="1" spcCol="1270" anchor="ctr" anchorCtr="0">
+        <a:bodyPr spcFirstLastPara="0" vert="horz" wrap="square" lIns="6350" tIns="6350" rIns="6350" bIns="6350" numCol="1" spcCol="1270" anchor="ctr" anchorCtr="0">
           <a:noAutofit/>
         </a:bodyPr>
         <a:lstStyle/>
         <a:p>
-          <a:pPr marL="0" lvl="0" indent="0" algn="ctr" defTabSz="488950" rtl="0">
+          <a:pPr marL="0" lvl="0" indent="0" algn="ctr" defTabSz="444500" rtl="0">
             <a:lnSpc>
               <a:spcPct val="90000"/>
             </a:lnSpc>
@@ -6022,7 +6639,7 @@
             <a:buNone/>
           </a:pPr>
           <a:r>
-            <a:rPr lang="en-GB" sz="1100" kern="1200">
+            <a:rPr lang="en-GB" sz="1000" kern="1200">
               <a:latin typeface="Calibri Light" panose="020F0302020204030204"/>
             </a:rPr>
             <a:t>Design Electrical components</a:t>
@@ -6030,8 +6647,8 @@
         </a:p>
       </dsp:txBody>
       <dsp:txXfrm>
-        <a:off x="3849397" y="3428233"/>
-        <a:ext cx="981171" cy="490585"/>
+        <a:off x="3461223" y="3383199"/>
+        <a:ext cx="881738" cy="440869"/>
       </dsp:txXfrm>
     </dsp:sp>
     <dsp:sp modelId="{05AC50E2-133A-4A74-9AA7-A0FF5EBBC544}">
@@ -6041,8 +6658,8 @@
       </dsp:nvSpPr>
       <dsp:spPr>
         <a:xfrm>
-          <a:off x="3852036" y="4811473"/>
-          <a:ext cx="981171" cy="490585"/>
+          <a:off x="3463595" y="4626260"/>
+          <a:ext cx="881738" cy="440869"/>
         </a:xfrm>
         <a:prstGeom prst="rect">
           <a:avLst/>
@@ -6084,12 +6701,12 @@
         </a:fontRef>
       </dsp:style>
       <dsp:txBody>
-        <a:bodyPr spcFirstLastPara="0" vert="horz" wrap="square" lIns="6985" tIns="6985" rIns="6985" bIns="6985" numCol="1" spcCol="1270" anchor="ctr" anchorCtr="0">
+        <a:bodyPr spcFirstLastPara="0" vert="horz" wrap="square" lIns="6350" tIns="6350" rIns="6350" bIns="6350" numCol="1" spcCol="1270" anchor="ctr" anchorCtr="0">
           <a:noAutofit/>
         </a:bodyPr>
         <a:lstStyle/>
         <a:p>
-          <a:pPr marL="0" lvl="0" indent="0" algn="ctr" defTabSz="488950" rtl="0">
+          <a:pPr marL="0" lvl="0" indent="0" algn="ctr" defTabSz="444500" rtl="0">
             <a:lnSpc>
               <a:spcPct val="90000"/>
             </a:lnSpc>
@@ -6102,7 +6719,7 @@
             <a:buNone/>
           </a:pPr>
           <a:r>
-            <a:rPr lang="en-GB" sz="1100" kern="1200" dirty="0">
+            <a:rPr lang="en-GB" sz="1000" kern="1200">
               <a:latin typeface="Calibri Light" panose="020F0302020204030204"/>
             </a:rPr>
             <a:t>Test Electrical components</a:t>
@@ -6110,8 +6727,8 @@
         </a:p>
       </dsp:txBody>
       <dsp:txXfrm>
-        <a:off x="3852036" y="4811473"/>
-        <a:ext cx="981171" cy="490585"/>
+        <a:off x="3463595" y="4626260"/>
+        <a:ext cx="881738" cy="440869"/>
       </dsp:txXfrm>
     </dsp:sp>
     <dsp:sp modelId="{DAE0910C-3C2F-4EDD-BFDA-3135E7C9E530}">
@@ -6121,14 +6738,14 @@
       </dsp:nvSpPr>
       <dsp:spPr>
         <a:xfrm>
-          <a:off x="2538748" y="4136506"/>
-          <a:ext cx="981171" cy="490585"/>
+          <a:off x="3476142" y="3971988"/>
+          <a:ext cx="881738" cy="440869"/>
         </a:xfrm>
         <a:prstGeom prst="rect">
           <a:avLst/>
         </a:prstGeom>
         <a:solidFill>
-          <a:srgbClr val="0070C0"/>
+          <a:srgbClr val="4472C4"/>
         </a:solidFill>
         <a:ln w="19050" cap="flat" cmpd="sng" algn="ctr">
           <a:solidFill>
@@ -6159,12 +6776,12 @@
         </a:fontRef>
       </dsp:style>
       <dsp:txBody>
-        <a:bodyPr spcFirstLastPara="0" vert="horz" wrap="square" lIns="6985" tIns="6985" rIns="6985" bIns="6985" numCol="1" spcCol="1270" anchor="ctr" anchorCtr="0">
+        <a:bodyPr spcFirstLastPara="0" vert="horz" wrap="square" lIns="6350" tIns="6350" rIns="6350" bIns="6350" numCol="1" spcCol="1270" anchor="ctr" anchorCtr="0">
           <a:noAutofit/>
         </a:bodyPr>
         <a:lstStyle/>
         <a:p>
-          <a:pPr marL="0" lvl="0" indent="0" algn="ctr" defTabSz="488950">
+          <a:pPr marL="0" lvl="0" indent="0" algn="ctr" defTabSz="444500">
             <a:lnSpc>
               <a:spcPct val="90000"/>
             </a:lnSpc>
@@ -6177,14 +6794,14 @@
             <a:buNone/>
           </a:pPr>
           <a:r>
-            <a:rPr lang="en-GB" sz="1100" kern="1200" dirty="0"/>
+            <a:rPr lang="en-GB" sz="1000" kern="1200"/>
             <a:t>Program Arm</a:t>
           </a:r>
         </a:p>
       </dsp:txBody>
       <dsp:txXfrm>
-        <a:off x="2538748" y="4136506"/>
-        <a:ext cx="981171" cy="490585"/>
+        <a:off x="3476142" y="3971988"/>
+        <a:ext cx="881738" cy="440869"/>
       </dsp:txXfrm>
     </dsp:sp>
     <dsp:sp modelId="{5B763F13-0508-4E85-A7D5-EB9D59ABE4CE}">
@@ -6194,8 +6811,8 @@
       </dsp:nvSpPr>
       <dsp:spPr>
         <a:xfrm>
-          <a:off x="4793961" y="2721578"/>
-          <a:ext cx="981171" cy="490585"/>
+          <a:off x="4310064" y="2748157"/>
+          <a:ext cx="881738" cy="440869"/>
         </a:xfrm>
         <a:prstGeom prst="rect">
           <a:avLst/>
@@ -6237,12 +6854,12 @@
         </a:fontRef>
       </dsp:style>
       <dsp:txBody>
-        <a:bodyPr spcFirstLastPara="0" vert="horz" wrap="square" lIns="6985" tIns="6985" rIns="6985" bIns="6985" numCol="1" spcCol="1270" anchor="ctr" anchorCtr="0">
+        <a:bodyPr spcFirstLastPara="0" vert="horz" wrap="square" lIns="6350" tIns="6350" rIns="6350" bIns="6350" numCol="1" spcCol="1270" anchor="ctr" anchorCtr="0">
           <a:noAutofit/>
         </a:bodyPr>
         <a:lstStyle/>
         <a:p>
-          <a:pPr marL="0" lvl="0" indent="0" algn="ctr" defTabSz="488950" rtl="0">
+          <a:pPr marL="0" lvl="0" indent="0" algn="ctr" defTabSz="444500" rtl="0">
             <a:lnSpc>
               <a:spcPct val="90000"/>
             </a:lnSpc>
@@ -6255,7 +6872,7 @@
             <a:buNone/>
           </a:pPr>
           <a:r>
-            <a:rPr lang="en-GB" sz="1100" kern="1200" dirty="0">
+            <a:rPr lang="en-GB" sz="1000" kern="1200">
               <a:latin typeface="Calibri Light" panose="020F0302020204030204"/>
             </a:rPr>
             <a:t>Arm Design</a:t>
@@ -6263,8 +6880,8 @@
         </a:p>
       </dsp:txBody>
       <dsp:txXfrm>
-        <a:off x="4793961" y="2721578"/>
-        <a:ext cx="981171" cy="490585"/>
+        <a:off x="4310064" y="2748157"/>
+        <a:ext cx="881738" cy="440869"/>
       </dsp:txXfrm>
     </dsp:sp>
     <dsp:sp modelId="{46AD6372-5FC4-4C40-9CCA-EDC40D60F555}">
@@ -6274,8 +6891,8 @@
       </dsp:nvSpPr>
       <dsp:spPr>
         <a:xfrm>
-          <a:off x="5039254" y="3418210"/>
-          <a:ext cx="981171" cy="490585"/>
+          <a:off x="4530498" y="3374192"/>
+          <a:ext cx="881738" cy="440869"/>
         </a:xfrm>
         <a:prstGeom prst="rect">
           <a:avLst/>
@@ -6317,12 +6934,12 @@
         </a:fontRef>
       </dsp:style>
       <dsp:txBody>
-        <a:bodyPr spcFirstLastPara="0" vert="horz" wrap="square" lIns="6985" tIns="6985" rIns="6985" bIns="6985" numCol="1" spcCol="1270" anchor="ctr" anchorCtr="0">
+        <a:bodyPr spcFirstLastPara="0" vert="horz" wrap="square" lIns="6350" tIns="6350" rIns="6350" bIns="6350" numCol="1" spcCol="1270" anchor="ctr" anchorCtr="0">
           <a:noAutofit/>
         </a:bodyPr>
         <a:lstStyle/>
         <a:p>
-          <a:pPr marL="0" lvl="0" indent="0" algn="ctr" defTabSz="488950" rtl="0">
+          <a:pPr marL="0" lvl="0" indent="0" algn="ctr" defTabSz="444500" rtl="0">
             <a:lnSpc>
               <a:spcPct val="90000"/>
             </a:lnSpc>
@@ -6335,7 +6952,7 @@
             <a:buNone/>
           </a:pPr>
           <a:r>
-            <a:rPr lang="en-GB" sz="1100" kern="1200" dirty="0">
+            <a:rPr lang="en-GB" sz="1000" kern="1200">
               <a:latin typeface="Calibri Light" panose="020F0302020204030204"/>
             </a:rPr>
             <a:t>Calculate Arm Geometry</a:t>
@@ -6343,8 +6960,8 @@
         </a:p>
       </dsp:txBody>
       <dsp:txXfrm>
-        <a:off x="5039254" y="3418210"/>
-        <a:ext cx="981171" cy="490585"/>
+        <a:off x="4530498" y="3374192"/>
+        <a:ext cx="881738" cy="440869"/>
       </dsp:txXfrm>
     </dsp:sp>
     <dsp:sp modelId="{3047FC9F-7CC7-42FE-997B-56178E48A8FD}">
@@ -6354,8 +6971,8 @@
       </dsp:nvSpPr>
       <dsp:spPr>
         <a:xfrm>
-          <a:off x="5039254" y="4114842"/>
-          <a:ext cx="981171" cy="490585"/>
+          <a:off x="4530498" y="4000226"/>
+          <a:ext cx="881738" cy="440869"/>
         </a:xfrm>
         <a:prstGeom prst="rect">
           <a:avLst/>
@@ -6397,12 +7014,12 @@
         </a:fontRef>
       </dsp:style>
       <dsp:txBody>
-        <a:bodyPr spcFirstLastPara="0" vert="horz" wrap="square" lIns="6985" tIns="6985" rIns="6985" bIns="6985" numCol="1" spcCol="1270" anchor="ctr" anchorCtr="0">
+        <a:bodyPr spcFirstLastPara="0" vert="horz" wrap="square" lIns="6350" tIns="6350" rIns="6350" bIns="6350" numCol="1" spcCol="1270" anchor="ctr" anchorCtr="0">
           <a:noAutofit/>
         </a:bodyPr>
         <a:lstStyle/>
         <a:p>
-          <a:pPr marL="0" lvl="0" indent="0" algn="ctr" defTabSz="488950" rtl="0">
+          <a:pPr marL="0" lvl="0" indent="0" algn="ctr" defTabSz="444500" rtl="0">
             <a:lnSpc>
               <a:spcPct val="90000"/>
             </a:lnSpc>
@@ -6415,7 +7032,7 @@
             <a:buNone/>
           </a:pPr>
           <a:r>
-            <a:rPr lang="en-GB" sz="1100" kern="1200" dirty="0">
+            <a:rPr lang="en-GB" sz="1000" kern="1200">
               <a:latin typeface="Calibri Light" panose="020F0302020204030204"/>
             </a:rPr>
             <a:t>Modify arm to fit Design spec</a:t>
@@ -6423,8 +7040,8 @@
         </a:p>
       </dsp:txBody>
       <dsp:txXfrm>
-        <a:off x="5039254" y="4114842"/>
-        <a:ext cx="981171" cy="490585"/>
+        <a:off x="4530498" y="4000226"/>
+        <a:ext cx="881738" cy="440869"/>
       </dsp:txXfrm>
     </dsp:sp>
     <dsp:sp modelId="{77E6FF7D-6827-4691-B746-9086407F98EA}">
@@ -6434,8 +7051,8 @@
       </dsp:nvSpPr>
       <dsp:spPr>
         <a:xfrm>
-          <a:off x="5039254" y="4811473"/>
-          <a:ext cx="981171" cy="490585"/>
+          <a:off x="4530498" y="4626260"/>
+          <a:ext cx="881738" cy="440869"/>
         </a:xfrm>
         <a:prstGeom prst="rect">
           <a:avLst/>
@@ -6477,12 +7094,12 @@
         </a:fontRef>
       </dsp:style>
       <dsp:txBody>
-        <a:bodyPr spcFirstLastPara="0" vert="horz" wrap="square" lIns="6985" tIns="6985" rIns="6985" bIns="6985" numCol="1" spcCol="1270" anchor="ctr" anchorCtr="0">
+        <a:bodyPr spcFirstLastPara="0" vert="horz" wrap="square" lIns="6350" tIns="6350" rIns="6350" bIns="6350" numCol="1" spcCol="1270" anchor="ctr" anchorCtr="0">
           <a:noAutofit/>
         </a:bodyPr>
         <a:lstStyle/>
         <a:p>
-          <a:pPr marL="0" lvl="0" indent="0" algn="ctr" defTabSz="488950">
+          <a:pPr marL="0" lvl="0" indent="0" algn="ctr" defTabSz="444500">
             <a:lnSpc>
               <a:spcPct val="90000"/>
             </a:lnSpc>
@@ -6495,14 +7112,14 @@
             <a:buNone/>
           </a:pPr>
           <a:r>
-            <a:rPr lang="en-GB" sz="1100" kern="1200" dirty="0"/>
+            <a:rPr lang="en-GB" sz="1000" kern="1200"/>
             <a:t>Test Arm Geometry</a:t>
           </a:r>
         </a:p>
       </dsp:txBody>
       <dsp:txXfrm>
-        <a:off x="5039254" y="4811473"/>
-        <a:ext cx="981171" cy="490585"/>
+        <a:off x="4530498" y="4626260"/>
+        <a:ext cx="881738" cy="440869"/>
       </dsp:txXfrm>
     </dsp:sp>
     <dsp:sp modelId="{8FDFB4E7-F930-4C9A-90D4-8D7AAE3564A6}">
@@ -6512,8 +7129,8 @@
       </dsp:nvSpPr>
       <dsp:spPr>
         <a:xfrm>
-          <a:off x="5981178" y="2721578"/>
-          <a:ext cx="981171" cy="490585"/>
+          <a:off x="5376967" y="2748157"/>
+          <a:ext cx="881738" cy="440869"/>
         </a:xfrm>
         <a:prstGeom prst="rect">
           <a:avLst/>
@@ -6555,12 +7172,12 @@
         </a:fontRef>
       </dsp:style>
       <dsp:txBody>
-        <a:bodyPr spcFirstLastPara="0" vert="horz" wrap="square" lIns="6985" tIns="6985" rIns="6985" bIns="6985" numCol="1" spcCol="1270" anchor="ctr" anchorCtr="0">
+        <a:bodyPr spcFirstLastPara="0" vert="horz" wrap="square" lIns="6350" tIns="6350" rIns="6350" bIns="6350" numCol="1" spcCol="1270" anchor="ctr" anchorCtr="0">
           <a:noAutofit/>
         </a:bodyPr>
         <a:lstStyle/>
         <a:p>
-          <a:pPr marL="0" lvl="0" indent="0" algn="ctr" defTabSz="488950" rtl="0">
+          <a:pPr marL="0" lvl="0" indent="0" algn="ctr" defTabSz="444500" rtl="0">
             <a:lnSpc>
               <a:spcPct val="90000"/>
             </a:lnSpc>
@@ -6573,7 +7190,7 @@
             <a:buNone/>
           </a:pPr>
           <a:r>
-            <a:rPr lang="en-GB" sz="1100" kern="1200" dirty="0">
+            <a:rPr lang="en-GB" sz="1000" kern="1200">
               <a:latin typeface="Calibri Light" panose="020F0302020204030204"/>
             </a:rPr>
             <a:t>Gripper design </a:t>
@@ -6581,8 +7198,8 @@
         </a:p>
       </dsp:txBody>
       <dsp:txXfrm>
-        <a:off x="5981178" y="2721578"/>
-        <a:ext cx="981171" cy="490585"/>
+        <a:off x="5376967" y="2748157"/>
+        <a:ext cx="881738" cy="440869"/>
       </dsp:txXfrm>
     </dsp:sp>
     <dsp:sp modelId="{CB63D97C-7860-449D-A311-7339758EBEC8}">
@@ -6592,8 +7209,8 @@
       </dsp:nvSpPr>
       <dsp:spPr>
         <a:xfrm>
-          <a:off x="6226471" y="3418210"/>
-          <a:ext cx="981171" cy="490585"/>
+          <a:off x="5597401" y="3374192"/>
+          <a:ext cx="881738" cy="440869"/>
         </a:xfrm>
         <a:prstGeom prst="rect">
           <a:avLst/>
@@ -6635,12 +7252,12 @@
         </a:fontRef>
       </dsp:style>
       <dsp:txBody>
-        <a:bodyPr spcFirstLastPara="0" vert="horz" wrap="square" lIns="6985" tIns="6985" rIns="6985" bIns="6985" numCol="1" spcCol="1270" anchor="ctr" anchorCtr="0">
+        <a:bodyPr spcFirstLastPara="0" vert="horz" wrap="square" lIns="6350" tIns="6350" rIns="6350" bIns="6350" numCol="1" spcCol="1270" anchor="ctr" anchorCtr="0">
           <a:noAutofit/>
         </a:bodyPr>
         <a:lstStyle/>
         <a:p>
-          <a:pPr marL="0" lvl="0" indent="0" algn="ctr" defTabSz="488950" rtl="0">
+          <a:pPr marL="0" lvl="0" indent="0" algn="ctr" defTabSz="444500" rtl="0">
             <a:lnSpc>
               <a:spcPct val="90000"/>
             </a:lnSpc>
@@ -6653,7 +7270,7 @@
             <a:buNone/>
           </a:pPr>
           <a:r>
-            <a:rPr lang="en-GB" sz="1100" kern="1200" dirty="0">
+            <a:rPr lang="en-GB" sz="1000" kern="1200">
               <a:latin typeface="Calibri Light" panose="020F0302020204030204"/>
             </a:rPr>
             <a:t>Design Gripper</a:t>
@@ -6661,8 +7278,8 @@
         </a:p>
       </dsp:txBody>
       <dsp:txXfrm>
-        <a:off x="6226471" y="3418210"/>
-        <a:ext cx="981171" cy="490585"/>
+        <a:off x="5597401" y="3374192"/>
+        <a:ext cx="881738" cy="440869"/>
       </dsp:txXfrm>
     </dsp:sp>
     <dsp:sp modelId="{8A908B8B-22CC-4F14-A07E-8CAA73B8EC3C}">
@@ -6672,8 +7289,8 @@
       </dsp:nvSpPr>
       <dsp:spPr>
         <a:xfrm>
-          <a:off x="6226471" y="4114842"/>
-          <a:ext cx="981171" cy="490585"/>
+          <a:off x="5597401" y="4000226"/>
+          <a:ext cx="881738" cy="440869"/>
         </a:xfrm>
         <a:prstGeom prst="rect">
           <a:avLst/>
@@ -6715,12 +7332,12 @@
         </a:fontRef>
       </dsp:style>
       <dsp:txBody>
-        <a:bodyPr spcFirstLastPara="0" vert="horz" wrap="square" lIns="6985" tIns="6985" rIns="6985" bIns="6985" numCol="1" spcCol="1270" anchor="ctr" anchorCtr="0">
+        <a:bodyPr spcFirstLastPara="0" vert="horz" wrap="square" lIns="6350" tIns="6350" rIns="6350" bIns="6350" numCol="1" spcCol="1270" anchor="ctr" anchorCtr="0">
           <a:noAutofit/>
         </a:bodyPr>
         <a:lstStyle/>
         <a:p>
-          <a:pPr marL="0" lvl="0" indent="0" algn="ctr" defTabSz="488950" rtl="0">
+          <a:pPr marL="0" lvl="0" indent="0" algn="ctr" defTabSz="444500" rtl="0">
             <a:lnSpc>
               <a:spcPct val="90000"/>
             </a:lnSpc>
@@ -6733,7 +7350,7 @@
             <a:buNone/>
           </a:pPr>
           <a:r>
-            <a:rPr lang="en-GB" sz="1100" kern="1200" dirty="0">
+            <a:rPr lang="en-GB" sz="1000" kern="1200">
               <a:latin typeface="Calibri Light" panose="020F0302020204030204"/>
             </a:rPr>
             <a:t>Model gripper in CAD</a:t>
@@ -6741,8 +7358,8 @@
         </a:p>
       </dsp:txBody>
       <dsp:txXfrm>
-        <a:off x="6226471" y="4114842"/>
-        <a:ext cx="981171" cy="490585"/>
+        <a:off x="5597401" y="4000226"/>
+        <a:ext cx="881738" cy="440869"/>
       </dsp:txXfrm>
     </dsp:sp>
     <dsp:sp modelId="{2E9CF547-6F0E-4082-A1DE-86F773F001D5}">
@@ -6752,8 +7369,8 @@
       </dsp:nvSpPr>
       <dsp:spPr>
         <a:xfrm>
-          <a:off x="6226471" y="4811473"/>
-          <a:ext cx="981171" cy="490585"/>
+          <a:off x="5597401" y="4626260"/>
+          <a:ext cx="881738" cy="440869"/>
         </a:xfrm>
         <a:prstGeom prst="rect">
           <a:avLst/>
@@ -6795,12 +7412,12 @@
         </a:fontRef>
       </dsp:style>
       <dsp:txBody>
-        <a:bodyPr spcFirstLastPara="0" vert="horz" wrap="square" lIns="6985" tIns="6985" rIns="6985" bIns="6985" numCol="1" spcCol="1270" anchor="ctr" anchorCtr="0">
+        <a:bodyPr spcFirstLastPara="0" vert="horz" wrap="square" lIns="6350" tIns="6350" rIns="6350" bIns="6350" numCol="1" spcCol="1270" anchor="ctr" anchorCtr="0">
           <a:noAutofit/>
         </a:bodyPr>
         <a:lstStyle/>
         <a:p>
-          <a:pPr marL="0" lvl="0" indent="0" algn="ctr" defTabSz="488950" rtl="0">
+          <a:pPr marL="0" lvl="0" indent="0" algn="ctr" defTabSz="444500" rtl="0">
             <a:lnSpc>
               <a:spcPct val="90000"/>
             </a:lnSpc>
@@ -6813,7 +7430,7 @@
             <a:buNone/>
           </a:pPr>
           <a:r>
-            <a:rPr lang="en-GB" sz="1100" kern="1200" dirty="0">
+            <a:rPr lang="en-GB" sz="1000" kern="1200">
               <a:latin typeface="Calibri Light" panose="020F0302020204030204"/>
             </a:rPr>
             <a:t>Produce and Fit Gripper</a:t>
@@ -6821,8 +7438,8 @@
         </a:p>
       </dsp:txBody>
       <dsp:txXfrm>
-        <a:off x="6226471" y="4811473"/>
-        <a:ext cx="981171" cy="490585"/>
+        <a:off x="5597401" y="4626260"/>
+        <a:ext cx="881738" cy="440869"/>
       </dsp:txXfrm>
     </dsp:sp>
     <dsp:sp modelId="{F5DF34C7-9D61-4F5C-85BC-C8B46C1B599E}">
@@ -6832,8 +7449,8 @@
       </dsp:nvSpPr>
       <dsp:spPr>
         <a:xfrm>
-          <a:off x="7168396" y="2721578"/>
-          <a:ext cx="981171" cy="490585"/>
+          <a:off x="6443870" y="2748157"/>
+          <a:ext cx="881738" cy="440869"/>
         </a:xfrm>
         <a:prstGeom prst="rect">
           <a:avLst/>
@@ -6875,12 +7492,12 @@
         </a:fontRef>
       </dsp:style>
       <dsp:txBody>
-        <a:bodyPr spcFirstLastPara="0" vert="horz" wrap="square" lIns="6985" tIns="6985" rIns="6985" bIns="6985" numCol="1" spcCol="1270" anchor="ctr" anchorCtr="0">
+        <a:bodyPr spcFirstLastPara="0" vert="horz" wrap="square" lIns="6350" tIns="6350" rIns="6350" bIns="6350" numCol="1" spcCol="1270" anchor="ctr" anchorCtr="0">
           <a:noAutofit/>
         </a:bodyPr>
         <a:lstStyle/>
         <a:p>
-          <a:pPr marL="0" lvl="0" indent="0" algn="ctr" defTabSz="488950">
+          <a:pPr marL="0" lvl="0" indent="0" algn="ctr" defTabSz="444500">
             <a:lnSpc>
               <a:spcPct val="90000"/>
             </a:lnSpc>
@@ -6893,17 +7510,17 @@
             <a:buNone/>
           </a:pPr>
           <a:r>
-            <a:rPr lang="en-GB" sz="1100" kern="1200" dirty="0">
+            <a:rPr lang="en-GB" sz="1000" kern="1200">
               <a:latin typeface="Calibri Light" panose="020F0302020204030204"/>
             </a:rPr>
             <a:t>Minimum Viable Product</a:t>
           </a:r>
-          <a:endParaRPr lang="en-GB" sz="1100" kern="1200" dirty="0"/>
+          <a:endParaRPr lang="en-GB" sz="1000" kern="1200"/>
         </a:p>
       </dsp:txBody>
       <dsp:txXfrm>
-        <a:off x="7168396" y="2721578"/>
-        <a:ext cx="981171" cy="490585"/>
+        <a:off x="6443870" y="2748157"/>
+        <a:ext cx="881738" cy="440869"/>
       </dsp:txXfrm>
     </dsp:sp>
     <dsp:sp modelId="{A0A87162-8C07-487E-8FCE-504F000321A1}">
@@ -6913,8 +7530,8 @@
       </dsp:nvSpPr>
       <dsp:spPr>
         <a:xfrm>
-          <a:off x="7413688" y="3418210"/>
-          <a:ext cx="981171" cy="490585"/>
+          <a:off x="6664304" y="3374192"/>
+          <a:ext cx="881738" cy="440869"/>
         </a:xfrm>
         <a:prstGeom prst="rect">
           <a:avLst/>
@@ -6956,12 +7573,12 @@
         </a:fontRef>
       </dsp:style>
       <dsp:txBody>
-        <a:bodyPr spcFirstLastPara="0" vert="horz" wrap="square" lIns="6985" tIns="6985" rIns="6985" bIns="6985" numCol="1" spcCol="1270" anchor="ctr" anchorCtr="0">
+        <a:bodyPr spcFirstLastPara="0" vert="horz" wrap="square" lIns="6350" tIns="6350" rIns="6350" bIns="6350" numCol="1" spcCol="1270" anchor="ctr" anchorCtr="0">
           <a:noAutofit/>
         </a:bodyPr>
         <a:lstStyle/>
         <a:p>
-          <a:pPr marL="0" lvl="0" indent="0" algn="ctr" defTabSz="488950">
+          <a:pPr marL="0" lvl="0" indent="0" algn="ctr" defTabSz="444500">
             <a:lnSpc>
               <a:spcPct val="90000"/>
             </a:lnSpc>
@@ -6974,14 +7591,14 @@
             <a:buNone/>
           </a:pPr>
           <a:r>
-            <a:rPr lang="en-GB" sz="1100" kern="1200" dirty="0"/>
+            <a:rPr lang="en-GB" sz="1000" kern="1200"/>
             <a:t>Assemble MVP</a:t>
           </a:r>
         </a:p>
       </dsp:txBody>
       <dsp:txXfrm>
-        <a:off x="7413688" y="3418210"/>
-        <a:ext cx="981171" cy="490585"/>
+        <a:off x="6664304" y="3374192"/>
+        <a:ext cx="881738" cy="440869"/>
       </dsp:txXfrm>
     </dsp:sp>
     <dsp:sp modelId="{66198AD3-EC6F-4129-BC17-6AF17D1E12A2}">
@@ -6991,8 +7608,8 @@
       </dsp:nvSpPr>
       <dsp:spPr>
         <a:xfrm>
-          <a:off x="7413688" y="4114842"/>
-          <a:ext cx="981171" cy="490585"/>
+          <a:off x="6664304" y="4000226"/>
+          <a:ext cx="881738" cy="440869"/>
         </a:xfrm>
         <a:prstGeom prst="rect">
           <a:avLst/>
@@ -7034,12 +7651,12 @@
         </a:fontRef>
       </dsp:style>
       <dsp:txBody>
-        <a:bodyPr spcFirstLastPara="0" vert="horz" wrap="square" lIns="6985" tIns="6985" rIns="6985" bIns="6985" numCol="1" spcCol="1270" anchor="ctr" anchorCtr="0">
+        <a:bodyPr spcFirstLastPara="0" vert="horz" wrap="square" lIns="6350" tIns="6350" rIns="6350" bIns="6350" numCol="1" spcCol="1270" anchor="ctr" anchorCtr="0">
           <a:noAutofit/>
         </a:bodyPr>
         <a:lstStyle/>
         <a:p>
-          <a:pPr marL="0" lvl="0" indent="0" algn="ctr" defTabSz="488950">
+          <a:pPr marL="0" lvl="0" indent="0" algn="ctr" defTabSz="444500">
             <a:lnSpc>
               <a:spcPct val="90000"/>
             </a:lnSpc>
@@ -7052,14 +7669,14 @@
             <a:buNone/>
           </a:pPr>
           <a:r>
-            <a:rPr lang="en-GB" sz="1100" kern="1200" dirty="0"/>
+            <a:rPr lang="en-GB" sz="1000" kern="1200" dirty="0"/>
             <a:t>Test MVP – In set conditions</a:t>
           </a:r>
         </a:p>
       </dsp:txBody>
       <dsp:txXfrm>
-        <a:off x="7413688" y="4114842"/>
-        <a:ext cx="981171" cy="490585"/>
+        <a:off x="6664304" y="4000226"/>
+        <a:ext cx="881738" cy="440869"/>
       </dsp:txXfrm>
     </dsp:sp>
     <dsp:sp modelId="{63DD313A-D553-4BA3-BF06-99F4DF3C711F}">
@@ -7069,8 +7686,8 @@
       </dsp:nvSpPr>
       <dsp:spPr>
         <a:xfrm>
-          <a:off x="7413688" y="4811473"/>
-          <a:ext cx="981171" cy="490585"/>
+          <a:off x="6664304" y="4626260"/>
+          <a:ext cx="881738" cy="440869"/>
         </a:xfrm>
         <a:prstGeom prst="rect">
           <a:avLst/>
@@ -7112,12 +7729,12 @@
         </a:fontRef>
       </dsp:style>
       <dsp:txBody>
-        <a:bodyPr spcFirstLastPara="0" vert="horz" wrap="square" lIns="6985" tIns="6985" rIns="6985" bIns="6985" numCol="1" spcCol="1270" anchor="ctr" anchorCtr="0">
+        <a:bodyPr spcFirstLastPara="0" vert="horz" wrap="square" lIns="6350" tIns="6350" rIns="6350" bIns="6350" numCol="1" spcCol="1270" anchor="ctr" anchorCtr="0">
           <a:noAutofit/>
         </a:bodyPr>
         <a:lstStyle/>
         <a:p>
-          <a:pPr marL="0" lvl="0" indent="0" algn="ctr" defTabSz="488950">
+          <a:pPr marL="0" lvl="0" indent="0" algn="ctr" defTabSz="444500">
             <a:lnSpc>
               <a:spcPct val="90000"/>
             </a:lnSpc>
@@ -7130,14 +7747,14 @@
             <a:buNone/>
           </a:pPr>
           <a:r>
-            <a:rPr lang="en-GB" sz="1100" kern="1200" dirty="0"/>
+            <a:rPr lang="en-GB" sz="1000" kern="1200"/>
             <a:t>Test MVP in not set conditions</a:t>
           </a:r>
         </a:p>
       </dsp:txBody>
       <dsp:txXfrm>
-        <a:off x="7413688" y="4811473"/>
-        <a:ext cx="981171" cy="490585"/>
+        <a:off x="6664304" y="4626260"/>
+        <a:ext cx="881738" cy="440869"/>
       </dsp:txXfrm>
     </dsp:sp>
     <dsp:sp modelId="{CF2C38C1-9561-4D0A-870A-EEC947F699D8}">
@@ -7147,8 +7764,8 @@
       </dsp:nvSpPr>
       <dsp:spPr>
         <a:xfrm>
-          <a:off x="8355613" y="2024947"/>
-          <a:ext cx="981171" cy="490585"/>
+          <a:off x="7510773" y="2122123"/>
+          <a:ext cx="881738" cy="440869"/>
         </a:xfrm>
         <a:prstGeom prst="rect">
           <a:avLst/>
@@ -7190,12 +7807,12 @@
         </a:fontRef>
       </dsp:style>
       <dsp:txBody>
-        <a:bodyPr spcFirstLastPara="0" vert="horz" wrap="square" lIns="6985" tIns="6985" rIns="6985" bIns="6985" numCol="1" spcCol="1270" anchor="ctr" anchorCtr="0">
+        <a:bodyPr spcFirstLastPara="0" vert="horz" wrap="square" lIns="6350" tIns="6350" rIns="6350" bIns="6350" numCol="1" spcCol="1270" anchor="ctr" anchorCtr="0">
           <a:noAutofit/>
         </a:bodyPr>
         <a:lstStyle/>
         <a:p>
-          <a:pPr marL="0" lvl="0" indent="0" algn="ctr" defTabSz="488950" rtl="0">
+          <a:pPr marL="0" lvl="0" indent="0" algn="ctr" defTabSz="444500" rtl="0">
             <a:lnSpc>
               <a:spcPct val="90000"/>
             </a:lnSpc>
@@ -7208,17 +7825,17 @@
             <a:buNone/>
           </a:pPr>
           <a:r>
-            <a:rPr lang="en-GB" sz="1100" kern="1200">
+            <a:rPr lang="en-GB" sz="1000" kern="1200">
               <a:latin typeface="Calibri Light" panose="020F0302020204030204"/>
             </a:rPr>
             <a:t>Project Close</a:t>
           </a:r>
-          <a:endParaRPr lang="en-GB" sz="1100" kern="1200"/>
+          <a:endParaRPr lang="en-GB" sz="1000" kern="1200"/>
         </a:p>
       </dsp:txBody>
       <dsp:txXfrm>
-        <a:off x="8355613" y="2024947"/>
-        <a:ext cx="981171" cy="490585"/>
+        <a:off x="7510773" y="2122123"/>
+        <a:ext cx="881738" cy="440869"/>
       </dsp:txXfrm>
     </dsp:sp>
     <dsp:sp modelId="{72962AD9-D46A-4102-9B6D-EB73B81D96EA}">
@@ -7228,8 +7845,8 @@
       </dsp:nvSpPr>
       <dsp:spPr>
         <a:xfrm>
-          <a:off x="8600906" y="2721578"/>
-          <a:ext cx="981171" cy="490585"/>
+          <a:off x="7731208" y="2748157"/>
+          <a:ext cx="881738" cy="440869"/>
         </a:xfrm>
         <a:prstGeom prst="rect">
           <a:avLst/>
@@ -7271,12 +7888,12 @@
         </a:fontRef>
       </dsp:style>
       <dsp:txBody>
-        <a:bodyPr spcFirstLastPara="0" vert="horz" wrap="square" lIns="6985" tIns="6985" rIns="6985" bIns="6985" numCol="1" spcCol="1270" anchor="ctr" anchorCtr="0">
+        <a:bodyPr spcFirstLastPara="0" vert="horz" wrap="square" lIns="6350" tIns="6350" rIns="6350" bIns="6350" numCol="1" spcCol="1270" anchor="ctr" anchorCtr="0">
           <a:noAutofit/>
         </a:bodyPr>
         <a:lstStyle/>
         <a:p>
-          <a:pPr marL="0" lvl="0" indent="0" algn="ctr" defTabSz="488950" rtl="0">
+          <a:pPr marL="0" lvl="0" indent="0" algn="ctr" defTabSz="444500" rtl="0">
             <a:lnSpc>
               <a:spcPct val="90000"/>
             </a:lnSpc>
@@ -7289,7 +7906,7 @@
             <a:buNone/>
           </a:pPr>
           <a:r>
-            <a:rPr lang="en-GB" sz="1100" kern="1200">
+            <a:rPr lang="en-GB" sz="1000" kern="1200">
               <a:latin typeface="Calibri Light" panose="020F0302020204030204"/>
             </a:rPr>
             <a:t>Set up production line</a:t>
@@ -7297,8 +7914,8 @@
         </a:p>
       </dsp:txBody>
       <dsp:txXfrm>
-        <a:off x="8600906" y="2721578"/>
-        <a:ext cx="981171" cy="490585"/>
+        <a:off x="7731208" y="2748157"/>
+        <a:ext cx="881738" cy="440869"/>
       </dsp:txXfrm>
     </dsp:sp>
     <dsp:sp modelId="{1B5FFF98-EC45-4EC1-A14D-BB0B24278A7A}">
@@ -7308,8 +7925,8 @@
       </dsp:nvSpPr>
       <dsp:spPr>
         <a:xfrm>
-          <a:off x="8600906" y="3418210"/>
-          <a:ext cx="981171" cy="490585"/>
+          <a:off x="7731208" y="3374192"/>
+          <a:ext cx="881738" cy="440869"/>
         </a:xfrm>
         <a:prstGeom prst="rect">
           <a:avLst/>
@@ -7351,12 +7968,12 @@
         </a:fontRef>
       </dsp:style>
       <dsp:txBody>
-        <a:bodyPr spcFirstLastPara="0" vert="horz" wrap="square" lIns="6985" tIns="6985" rIns="6985" bIns="6985" numCol="1" spcCol="1270" anchor="ctr" anchorCtr="0">
+        <a:bodyPr spcFirstLastPara="0" vert="horz" wrap="square" lIns="6350" tIns="6350" rIns="6350" bIns="6350" numCol="1" spcCol="1270" anchor="ctr" anchorCtr="0">
           <a:noAutofit/>
         </a:bodyPr>
         <a:lstStyle/>
         <a:p>
-          <a:pPr marL="0" lvl="0" indent="0" algn="ctr" defTabSz="488950" rtl="0">
+          <a:pPr marL="0" lvl="0" indent="0" algn="ctr" defTabSz="444500" rtl="0">
             <a:lnSpc>
               <a:spcPct val="90000"/>
             </a:lnSpc>
@@ -7369,7 +7986,7 @@
             <a:buNone/>
           </a:pPr>
           <a:r>
-            <a:rPr lang="en-GB" sz="1100" kern="1200">
+            <a:rPr lang="en-GB" sz="1000" kern="1200">
               <a:latin typeface="Calibri Light" panose="020F0302020204030204"/>
             </a:rPr>
             <a:t>Build 1st off Batch</a:t>
@@ -7377,8 +7994,233 @@
         </a:p>
       </dsp:txBody>
       <dsp:txXfrm>
-        <a:off x="8600906" y="3418210"/>
-        <a:ext cx="981171" cy="490585"/>
+        <a:off x="7731208" y="3374192"/>
+        <a:ext cx="881738" cy="440869"/>
+      </dsp:txXfrm>
+    </dsp:sp>
+    <dsp:sp modelId="{3855CFD8-385E-4649-8B71-52F725EDA15D}">
+      <dsp:nvSpPr>
+        <dsp:cNvPr id="0" name=""/>
+        <dsp:cNvSpPr/>
+      </dsp:nvSpPr>
+      <dsp:spPr>
+        <a:xfrm>
+          <a:off x="2258105" y="3357712"/>
+          <a:ext cx="881738" cy="440869"/>
+        </a:xfrm>
+        <a:prstGeom prst="rect">
+          <a:avLst/>
+        </a:prstGeom>
+        <a:solidFill>
+          <a:srgbClr val="4472C4"/>
+        </a:solidFill>
+        <a:ln w="19050" cap="flat" cmpd="sng" algn="ctr">
+          <a:solidFill>
+            <a:schemeClr val="lt1">
+              <a:hueOff val="0"/>
+              <a:satOff val="0"/>
+              <a:lumOff val="0"/>
+              <a:alphaOff val="0"/>
+            </a:schemeClr>
+          </a:solidFill>
+          <a:prstDash val="solid"/>
+          <a:miter lim="800000"/>
+        </a:ln>
+        <a:effectLst/>
+      </dsp:spPr>
+      <dsp:style>
+        <a:lnRef idx="3">
+          <a:scrgbClr r="0" g="0" b="0"/>
+        </a:lnRef>
+        <a:fillRef idx="1">
+          <a:scrgbClr r="0" g="0" b="0"/>
+        </a:fillRef>
+        <a:effectRef idx="1">
+          <a:scrgbClr r="0" g="0" b="0"/>
+        </a:effectRef>
+        <a:fontRef idx="minor">
+          <a:schemeClr val="lt1"/>
+        </a:fontRef>
+      </dsp:style>
+      <dsp:txBody>
+        <a:bodyPr spcFirstLastPara="0" vert="horz" wrap="square" lIns="6350" tIns="6350" rIns="6350" bIns="6350" numCol="1" spcCol="1270" anchor="ctr" anchorCtr="0">
+          <a:noAutofit/>
+        </a:bodyPr>
+        <a:lstStyle/>
+        <a:p>
+          <a:pPr marL="0" lvl="0" indent="0" algn="ctr" defTabSz="444500" rtl="0">
+            <a:lnSpc>
+              <a:spcPct val="90000"/>
+            </a:lnSpc>
+            <a:spcBef>
+              <a:spcPct val="0"/>
+            </a:spcBef>
+            <a:spcAft>
+              <a:spcPct val="35000"/>
+            </a:spcAft>
+            <a:buNone/>
+          </a:pPr>
+          <a:r>
+            <a:rPr lang="en-GB" sz="1000" kern="1200" dirty="0">
+              <a:latin typeface="Calibri Light" panose="020F0302020204030204"/>
+            </a:rPr>
+            <a:t>Financial Plan</a:t>
+          </a:r>
+        </a:p>
+      </dsp:txBody>
+      <dsp:txXfrm>
+        <a:off x="2258105" y="3357712"/>
+        <a:ext cx="881738" cy="440869"/>
+      </dsp:txXfrm>
+    </dsp:sp>
+    <dsp:sp modelId="{46D32D46-5E65-4856-8289-516E7D9BFFF2}">
+      <dsp:nvSpPr>
+        <dsp:cNvPr id="0" name=""/>
+        <dsp:cNvSpPr/>
+      </dsp:nvSpPr>
+      <dsp:spPr>
+        <a:xfrm>
+          <a:off x="2252911" y="3987224"/>
+          <a:ext cx="881738" cy="440869"/>
+        </a:xfrm>
+        <a:prstGeom prst="rect">
+          <a:avLst/>
+        </a:prstGeom>
+        <a:solidFill>
+          <a:srgbClr val="4472C4"/>
+        </a:solidFill>
+        <a:ln w="19050" cap="flat" cmpd="sng" algn="ctr">
+          <a:solidFill>
+            <a:schemeClr val="lt1">
+              <a:hueOff val="0"/>
+              <a:satOff val="0"/>
+              <a:lumOff val="0"/>
+              <a:alphaOff val="0"/>
+            </a:schemeClr>
+          </a:solidFill>
+          <a:prstDash val="solid"/>
+          <a:miter lim="800000"/>
+        </a:ln>
+        <a:effectLst/>
+      </dsp:spPr>
+      <dsp:style>
+        <a:lnRef idx="3">
+          <a:scrgbClr r="0" g="0" b="0"/>
+        </a:lnRef>
+        <a:fillRef idx="1">
+          <a:scrgbClr r="0" g="0" b="0"/>
+        </a:fillRef>
+        <a:effectRef idx="1">
+          <a:scrgbClr r="0" g="0" b="0"/>
+        </a:effectRef>
+        <a:fontRef idx="minor">
+          <a:schemeClr val="lt1"/>
+        </a:fontRef>
+      </dsp:style>
+      <dsp:txBody>
+        <a:bodyPr spcFirstLastPara="0" vert="horz" wrap="square" lIns="6350" tIns="6350" rIns="6350" bIns="6350" numCol="1" spcCol="1270" anchor="ctr" anchorCtr="0">
+          <a:noAutofit/>
+        </a:bodyPr>
+        <a:lstStyle/>
+        <a:p>
+          <a:pPr marL="0" lvl="0" indent="0" algn="ctr" defTabSz="444500" rtl="0">
+            <a:lnSpc>
+              <a:spcPct val="90000"/>
+            </a:lnSpc>
+            <a:spcBef>
+              <a:spcPct val="0"/>
+            </a:spcBef>
+            <a:spcAft>
+              <a:spcPct val="35000"/>
+            </a:spcAft>
+            <a:buNone/>
+          </a:pPr>
+          <a:r>
+            <a:rPr lang="en-GB" sz="1000" kern="1200" dirty="0">
+              <a:latin typeface="Calibri Light" panose="020F0302020204030204"/>
+            </a:rPr>
+            <a:t>Health and Safety Plan</a:t>
+          </a:r>
+        </a:p>
+      </dsp:txBody>
+      <dsp:txXfrm>
+        <a:off x="2252911" y="3987224"/>
+        <a:ext cx="881738" cy="440869"/>
+      </dsp:txXfrm>
+    </dsp:sp>
+    <dsp:sp modelId="{7E5E8AE5-99DB-4850-83BA-7FB1F028901B}">
+      <dsp:nvSpPr>
+        <dsp:cNvPr id="0" name=""/>
+        <dsp:cNvSpPr/>
+      </dsp:nvSpPr>
+      <dsp:spPr>
+        <a:xfrm>
+          <a:off x="2252911" y="4606284"/>
+          <a:ext cx="881738" cy="440869"/>
+        </a:xfrm>
+        <a:prstGeom prst="rect">
+          <a:avLst/>
+        </a:prstGeom>
+        <a:solidFill>
+          <a:srgbClr val="4472C4"/>
+        </a:solidFill>
+        <a:ln w="19050" cap="flat" cmpd="sng" algn="ctr">
+          <a:solidFill>
+            <a:schemeClr val="lt1">
+              <a:hueOff val="0"/>
+              <a:satOff val="0"/>
+              <a:lumOff val="0"/>
+              <a:alphaOff val="0"/>
+            </a:schemeClr>
+          </a:solidFill>
+          <a:prstDash val="solid"/>
+          <a:miter lim="800000"/>
+        </a:ln>
+        <a:effectLst/>
+      </dsp:spPr>
+      <dsp:style>
+        <a:lnRef idx="3">
+          <a:scrgbClr r="0" g="0" b="0"/>
+        </a:lnRef>
+        <a:fillRef idx="1">
+          <a:scrgbClr r="0" g="0" b="0"/>
+        </a:fillRef>
+        <a:effectRef idx="1">
+          <a:scrgbClr r="0" g="0" b="0"/>
+        </a:effectRef>
+        <a:fontRef idx="minor">
+          <a:schemeClr val="lt1"/>
+        </a:fontRef>
+      </dsp:style>
+      <dsp:txBody>
+        <a:bodyPr spcFirstLastPara="0" vert="horz" wrap="square" lIns="6350" tIns="6350" rIns="6350" bIns="6350" numCol="1" spcCol="1270" anchor="ctr" anchorCtr="0">
+          <a:noAutofit/>
+        </a:bodyPr>
+        <a:lstStyle/>
+        <a:p>
+          <a:pPr marL="0" lvl="0" indent="0" algn="ctr" defTabSz="444500" rtl="0">
+            <a:lnSpc>
+              <a:spcPct val="90000"/>
+            </a:lnSpc>
+            <a:spcBef>
+              <a:spcPct val="0"/>
+            </a:spcBef>
+            <a:spcAft>
+              <a:spcPct val="35000"/>
+            </a:spcAft>
+            <a:buNone/>
+          </a:pPr>
+          <a:r>
+            <a:rPr lang="en-GB" sz="1000" kern="1200" dirty="0">
+              <a:latin typeface="Calibri Light" panose="020F0302020204030204"/>
+            </a:rPr>
+            <a:t>Intellectual Property Protection</a:t>
+          </a:r>
+        </a:p>
+      </dsp:txBody>
+      <dsp:txXfrm>
+        <a:off x="2252911" y="4606284"/>
+        <a:ext cx="881738" cy="440869"/>
       </dsp:txXfrm>
     </dsp:sp>
   </dsp:spTree>
@@ -9714,7 +10556,7 @@
           <a:p>
             <a:fld id="{0B2A4CFE-ADA4-4D4F-9778-2DDAF782497E}" type="datetimeFigureOut">
               <a:rPr lang="en-GB" smtClean="0"/>
-              <a:t>24/10/2022</a:t>
+              <a:t>29/11/2022</a:t>
             </a:fld>
             <a:endParaRPr lang="en-GB"/>
           </a:p>
@@ -9914,7 +10756,7 @@
           <a:p>
             <a:fld id="{0B2A4CFE-ADA4-4D4F-9778-2DDAF782497E}" type="datetimeFigureOut">
               <a:rPr lang="en-GB" smtClean="0"/>
-              <a:t>24/10/2022</a:t>
+              <a:t>29/11/2022</a:t>
             </a:fld>
             <a:endParaRPr lang="en-GB"/>
           </a:p>
@@ -10124,7 +10966,7 @@
           <a:p>
             <a:fld id="{0B2A4CFE-ADA4-4D4F-9778-2DDAF782497E}" type="datetimeFigureOut">
               <a:rPr lang="en-GB" smtClean="0"/>
-              <a:t>24/10/2022</a:t>
+              <a:t>29/11/2022</a:t>
             </a:fld>
             <a:endParaRPr lang="en-GB"/>
           </a:p>
@@ -10324,7 +11166,7 @@
           <a:p>
             <a:fld id="{0B2A4CFE-ADA4-4D4F-9778-2DDAF782497E}" type="datetimeFigureOut">
               <a:rPr lang="en-GB" smtClean="0"/>
-              <a:t>24/10/2022</a:t>
+              <a:t>29/11/2022</a:t>
             </a:fld>
             <a:endParaRPr lang="en-GB"/>
           </a:p>
@@ -10600,7 +11442,7 @@
           <a:p>
             <a:fld id="{0B2A4CFE-ADA4-4D4F-9778-2DDAF782497E}" type="datetimeFigureOut">
               <a:rPr lang="en-GB" smtClean="0"/>
-              <a:t>24/10/2022</a:t>
+              <a:t>29/11/2022</a:t>
             </a:fld>
             <a:endParaRPr lang="en-GB"/>
           </a:p>
@@ -10868,7 +11710,7 @@
           <a:p>
             <a:fld id="{0B2A4CFE-ADA4-4D4F-9778-2DDAF782497E}" type="datetimeFigureOut">
               <a:rPr lang="en-GB" smtClean="0"/>
-              <a:t>24/10/2022</a:t>
+              <a:t>29/11/2022</a:t>
             </a:fld>
             <a:endParaRPr lang="en-GB"/>
           </a:p>
@@ -11283,7 +12125,7 @@
           <a:p>
             <a:fld id="{0B2A4CFE-ADA4-4D4F-9778-2DDAF782497E}" type="datetimeFigureOut">
               <a:rPr lang="en-GB" smtClean="0"/>
-              <a:t>24/10/2022</a:t>
+              <a:t>29/11/2022</a:t>
             </a:fld>
             <a:endParaRPr lang="en-GB"/>
           </a:p>
@@ -11425,7 +12267,7 @@
           <a:p>
             <a:fld id="{0B2A4CFE-ADA4-4D4F-9778-2DDAF782497E}" type="datetimeFigureOut">
               <a:rPr lang="en-GB" smtClean="0"/>
-              <a:t>24/10/2022</a:t>
+              <a:t>29/11/2022</a:t>
             </a:fld>
             <a:endParaRPr lang="en-GB"/>
           </a:p>
@@ -11538,7 +12380,7 @@
           <a:p>
             <a:fld id="{0B2A4CFE-ADA4-4D4F-9778-2DDAF782497E}" type="datetimeFigureOut">
               <a:rPr lang="en-GB" smtClean="0"/>
-              <a:t>24/10/2022</a:t>
+              <a:t>29/11/2022</a:t>
             </a:fld>
             <a:endParaRPr lang="en-GB"/>
           </a:p>
@@ -11851,7 +12693,7 @@
           <a:p>
             <a:fld id="{0B2A4CFE-ADA4-4D4F-9778-2DDAF782497E}" type="datetimeFigureOut">
               <a:rPr lang="en-GB" smtClean="0"/>
-              <a:t>24/10/2022</a:t>
+              <a:t>29/11/2022</a:t>
             </a:fld>
             <a:endParaRPr lang="en-GB"/>
           </a:p>
@@ -12140,7 +12982,7 @@
           <a:p>
             <a:fld id="{0B2A4CFE-ADA4-4D4F-9778-2DDAF782497E}" type="datetimeFigureOut">
               <a:rPr lang="en-GB" smtClean="0"/>
-              <a:t>24/10/2022</a:t>
+              <a:t>29/11/2022</a:t>
             </a:fld>
             <a:endParaRPr lang="en-GB"/>
           </a:p>
@@ -12383,7 +13225,7 @@
           <a:p>
             <a:fld id="{0B2A4CFE-ADA4-4D4F-9778-2DDAF782497E}" type="datetimeFigureOut">
               <a:rPr lang="en-GB" smtClean="0"/>
-              <a:t>24/10/2022</a:t>
+              <a:t>29/11/2022</a:t>
             </a:fld>
             <a:endParaRPr lang="en-GB"/>
           </a:p>
@@ -12813,13 +13655,13 @@
           <p:nvPr>
             <p:extLst>
               <p:ext uri="{D42A27DB-BD31-4B8C-83A1-F6EECF244321}">
-                <p14:modId xmlns:p14="http://schemas.microsoft.com/office/powerpoint/2010/main" val="3661719031"/>
+                <p14:modId xmlns:p14="http://schemas.microsoft.com/office/powerpoint/2010/main" val="3864034239"/>
               </p:ext>
             </p:extLst>
           </p:nvPr>
         </p:nvGraphicFramePr>
         <p:xfrm>
-          <a:off x="923070" y="1134788"/>
+          <a:off x="1056235" y="184878"/>
           <a:ext cx="9583017" cy="5967702"/>
         </p:xfrm>
         <a:graphic>
@@ -12842,7 +13684,7 @@
         </p:nvSpPr>
         <p:spPr>
           <a:xfrm>
-            <a:off x="2455003" y="2748200"/>
+            <a:off x="2534902" y="1789412"/>
             <a:ext cx="514928" cy="369332"/>
           </a:xfrm>
           <a:prstGeom prst="rect">
@@ -12955,14 +13797,14 @@
           <a:p>
             <a:pPr algn="l"/>
             <a:r>
-              <a:rPr lang="en-GB" b="1" dirty="0">
+              <a:rPr lang="en-GB" b="1">
                 <a:solidFill>
                   <a:srgbClr val="FF0000"/>
                 </a:solidFill>
               </a:rPr>
               <a:t>1.1</a:t>
             </a:r>
-            <a:endParaRPr lang="en-GB" b="1" dirty="0">
+            <a:endParaRPr lang="en-GB" b="1">
               <a:solidFill>
                 <a:srgbClr val="FF0000"/>
               </a:solidFill>
@@ -12985,7 +13827,7 @@
         </p:nvSpPr>
         <p:spPr>
           <a:xfrm>
-            <a:off x="6419756" y="2762473"/>
+            <a:off x="6499655" y="1803685"/>
             <a:ext cx="514928" cy="369332"/>
           </a:xfrm>
           <a:prstGeom prst="rect">
@@ -13098,14 +13940,14 @@
           <a:p>
             <a:pPr algn="l"/>
             <a:r>
-              <a:rPr lang="en-GB" b="1" dirty="0">
+              <a:rPr lang="en-GB" b="1">
                 <a:solidFill>
                   <a:srgbClr val="FF0000"/>
                 </a:solidFill>
               </a:rPr>
               <a:t>1.2</a:t>
             </a:r>
-            <a:endParaRPr lang="en-GB" b="1" dirty="0">
+            <a:endParaRPr lang="en-GB" b="1">
               <a:solidFill>
                 <a:srgbClr val="FF0000"/>
               </a:solidFill>
@@ -13128,7 +13970,7 @@
         </p:nvSpPr>
         <p:spPr>
           <a:xfrm>
-            <a:off x="9471139" y="2715165"/>
+            <a:off x="8765226" y="1797937"/>
             <a:ext cx="514928" cy="369332"/>
           </a:xfrm>
           <a:prstGeom prst="rect">
@@ -13271,8 +14113,8 @@
         </p:nvSpPr>
         <p:spPr>
           <a:xfrm>
-            <a:off x="2311839" y="3662143"/>
-            <a:ext cx="572656" cy="307777"/>
+            <a:off x="2253428" y="2693191"/>
+            <a:ext cx="846960" cy="307777"/>
           </a:xfrm>
           <a:prstGeom prst="rect">
             <a:avLst/>
@@ -13389,7 +14231,7 @@
                   <a:srgbClr val="FF0000"/>
                 </a:solidFill>
               </a:rPr>
-              <a:t>1.1.1</a:t>
+              <a:t>1.1.1.1</a:t>
             </a:r>
             <a:endParaRPr lang="en-GB" sz="1400" b="1" dirty="0">
               <a:solidFill>
@@ -13414,8 +14256,8 @@
         </p:nvSpPr>
         <p:spPr>
           <a:xfrm>
-            <a:off x="2282598" y="4360642"/>
-            <a:ext cx="572656" cy="307777"/>
+            <a:off x="2265896" y="3333574"/>
+            <a:ext cx="761354" cy="307777"/>
           </a:xfrm>
           <a:prstGeom prst="rect">
             <a:avLst/>
@@ -13532,7 +14374,7 @@
                   <a:srgbClr val="FF0000"/>
                 </a:solidFill>
               </a:rPr>
-              <a:t>1.1.2</a:t>
+              <a:t>1.1.1.2</a:t>
             </a:r>
             <a:endParaRPr lang="en-GB" sz="1400" b="1" dirty="0">
               <a:solidFill>
@@ -13557,7 +14399,7 @@
         </p:nvSpPr>
         <p:spPr>
           <a:xfrm>
-            <a:off x="4110985" y="3508717"/>
+            <a:off x="3902099" y="2703354"/>
             <a:ext cx="572656" cy="307777"/>
           </a:xfrm>
           <a:prstGeom prst="rect">
@@ -13700,7 +14542,7 @@
         </p:nvSpPr>
         <p:spPr>
           <a:xfrm>
-            <a:off x="5623803" y="3499560"/>
+            <a:off x="5276466" y="2605329"/>
             <a:ext cx="572656" cy="307777"/>
           </a:xfrm>
           <a:prstGeom prst="rect">
@@ -13843,7 +14685,7 @@
         </p:nvSpPr>
         <p:spPr>
           <a:xfrm>
-            <a:off x="7143471" y="3534771"/>
+            <a:off x="6572583" y="2575983"/>
             <a:ext cx="572656" cy="307777"/>
           </a:xfrm>
           <a:prstGeom prst="rect">
@@ -13986,7 +14828,7 @@
         </p:nvSpPr>
         <p:spPr>
           <a:xfrm>
-            <a:off x="4698202" y="4361236"/>
+            <a:off x="4410955" y="3338336"/>
             <a:ext cx="734292" cy="307777"/>
           </a:xfrm>
           <a:prstGeom prst="rect">
@@ -14129,7 +14971,7 @@
         </p:nvSpPr>
         <p:spPr>
           <a:xfrm>
-            <a:off x="3376693" y="5060444"/>
+            <a:off x="4432420" y="3934905"/>
             <a:ext cx="734292" cy="307777"/>
           </a:xfrm>
           <a:prstGeom prst="rect">
@@ -14272,7 +15114,7 @@
         </p:nvSpPr>
         <p:spPr>
           <a:xfrm>
-            <a:off x="5885407" y="4360641"/>
+            <a:off x="5480597" y="3322229"/>
             <a:ext cx="734292" cy="307777"/>
           </a:xfrm>
           <a:prstGeom prst="rect">
@@ -14415,7 +15257,7 @@
         </p:nvSpPr>
         <p:spPr>
           <a:xfrm>
-            <a:off x="5910131" y="5036173"/>
+            <a:off x="5480597" y="3944894"/>
             <a:ext cx="734292" cy="307777"/>
           </a:xfrm>
           <a:prstGeom prst="rect">
@@ -14528,14 +15370,14 @@
           <a:p>
             <a:pPr algn="l"/>
             <a:r>
-              <a:rPr lang="en-GB" sz="1400" b="1">
+              <a:rPr lang="en-GB" sz="1400" b="1" dirty="0">
                 <a:solidFill>
                   <a:srgbClr val="FF0000"/>
                 </a:solidFill>
               </a:rPr>
               <a:t>1.2.2.2</a:t>
             </a:r>
-            <a:endParaRPr lang="en-GB" sz="1400" b="1">
+            <a:endParaRPr lang="en-GB" sz="1400" b="1" dirty="0">
               <a:solidFill>
                 <a:srgbClr val="FF0000"/>
               </a:solidFill>
@@ -14558,7 +15400,7 @@
         </p:nvSpPr>
         <p:spPr>
           <a:xfrm>
-            <a:off x="7072612" y="4360640"/>
+            <a:off x="6572583" y="3320031"/>
             <a:ext cx="780474" cy="307777"/>
           </a:xfrm>
           <a:prstGeom prst="rect">
@@ -14701,7 +15543,7 @@
         </p:nvSpPr>
         <p:spPr>
           <a:xfrm>
-            <a:off x="7072612" y="5057571"/>
+            <a:off x="6572583" y="3938654"/>
             <a:ext cx="780474" cy="307777"/>
           </a:xfrm>
           <a:prstGeom prst="rect">
@@ -14844,7 +15686,7 @@
         </p:nvSpPr>
         <p:spPr>
           <a:xfrm>
-            <a:off x="7072612" y="5749948"/>
+            <a:off x="6572583" y="4591568"/>
             <a:ext cx="780474" cy="307777"/>
           </a:xfrm>
           <a:prstGeom prst="rect">
@@ -14987,7 +15829,7 @@
         </p:nvSpPr>
         <p:spPr>
           <a:xfrm>
-            <a:off x="9430206" y="3653171"/>
+            <a:off x="8713102" y="2703354"/>
             <a:ext cx="780474" cy="307777"/>
           </a:xfrm>
           <a:prstGeom prst="rect">
@@ -15130,7 +15972,7 @@
         </p:nvSpPr>
         <p:spPr>
           <a:xfrm>
-            <a:off x="9455373" y="4347490"/>
+            <a:off x="8713102" y="3320030"/>
             <a:ext cx="780474" cy="307777"/>
           </a:xfrm>
           <a:prstGeom prst="rect">
@@ -15273,7 +16115,7 @@
         </p:nvSpPr>
         <p:spPr>
           <a:xfrm>
-            <a:off x="1233119" y="2715165"/>
+            <a:off x="1313018" y="1756377"/>
             <a:ext cx="514928" cy="369332"/>
           </a:xfrm>
           <a:prstGeom prst="rect">
@@ -15386,14 +16228,14 @@
           <a:p>
             <a:pPr algn="l"/>
             <a:r>
-              <a:rPr lang="en-GB" b="1" dirty="0">
+              <a:rPr lang="en-GB" b="1">
                 <a:solidFill>
                   <a:srgbClr val="FF0000"/>
                 </a:solidFill>
               </a:rPr>
               <a:t>1.0</a:t>
             </a:r>
-            <a:endParaRPr lang="en-GB" b="1" dirty="0">
+            <a:endParaRPr lang="en-GB" b="1">
               <a:solidFill>
                 <a:srgbClr val="FF0000"/>
               </a:solidFill>
@@ -15416,7 +16258,7 @@
         </p:nvSpPr>
         <p:spPr>
           <a:xfrm>
-            <a:off x="1078499" y="3662144"/>
+            <a:off x="1202566" y="2703355"/>
             <a:ext cx="572656" cy="307777"/>
           </a:xfrm>
           <a:prstGeom prst="rect">
@@ -15559,7 +16401,7 @@
         </p:nvSpPr>
         <p:spPr>
           <a:xfrm>
-            <a:off x="1095393" y="4352847"/>
+            <a:off x="1224679" y="3332147"/>
             <a:ext cx="572656" cy="307777"/>
           </a:xfrm>
           <a:prstGeom prst="rect">
@@ -15702,7 +16544,7 @@
         </p:nvSpPr>
         <p:spPr>
           <a:xfrm>
-            <a:off x="1095393" y="5043550"/>
+            <a:off x="1202566" y="3947463"/>
             <a:ext cx="572656" cy="307777"/>
           </a:xfrm>
           <a:prstGeom prst="rect">
@@ -15845,7 +16687,7 @@
         </p:nvSpPr>
         <p:spPr>
           <a:xfrm>
-            <a:off x="4698202" y="5749948"/>
+            <a:off x="4429953" y="4591569"/>
             <a:ext cx="734292" cy="307777"/>
           </a:xfrm>
           <a:prstGeom prst="rect">
@@ -15884,7 +16726,7 @@
         </p:nvSpPr>
         <p:spPr>
           <a:xfrm>
-            <a:off x="5910131" y="5736659"/>
+            <a:off x="5480597" y="4580035"/>
             <a:ext cx="734292" cy="307777"/>
           </a:xfrm>
           <a:prstGeom prst="rect">
@@ -16027,7 +16869,7 @@
         </p:nvSpPr>
         <p:spPr>
           <a:xfrm>
-            <a:off x="8268002" y="5047582"/>
+            <a:off x="7613609" y="3944894"/>
             <a:ext cx="734292" cy="307777"/>
           </a:xfrm>
           <a:prstGeom prst="rect">
@@ -16170,7 +17012,7 @@
         </p:nvSpPr>
         <p:spPr>
           <a:xfrm>
-            <a:off x="8277110" y="4360640"/>
+            <a:off x="7613609" y="3332147"/>
             <a:ext cx="734292" cy="307777"/>
           </a:xfrm>
           <a:prstGeom prst="rect">
@@ -16313,7 +17155,7 @@
         </p:nvSpPr>
         <p:spPr>
           <a:xfrm>
-            <a:off x="8295993" y="5734524"/>
+            <a:off x="7623227" y="4579286"/>
             <a:ext cx="734292" cy="307777"/>
           </a:xfrm>
           <a:prstGeom prst="rect">
@@ -16456,7 +17298,7 @@
         </p:nvSpPr>
         <p:spPr>
           <a:xfrm>
-            <a:off x="8295993" y="3534771"/>
+            <a:off x="7565839" y="2575980"/>
             <a:ext cx="734292" cy="307777"/>
           </a:xfrm>
           <a:prstGeom prst="rect">
@@ -16575,6 +17417,545 @@
                 </a:solidFill>
               </a:rPr>
               <a:t>1.2.4</a:t>
+            </a:r>
+            <a:endParaRPr lang="en-GB" sz="1400" b="1" dirty="0">
+              <a:solidFill>
+                <a:srgbClr val="FF0000"/>
+              </a:solidFill>
+              <a:cs typeface="Calibri"/>
+            </a:endParaRPr>
+          </a:p>
+        </p:txBody>
+      </p:sp>
+      <p:cxnSp>
+        <p:nvCxnSpPr>
+          <p:cNvPr id="38" name="Connector: Elbow 37">
+            <a:extLst>
+              <a:ext uri="{FF2B5EF4-FFF2-40B4-BE49-F238E27FC236}">
+                <a16:creationId xmlns:a16="http://schemas.microsoft.com/office/drawing/2014/main" id="{95A085BF-3B1A-43CC-019D-39E6CF6328D0}"/>
+              </a:ext>
+            </a:extLst>
+          </p:cNvPr>
+          <p:cNvCxnSpPr/>
+          <p:nvPr/>
+        </p:nvCxnSpPr>
+        <p:spPr>
+          <a:xfrm rot="16200000" flipH="1">
+            <a:off x="2977966" y="2757042"/>
+            <a:ext cx="825869" cy="771525"/>
+          </a:xfrm>
+          <a:prstGeom prst="bentConnector3">
+            <a:avLst>
+              <a:gd name="adj1" fmla="val 984"/>
+            </a:avLst>
+          </a:prstGeom>
+        </p:spPr>
+        <p:style>
+          <a:lnRef idx="2">
+            <a:schemeClr val="accent1"/>
+          </a:lnRef>
+          <a:fillRef idx="0">
+            <a:schemeClr val="accent1"/>
+          </a:fillRef>
+          <a:effectRef idx="1">
+            <a:schemeClr val="accent1"/>
+          </a:effectRef>
+          <a:fontRef idx="minor">
+            <a:schemeClr val="tx1"/>
+          </a:fontRef>
+        </p:style>
+      </p:cxnSp>
+      <p:cxnSp>
+        <p:nvCxnSpPr>
+          <p:cNvPr id="42" name="Straight Connector 41">
+            <a:extLst>
+              <a:ext uri="{FF2B5EF4-FFF2-40B4-BE49-F238E27FC236}">
+                <a16:creationId xmlns:a16="http://schemas.microsoft.com/office/drawing/2014/main" id="{4C6D6CD3-253D-FDB5-0F38-3BEB61CC44D5}"/>
+              </a:ext>
+            </a:extLst>
+          </p:cNvPr>
+          <p:cNvCxnSpPr/>
+          <p:nvPr/>
+        </p:nvCxnSpPr>
+        <p:spPr>
+          <a:xfrm>
+            <a:off x="3776663" y="3967163"/>
+            <a:ext cx="0" cy="264110"/>
+          </a:xfrm>
+          <a:prstGeom prst="line">
+            <a:avLst/>
+          </a:prstGeom>
+        </p:spPr>
+        <p:style>
+          <a:lnRef idx="2">
+            <a:schemeClr val="accent1"/>
+          </a:lnRef>
+          <a:fillRef idx="0">
+            <a:schemeClr val="accent1"/>
+          </a:fillRef>
+          <a:effectRef idx="1">
+            <a:schemeClr val="accent1"/>
+          </a:effectRef>
+          <a:fontRef idx="minor">
+            <a:schemeClr val="tx1"/>
+          </a:fontRef>
+        </p:style>
+      </p:cxnSp>
+      <p:cxnSp>
+        <p:nvCxnSpPr>
+          <p:cNvPr id="44" name="Straight Connector 43">
+            <a:extLst>
+              <a:ext uri="{FF2B5EF4-FFF2-40B4-BE49-F238E27FC236}">
+                <a16:creationId xmlns:a16="http://schemas.microsoft.com/office/drawing/2014/main" id="{2135F097-F1CF-713D-A029-0B975EBA68C2}"/>
+              </a:ext>
+            </a:extLst>
+          </p:cNvPr>
+          <p:cNvCxnSpPr/>
+          <p:nvPr/>
+        </p:nvCxnSpPr>
+        <p:spPr>
+          <a:xfrm>
+            <a:off x="3776663" y="4610100"/>
+            <a:ext cx="0" cy="247650"/>
+          </a:xfrm>
+          <a:prstGeom prst="line">
+            <a:avLst/>
+          </a:prstGeom>
+        </p:spPr>
+        <p:style>
+          <a:lnRef idx="2">
+            <a:schemeClr val="accent1"/>
+          </a:lnRef>
+          <a:fillRef idx="0">
+            <a:schemeClr val="accent1"/>
+          </a:fillRef>
+          <a:effectRef idx="1">
+            <a:schemeClr val="accent1"/>
+          </a:effectRef>
+          <a:fontRef idx="minor">
+            <a:schemeClr val="tx1"/>
+          </a:fontRef>
+        </p:style>
+      </p:cxnSp>
+      <p:sp>
+        <p:nvSpPr>
+          <p:cNvPr id="45" name="TextBox 5">
+            <a:extLst>
+              <a:ext uri="{FF2B5EF4-FFF2-40B4-BE49-F238E27FC236}">
+                <a16:creationId xmlns:a16="http://schemas.microsoft.com/office/drawing/2014/main" id="{9A9B56A6-BDA5-5477-FF9E-4FA296EB8DAD}"/>
+              </a:ext>
+            </a:extLst>
+          </p:cNvPr>
+          <p:cNvSpPr txBox="1"/>
+          <p:nvPr/>
+        </p:nvSpPr>
+        <p:spPr>
+          <a:xfrm>
+            <a:off x="3182787" y="3322230"/>
+            <a:ext cx="734287" cy="307777"/>
+          </a:xfrm>
+          <a:prstGeom prst="rect">
+            <a:avLst/>
+          </a:prstGeom>
+          <a:noFill/>
+        </p:spPr>
+        <p:txBody>
+          <a:bodyPr rot="0" spcFirstLastPara="0" vert="horz" wrap="square" lIns="91440" tIns="45720" rIns="91440" bIns="45720" numCol="1" spcCol="0" rtlCol="0" fromWordArt="0" anchor="t" anchorCtr="0" forceAA="0" compatLnSpc="1">
+            <a:prstTxWarp prst="textNoShape">
+              <a:avLst/>
+            </a:prstTxWarp>
+            <a:spAutoFit/>
+          </a:bodyPr>
+          <a:lstStyle>
+            <a:defPPr>
+              <a:defRPr lang="en-GB"/>
+            </a:defPPr>
+            <a:lvl1pPr marL="0" algn="l" defTabSz="914400" rtl="0" eaLnBrk="1" latinLnBrk="0" hangingPunct="1">
+              <a:defRPr sz="1800" kern="1200">
+                <a:solidFill>
+                  <a:schemeClr val="tx1"/>
+                </a:solidFill>
+                <a:latin typeface="+mn-lt"/>
+                <a:ea typeface="+mn-ea"/>
+                <a:cs typeface="+mn-cs"/>
+              </a:defRPr>
+            </a:lvl1pPr>
+            <a:lvl2pPr marL="457200" algn="l" defTabSz="914400" rtl="0" eaLnBrk="1" latinLnBrk="0" hangingPunct="1">
+              <a:defRPr sz="1800" kern="1200">
+                <a:solidFill>
+                  <a:schemeClr val="tx1"/>
+                </a:solidFill>
+                <a:latin typeface="+mn-lt"/>
+                <a:ea typeface="+mn-ea"/>
+                <a:cs typeface="+mn-cs"/>
+              </a:defRPr>
+            </a:lvl2pPr>
+            <a:lvl3pPr marL="914400" algn="l" defTabSz="914400" rtl="0" eaLnBrk="1" latinLnBrk="0" hangingPunct="1">
+              <a:defRPr sz="1800" kern="1200">
+                <a:solidFill>
+                  <a:schemeClr val="tx1"/>
+                </a:solidFill>
+                <a:latin typeface="+mn-lt"/>
+                <a:ea typeface="+mn-ea"/>
+                <a:cs typeface="+mn-cs"/>
+              </a:defRPr>
+            </a:lvl3pPr>
+            <a:lvl4pPr marL="1371600" algn="l" defTabSz="914400" rtl="0" eaLnBrk="1" latinLnBrk="0" hangingPunct="1">
+              <a:defRPr sz="1800" kern="1200">
+                <a:solidFill>
+                  <a:schemeClr val="tx1"/>
+                </a:solidFill>
+                <a:latin typeface="+mn-lt"/>
+                <a:ea typeface="+mn-ea"/>
+                <a:cs typeface="+mn-cs"/>
+              </a:defRPr>
+            </a:lvl4pPr>
+            <a:lvl5pPr marL="1828800" algn="l" defTabSz="914400" rtl="0" eaLnBrk="1" latinLnBrk="0" hangingPunct="1">
+              <a:defRPr sz="1800" kern="1200">
+                <a:solidFill>
+                  <a:schemeClr val="tx1"/>
+                </a:solidFill>
+                <a:latin typeface="+mn-lt"/>
+                <a:ea typeface="+mn-ea"/>
+                <a:cs typeface="+mn-cs"/>
+              </a:defRPr>
+            </a:lvl5pPr>
+            <a:lvl6pPr marL="2286000" algn="l" defTabSz="914400" rtl="0" eaLnBrk="1" latinLnBrk="0" hangingPunct="1">
+              <a:defRPr sz="1800" kern="1200">
+                <a:solidFill>
+                  <a:schemeClr val="tx1"/>
+                </a:solidFill>
+                <a:latin typeface="+mn-lt"/>
+                <a:ea typeface="+mn-ea"/>
+                <a:cs typeface="+mn-cs"/>
+              </a:defRPr>
+            </a:lvl6pPr>
+            <a:lvl7pPr marL="2743200" algn="l" defTabSz="914400" rtl="0" eaLnBrk="1" latinLnBrk="0" hangingPunct="1">
+              <a:defRPr sz="1800" kern="1200">
+                <a:solidFill>
+                  <a:schemeClr val="tx1"/>
+                </a:solidFill>
+                <a:latin typeface="+mn-lt"/>
+                <a:ea typeface="+mn-ea"/>
+                <a:cs typeface="+mn-cs"/>
+              </a:defRPr>
+            </a:lvl7pPr>
+            <a:lvl8pPr marL="3200400" algn="l" defTabSz="914400" rtl="0" eaLnBrk="1" latinLnBrk="0" hangingPunct="1">
+              <a:defRPr sz="1800" kern="1200">
+                <a:solidFill>
+                  <a:schemeClr val="tx1"/>
+                </a:solidFill>
+                <a:latin typeface="+mn-lt"/>
+                <a:ea typeface="+mn-ea"/>
+                <a:cs typeface="+mn-cs"/>
+              </a:defRPr>
+            </a:lvl8pPr>
+            <a:lvl9pPr marL="3657600" algn="l" defTabSz="914400" rtl="0" eaLnBrk="1" latinLnBrk="0" hangingPunct="1">
+              <a:defRPr sz="1800" kern="1200">
+                <a:solidFill>
+                  <a:schemeClr val="tx1"/>
+                </a:solidFill>
+                <a:latin typeface="+mn-lt"/>
+                <a:ea typeface="+mn-ea"/>
+                <a:cs typeface="+mn-cs"/>
+              </a:defRPr>
+            </a:lvl9pPr>
+          </a:lstStyle>
+          <a:p>
+            <a:pPr algn="l"/>
+            <a:r>
+              <a:rPr lang="en-GB" sz="1400" b="1" dirty="0">
+                <a:solidFill>
+                  <a:srgbClr val="FF0000"/>
+                </a:solidFill>
+              </a:rPr>
+              <a:t>1.1.2.1</a:t>
+            </a:r>
+            <a:endParaRPr lang="en-GB" sz="1400" b="1" dirty="0">
+              <a:solidFill>
+                <a:srgbClr val="FF0000"/>
+              </a:solidFill>
+              <a:cs typeface="Calibri"/>
+            </a:endParaRPr>
+          </a:p>
+        </p:txBody>
+      </p:sp>
+      <p:sp>
+        <p:nvSpPr>
+          <p:cNvPr id="46" name="TextBox 5">
+            <a:extLst>
+              <a:ext uri="{FF2B5EF4-FFF2-40B4-BE49-F238E27FC236}">
+                <a16:creationId xmlns:a16="http://schemas.microsoft.com/office/drawing/2014/main" id="{1B9D6931-2D99-56F1-5622-0A55FCABF540}"/>
+              </a:ext>
+            </a:extLst>
+          </p:cNvPr>
+          <p:cNvSpPr txBox="1"/>
+          <p:nvPr/>
+        </p:nvSpPr>
+        <p:spPr>
+          <a:xfrm>
+            <a:off x="3167813" y="3958906"/>
+            <a:ext cx="734287" cy="307777"/>
+          </a:xfrm>
+          <a:prstGeom prst="rect">
+            <a:avLst/>
+          </a:prstGeom>
+          <a:noFill/>
+        </p:spPr>
+        <p:txBody>
+          <a:bodyPr rot="0" spcFirstLastPara="0" vert="horz" wrap="square" lIns="91440" tIns="45720" rIns="91440" bIns="45720" numCol="1" spcCol="0" rtlCol="0" fromWordArt="0" anchor="t" anchorCtr="0" forceAA="0" compatLnSpc="1">
+            <a:prstTxWarp prst="textNoShape">
+              <a:avLst/>
+            </a:prstTxWarp>
+            <a:spAutoFit/>
+          </a:bodyPr>
+          <a:lstStyle>
+            <a:defPPr>
+              <a:defRPr lang="en-GB"/>
+            </a:defPPr>
+            <a:lvl1pPr marL="0" algn="l" defTabSz="914400" rtl="0" eaLnBrk="1" latinLnBrk="0" hangingPunct="1">
+              <a:defRPr sz="1800" kern="1200">
+                <a:solidFill>
+                  <a:schemeClr val="tx1"/>
+                </a:solidFill>
+                <a:latin typeface="+mn-lt"/>
+                <a:ea typeface="+mn-ea"/>
+                <a:cs typeface="+mn-cs"/>
+              </a:defRPr>
+            </a:lvl1pPr>
+            <a:lvl2pPr marL="457200" algn="l" defTabSz="914400" rtl="0" eaLnBrk="1" latinLnBrk="0" hangingPunct="1">
+              <a:defRPr sz="1800" kern="1200">
+                <a:solidFill>
+                  <a:schemeClr val="tx1"/>
+                </a:solidFill>
+                <a:latin typeface="+mn-lt"/>
+                <a:ea typeface="+mn-ea"/>
+                <a:cs typeface="+mn-cs"/>
+              </a:defRPr>
+            </a:lvl2pPr>
+            <a:lvl3pPr marL="914400" algn="l" defTabSz="914400" rtl="0" eaLnBrk="1" latinLnBrk="0" hangingPunct="1">
+              <a:defRPr sz="1800" kern="1200">
+                <a:solidFill>
+                  <a:schemeClr val="tx1"/>
+                </a:solidFill>
+                <a:latin typeface="+mn-lt"/>
+                <a:ea typeface="+mn-ea"/>
+                <a:cs typeface="+mn-cs"/>
+              </a:defRPr>
+            </a:lvl3pPr>
+            <a:lvl4pPr marL="1371600" algn="l" defTabSz="914400" rtl="0" eaLnBrk="1" latinLnBrk="0" hangingPunct="1">
+              <a:defRPr sz="1800" kern="1200">
+                <a:solidFill>
+                  <a:schemeClr val="tx1"/>
+                </a:solidFill>
+                <a:latin typeface="+mn-lt"/>
+                <a:ea typeface="+mn-ea"/>
+                <a:cs typeface="+mn-cs"/>
+              </a:defRPr>
+            </a:lvl4pPr>
+            <a:lvl5pPr marL="1828800" algn="l" defTabSz="914400" rtl="0" eaLnBrk="1" latinLnBrk="0" hangingPunct="1">
+              <a:defRPr sz="1800" kern="1200">
+                <a:solidFill>
+                  <a:schemeClr val="tx1"/>
+                </a:solidFill>
+                <a:latin typeface="+mn-lt"/>
+                <a:ea typeface="+mn-ea"/>
+                <a:cs typeface="+mn-cs"/>
+              </a:defRPr>
+            </a:lvl5pPr>
+            <a:lvl6pPr marL="2286000" algn="l" defTabSz="914400" rtl="0" eaLnBrk="1" latinLnBrk="0" hangingPunct="1">
+              <a:defRPr sz="1800" kern="1200">
+                <a:solidFill>
+                  <a:schemeClr val="tx1"/>
+                </a:solidFill>
+                <a:latin typeface="+mn-lt"/>
+                <a:ea typeface="+mn-ea"/>
+                <a:cs typeface="+mn-cs"/>
+              </a:defRPr>
+            </a:lvl6pPr>
+            <a:lvl7pPr marL="2743200" algn="l" defTabSz="914400" rtl="0" eaLnBrk="1" latinLnBrk="0" hangingPunct="1">
+              <a:defRPr sz="1800" kern="1200">
+                <a:solidFill>
+                  <a:schemeClr val="tx1"/>
+                </a:solidFill>
+                <a:latin typeface="+mn-lt"/>
+                <a:ea typeface="+mn-ea"/>
+                <a:cs typeface="+mn-cs"/>
+              </a:defRPr>
+            </a:lvl7pPr>
+            <a:lvl8pPr marL="3200400" algn="l" defTabSz="914400" rtl="0" eaLnBrk="1" latinLnBrk="0" hangingPunct="1">
+              <a:defRPr sz="1800" kern="1200">
+                <a:solidFill>
+                  <a:schemeClr val="tx1"/>
+                </a:solidFill>
+                <a:latin typeface="+mn-lt"/>
+                <a:ea typeface="+mn-ea"/>
+                <a:cs typeface="+mn-cs"/>
+              </a:defRPr>
+            </a:lvl8pPr>
+            <a:lvl9pPr marL="3657600" algn="l" defTabSz="914400" rtl="0" eaLnBrk="1" latinLnBrk="0" hangingPunct="1">
+              <a:defRPr sz="1800" kern="1200">
+                <a:solidFill>
+                  <a:schemeClr val="tx1"/>
+                </a:solidFill>
+                <a:latin typeface="+mn-lt"/>
+                <a:ea typeface="+mn-ea"/>
+                <a:cs typeface="+mn-cs"/>
+              </a:defRPr>
+            </a:lvl9pPr>
+          </a:lstStyle>
+          <a:p>
+            <a:pPr algn="l"/>
+            <a:r>
+              <a:rPr lang="en-GB" sz="1400" b="1" dirty="0">
+                <a:solidFill>
+                  <a:srgbClr val="FF0000"/>
+                </a:solidFill>
+              </a:rPr>
+              <a:t>1.1.2.2</a:t>
+            </a:r>
+            <a:endParaRPr lang="en-GB" sz="1400" b="1" dirty="0">
+              <a:solidFill>
+                <a:srgbClr val="FF0000"/>
+              </a:solidFill>
+              <a:cs typeface="Calibri"/>
+            </a:endParaRPr>
+          </a:p>
+        </p:txBody>
+      </p:sp>
+      <p:sp>
+        <p:nvSpPr>
+          <p:cNvPr id="48" name="TextBox 5">
+            <a:extLst>
+              <a:ext uri="{FF2B5EF4-FFF2-40B4-BE49-F238E27FC236}">
+                <a16:creationId xmlns:a16="http://schemas.microsoft.com/office/drawing/2014/main" id="{22B37BDD-7673-58D7-5FE2-AAF547E0E81B}"/>
+              </a:ext>
+            </a:extLst>
+          </p:cNvPr>
+          <p:cNvSpPr txBox="1"/>
+          <p:nvPr/>
+        </p:nvSpPr>
+        <p:spPr>
+          <a:xfrm>
+            <a:off x="3167812" y="4580036"/>
+            <a:ext cx="734287" cy="307777"/>
+          </a:xfrm>
+          <a:prstGeom prst="rect">
+            <a:avLst/>
+          </a:prstGeom>
+          <a:noFill/>
+        </p:spPr>
+        <p:txBody>
+          <a:bodyPr rot="0" spcFirstLastPara="0" vert="horz" wrap="square" lIns="91440" tIns="45720" rIns="91440" bIns="45720" numCol="1" spcCol="0" rtlCol="0" fromWordArt="0" anchor="t" anchorCtr="0" forceAA="0" compatLnSpc="1">
+            <a:prstTxWarp prst="textNoShape">
+              <a:avLst/>
+            </a:prstTxWarp>
+            <a:spAutoFit/>
+          </a:bodyPr>
+          <a:lstStyle>
+            <a:defPPr>
+              <a:defRPr lang="en-GB"/>
+            </a:defPPr>
+            <a:lvl1pPr marL="0" algn="l" defTabSz="914400" rtl="0" eaLnBrk="1" latinLnBrk="0" hangingPunct="1">
+              <a:defRPr sz="1800" kern="1200">
+                <a:solidFill>
+                  <a:schemeClr val="tx1"/>
+                </a:solidFill>
+                <a:latin typeface="+mn-lt"/>
+                <a:ea typeface="+mn-ea"/>
+                <a:cs typeface="+mn-cs"/>
+              </a:defRPr>
+            </a:lvl1pPr>
+            <a:lvl2pPr marL="457200" algn="l" defTabSz="914400" rtl="0" eaLnBrk="1" latinLnBrk="0" hangingPunct="1">
+              <a:defRPr sz="1800" kern="1200">
+                <a:solidFill>
+                  <a:schemeClr val="tx1"/>
+                </a:solidFill>
+                <a:latin typeface="+mn-lt"/>
+                <a:ea typeface="+mn-ea"/>
+                <a:cs typeface="+mn-cs"/>
+              </a:defRPr>
+            </a:lvl2pPr>
+            <a:lvl3pPr marL="914400" algn="l" defTabSz="914400" rtl="0" eaLnBrk="1" latinLnBrk="0" hangingPunct="1">
+              <a:defRPr sz="1800" kern="1200">
+                <a:solidFill>
+                  <a:schemeClr val="tx1"/>
+                </a:solidFill>
+                <a:latin typeface="+mn-lt"/>
+                <a:ea typeface="+mn-ea"/>
+                <a:cs typeface="+mn-cs"/>
+              </a:defRPr>
+            </a:lvl3pPr>
+            <a:lvl4pPr marL="1371600" algn="l" defTabSz="914400" rtl="0" eaLnBrk="1" latinLnBrk="0" hangingPunct="1">
+              <a:defRPr sz="1800" kern="1200">
+                <a:solidFill>
+                  <a:schemeClr val="tx1"/>
+                </a:solidFill>
+                <a:latin typeface="+mn-lt"/>
+                <a:ea typeface="+mn-ea"/>
+                <a:cs typeface="+mn-cs"/>
+              </a:defRPr>
+            </a:lvl4pPr>
+            <a:lvl5pPr marL="1828800" algn="l" defTabSz="914400" rtl="0" eaLnBrk="1" latinLnBrk="0" hangingPunct="1">
+              <a:defRPr sz="1800" kern="1200">
+                <a:solidFill>
+                  <a:schemeClr val="tx1"/>
+                </a:solidFill>
+                <a:latin typeface="+mn-lt"/>
+                <a:ea typeface="+mn-ea"/>
+                <a:cs typeface="+mn-cs"/>
+              </a:defRPr>
+            </a:lvl5pPr>
+            <a:lvl6pPr marL="2286000" algn="l" defTabSz="914400" rtl="0" eaLnBrk="1" latinLnBrk="0" hangingPunct="1">
+              <a:defRPr sz="1800" kern="1200">
+                <a:solidFill>
+                  <a:schemeClr val="tx1"/>
+                </a:solidFill>
+                <a:latin typeface="+mn-lt"/>
+                <a:ea typeface="+mn-ea"/>
+                <a:cs typeface="+mn-cs"/>
+              </a:defRPr>
+            </a:lvl6pPr>
+            <a:lvl7pPr marL="2743200" algn="l" defTabSz="914400" rtl="0" eaLnBrk="1" latinLnBrk="0" hangingPunct="1">
+              <a:defRPr sz="1800" kern="1200">
+                <a:solidFill>
+                  <a:schemeClr val="tx1"/>
+                </a:solidFill>
+                <a:latin typeface="+mn-lt"/>
+                <a:ea typeface="+mn-ea"/>
+                <a:cs typeface="+mn-cs"/>
+              </a:defRPr>
+            </a:lvl7pPr>
+            <a:lvl8pPr marL="3200400" algn="l" defTabSz="914400" rtl="0" eaLnBrk="1" latinLnBrk="0" hangingPunct="1">
+              <a:defRPr sz="1800" kern="1200">
+                <a:solidFill>
+                  <a:schemeClr val="tx1"/>
+                </a:solidFill>
+                <a:latin typeface="+mn-lt"/>
+                <a:ea typeface="+mn-ea"/>
+                <a:cs typeface="+mn-cs"/>
+              </a:defRPr>
+            </a:lvl8pPr>
+            <a:lvl9pPr marL="3657600" algn="l" defTabSz="914400" rtl="0" eaLnBrk="1" latinLnBrk="0" hangingPunct="1">
+              <a:defRPr sz="1800" kern="1200">
+                <a:solidFill>
+                  <a:schemeClr val="tx1"/>
+                </a:solidFill>
+                <a:latin typeface="+mn-lt"/>
+                <a:ea typeface="+mn-ea"/>
+                <a:cs typeface="+mn-cs"/>
+              </a:defRPr>
+            </a:lvl9pPr>
+          </a:lstStyle>
+          <a:p>
+            <a:pPr algn="l"/>
+            <a:r>
+              <a:rPr lang="en-GB" sz="1400" b="1" dirty="0">
+                <a:solidFill>
+                  <a:srgbClr val="FF0000"/>
+                </a:solidFill>
+              </a:rPr>
+              <a:t>1.1.2.3</a:t>
             </a:r>
             <a:endParaRPr lang="en-GB" sz="1400" b="1" dirty="0">
               <a:solidFill>
@@ -16903,17 +18284,6 @@
 </file>
 
 <file path=customXml/item2.xml><?xml version="1.0" encoding="utf-8"?>
-<p:properties xmlns:p="http://schemas.microsoft.com/office/2006/metadata/properties" xmlns:xsi="http://www.w3.org/2001/XMLSchema-instance" xmlns:pc="http://schemas.microsoft.com/office/infopath/2007/PartnerControls">
-  <documentManagement>
-    <FileHash xmlns="e877d863-7f52-429f-b4eb-757b477388cc" xsi:nil="true"/>
-    <UniqueSourceRef xmlns="e877d863-7f52-429f-b4eb-757b477388cc" xsi:nil="true"/>
-    <CloudMigratorVersion xmlns="e877d863-7f52-429f-b4eb-757b477388cc" xsi:nil="true"/>
-    <CloudMigratorOriginId xmlns="e877d863-7f52-429f-b4eb-757b477388cc" xsi:nil="true"/>
-  </documentManagement>
-</p:properties>
-</file>
-
-<file path=customXml/item3.xml><?xml version="1.0" encoding="utf-8"?>
 <ct:contentTypeSchema xmlns:ct="http://schemas.microsoft.com/office/2006/metadata/contentType" xmlns:ma="http://schemas.microsoft.com/office/2006/metadata/properties/metaAttributes" ct:_="" ma:_="" ma:contentTypeName="Document" ma:contentTypeID="0x010100730B73D3A7C7654EB7DF1FA891B4A186" ma:contentTypeVersion="17" ma:contentTypeDescription="Create a new document." ma:contentTypeScope="" ma:versionID="afaa1ec4db8de9cd60b1dc72b1bcde1d">
   <xsd:schema xmlns:xsd="http://www.w3.org/2001/XMLSchema" xmlns:xs="http://www.w3.org/2001/XMLSchema" xmlns:p="http://schemas.microsoft.com/office/2006/metadata/properties" xmlns:ns3="e877d863-7f52-429f-b4eb-757b477388cc" targetNamespace="http://schemas.microsoft.com/office/2006/metadata/properties" ma:root="true" ma:fieldsID="8ba13f7f7b31d279507d3e9368fe2f3e" ns3:_="">
     <xsd:import namespace="e877d863-7f52-429f-b4eb-757b477388cc"/>
@@ -17163,6 +18533,17 @@
 </ct:contentTypeSchema>
 </file>
 
+<file path=customXml/item3.xml><?xml version="1.0" encoding="utf-8"?>
+<p:properties xmlns:p="http://schemas.microsoft.com/office/2006/metadata/properties" xmlns:xsi="http://www.w3.org/2001/XMLSchema-instance" xmlns:pc="http://schemas.microsoft.com/office/infopath/2007/PartnerControls">
+  <documentManagement>
+    <FileHash xmlns="e877d863-7f52-429f-b4eb-757b477388cc" xsi:nil="true"/>
+    <UniqueSourceRef xmlns="e877d863-7f52-429f-b4eb-757b477388cc" xsi:nil="true"/>
+    <CloudMigratorVersion xmlns="e877d863-7f52-429f-b4eb-757b477388cc" xsi:nil="true"/>
+    <CloudMigratorOriginId xmlns="e877d863-7f52-429f-b4eb-757b477388cc" xsi:nil="true"/>
+  </documentManagement>
+</p:properties>
+</file>
+
 <file path=customXml/itemProps1.xml><?xml version="1.0" encoding="utf-8"?>
 <ds:datastoreItem xmlns:ds="http://schemas.openxmlformats.org/officeDocument/2006/customXml" ds:itemID="{E2432879-E6B1-45F3-AA4E-099F90CDC81C}">
   <ds:schemaRefs>
@@ -17172,35 +18553,35 @@
 </file>
 
 <file path=customXml/itemProps2.xml><?xml version="1.0" encoding="utf-8"?>
-<ds:datastoreItem xmlns:ds="http://schemas.openxmlformats.org/officeDocument/2006/customXml" ds:itemID="{F9A1BA4E-D79C-4D26-A2D4-A9F7C506AC1C}">
+<ds:datastoreItem xmlns:ds="http://schemas.openxmlformats.org/officeDocument/2006/customXml" ds:itemID="{430F8AB2-B4C4-4BD4-B7D2-2CDE9E90A5E6}">
   <ds:schemaRefs>
+    <ds:schemaRef ds:uri="http://schemas.microsoft.com/office/2006/metadata/contentType"/>
+    <ds:schemaRef ds:uri="http://schemas.microsoft.com/office/2006/metadata/properties/metaAttributes"/>
+    <ds:schemaRef ds:uri="http://www.w3.org/2001/XMLSchema"/>
+    <ds:schemaRef ds:uri="http://schemas.microsoft.com/office/2006/metadata/properties"/>
     <ds:schemaRef ds:uri="e877d863-7f52-429f-b4eb-757b477388cc"/>
-    <ds:schemaRef ds:uri="http://purl.org/dc/dcmitype/"/>
+    <ds:schemaRef ds:uri="http://schemas.microsoft.com/office/2006/documentManagement/types"/>
+    <ds:schemaRef ds:uri="http://schemas.microsoft.com/office/infopath/2007/PartnerControls"/>
+    <ds:schemaRef ds:uri="http://schemas.openxmlformats.org/package/2006/metadata/core-properties"/>
     <ds:schemaRef ds:uri="http://purl.org/dc/elements/1.1/"/>
     <ds:schemaRef ds:uri="http://purl.org/dc/terms/"/>
-    <ds:schemaRef ds:uri="http://schemas.microsoft.com/office/2006/documentManagement/types"/>
-    <ds:schemaRef ds:uri="http://schemas.microsoft.com/office/2006/metadata/properties"/>
-    <ds:schemaRef ds:uri="http://schemas.microsoft.com/office/infopath/2007/PartnerControls"/>
-    <ds:schemaRef ds:uri="http://schemas.openxmlformats.org/package/2006/metadata/core-properties"/>
-    <ds:schemaRef ds:uri="http://www.w3.org/XML/1998/namespace"/>
+    <ds:schemaRef ds:uri="http://schemas.microsoft.com/internal/obd"/>
   </ds:schemaRefs>
 </ds:datastoreItem>
 </file>
 
 <file path=customXml/itemProps3.xml><?xml version="1.0" encoding="utf-8"?>
-<ds:datastoreItem xmlns:ds="http://schemas.openxmlformats.org/officeDocument/2006/customXml" ds:itemID="{430F8AB2-B4C4-4BD4-B7D2-2CDE9E90A5E6}">
+<ds:datastoreItem xmlns:ds="http://schemas.openxmlformats.org/officeDocument/2006/customXml" ds:itemID="{F9A1BA4E-D79C-4D26-A2D4-A9F7C506AC1C}">
   <ds:schemaRefs>
+    <ds:schemaRef ds:uri="http://schemas.microsoft.com/office/infopath/2007/PartnerControls"/>
+    <ds:schemaRef ds:uri="http://www.w3.org/XML/1998/namespace"/>
+    <ds:schemaRef ds:uri="http://schemas.microsoft.com/office/2006/metadata/properties"/>
+    <ds:schemaRef ds:uri="http://purl.org/dc/dcmitype/"/>
+    <ds:schemaRef ds:uri="http://purl.org/dc/terms/"/>
+    <ds:schemaRef ds:uri="http://purl.org/dc/elements/1.1/"/>
+    <ds:schemaRef ds:uri="http://schemas.microsoft.com/office/2006/documentManagement/types"/>
+    <ds:schemaRef ds:uri="http://schemas.openxmlformats.org/package/2006/metadata/core-properties"/>
     <ds:schemaRef ds:uri="e877d863-7f52-429f-b4eb-757b477388cc"/>
-    <ds:schemaRef ds:uri="http://purl.org/dc/elements/1.1/"/>
-    <ds:schemaRef ds:uri="http://purl.org/dc/terms/"/>
-    <ds:schemaRef ds:uri="http://schemas.microsoft.com/internal/obd"/>
-    <ds:schemaRef ds:uri="http://schemas.microsoft.com/office/2006/documentManagement/types"/>
-    <ds:schemaRef ds:uri="http://schemas.microsoft.com/office/2006/metadata/contentType"/>
-    <ds:schemaRef ds:uri="http://schemas.microsoft.com/office/2006/metadata/properties"/>
-    <ds:schemaRef ds:uri="http://schemas.microsoft.com/office/2006/metadata/properties/metaAttributes"/>
-    <ds:schemaRef ds:uri="http://schemas.microsoft.com/office/infopath/2007/PartnerControls"/>
-    <ds:schemaRef ds:uri="http://schemas.openxmlformats.org/package/2006/metadata/core-properties"/>
-    <ds:schemaRef ds:uri="http://www.w3.org/2001/XMLSchema"/>
   </ds:schemaRefs>
 </ds:datastoreItem>
 </file>